--- a/PROJECT_PRESENTATION.pptx
+++ b/PROJECT_PRESENTATION.pptx
@@ -9878,10 +9878,10 @@
       </p:pic>
       <p:pic>
         <p:nvPicPr>
-          <p:cNvPr id="13" name="Picture 12">
+          <p:cNvPr id="17" name="Picture 16">
             <a:extLst>
               <a:ext uri="{FF2B5EF4-FFF2-40B4-BE49-F238E27FC236}">
-                <a16:creationId xmlns:a16="http://schemas.microsoft.com/office/drawing/2014/main" id="{D25E3972-1789-4273-9606-3D402CB884DA}"/>
+                <a16:creationId xmlns:a16="http://schemas.microsoft.com/office/drawing/2014/main" id="{F9A4006F-0404-6987-1586-3EECDAD13AA0}"/>
               </a:ext>
             </a:extLst>
           </p:cNvPr>
@@ -9898,8 +9898,8 @@
         </p:blipFill>
         <p:spPr>
           <a:xfrm>
-            <a:off x="6079653" y="1996675"/>
-            <a:ext cx="5830114" cy="2612647"/>
+            <a:off x="6096000" y="1857539"/>
+            <a:ext cx="5820587" cy="2343477"/>
           </a:xfrm>
           <a:prstGeom prst="rect">
             <a:avLst/>

--- a/PROJECT_PRESENTATION.pptx
+++ b/PROJECT_PRESENTATION.pptx
@@ -9514,8 +9514,8 @@
         </p:nvSpPr>
         <p:spPr>
           <a:xfrm>
-            <a:off x="5891917" y="2297927"/>
-            <a:ext cx="5508075" cy="3590809"/>
+            <a:off x="5589767" y="2297927"/>
+            <a:ext cx="6115050" cy="3590809"/>
           </a:xfrm>
         </p:spPr>
         <p:txBody>
@@ -9526,27 +9526,39 @@
           <a:p>
             <a:pPr marL="285750" indent="-285750">
               <a:lnSpc>
-                <a:spcPct val="120000"/>
+                <a:spcPct val="90000"/>
               </a:lnSpc>
-              <a:buFont typeface="Arial" panose="020B0604020202020204" pitchFamily="34" charset="0"/>
-              <a:buChar char="•"/>
+              <a:spcAft>
+                <a:spcPts val="0"/>
+              </a:spcAft>
+              <a:buClr>
+                <a:schemeClr val="accent2"/>
+              </a:buClr>
+              <a:buFont typeface="Wingdings" panose="05000000000000000000" pitchFamily="2" charset="2"/>
+              <a:buChar char="q"/>
             </a:pPr>
             <a:r>
-              <a:rPr lang="en-US" dirty="0"/>
+              <a:rPr lang="en-US" sz="2000" cap="none" spc="0" dirty="0"/>
               <a:t>This project aims to develop a robust cancer prediction model using machine learning techniques</a:t>
             </a:r>
           </a:p>
           <a:p>
             <a:pPr marL="285750" indent="-285750">
               <a:lnSpc>
-                <a:spcPct val="120000"/>
+                <a:spcPct val="90000"/>
               </a:lnSpc>
-              <a:buFont typeface="Arial" panose="020B0604020202020204" pitchFamily="34" charset="0"/>
-              <a:buChar char="•"/>
+              <a:spcAft>
+                <a:spcPts val="0"/>
+              </a:spcAft>
+              <a:buClr>
+                <a:schemeClr val="accent2"/>
+              </a:buClr>
+              <a:buFont typeface="Wingdings" panose="05000000000000000000" pitchFamily="2" charset="2"/>
+              <a:buChar char="q"/>
             </a:pPr>
             <a:r>
-              <a:rPr lang="en-US" dirty="0"/>
-              <a:t>THE outcome of the research is a model , trained to accurately predict the outcome (malignant vs benign) - based on tumor features from the dataset described below</a:t>
+              <a:rPr lang="en-US" sz="2000" cap="none" spc="0" dirty="0"/>
+              <a:t>The outcome of the above research is a model , trained to accurately predict the outcome (malignant vs benign) - based on tumor features from the dataset described below</a:t>
             </a:r>
           </a:p>
           <a:p>
@@ -9968,144 +9980,6 @@
       </p:sp>
       <p:sp>
         <p:nvSpPr>
-          <p:cNvPr id="3" name="Content Placeholder 2">
-            <a:extLst>
-              <a:ext uri="{FF2B5EF4-FFF2-40B4-BE49-F238E27FC236}">
-                <a16:creationId xmlns:a16="http://schemas.microsoft.com/office/drawing/2014/main" id="{05948542-FCE1-3AE6-C6C9-17975609DF70}"/>
-              </a:ext>
-            </a:extLst>
-          </p:cNvPr>
-          <p:cNvSpPr>
-            <a:spLocks noGrp="1"/>
-          </p:cNvSpPr>
-          <p:nvPr>
-            <p:ph sz="quarter" idx="15"/>
-          </p:nvPr>
-        </p:nvSpPr>
-        <p:spPr>
-          <a:noFill/>
-        </p:spPr>
-        <p:txBody>
-          <a:bodyPr vert="horz" lIns="91440" tIns="45720" rIns="91440" bIns="45720" rtlCol="0" anchor="t">
-            <a:normAutofit lnSpcReduction="10000"/>
-          </a:bodyPr>
-          <a:lstStyle/>
-          <a:p>
-            <a:r>
-              <a:rPr lang="en-US" dirty="0"/>
-              <a:t>Consistent rehearsal</a:t>
-            </a:r>
-          </a:p>
-          <a:p>
-            <a:pPr lvl="1"/>
-            <a:r>
-              <a:rPr lang="en-US" dirty="0"/>
-              <a:t>Strengthen your familiarity</a:t>
-            </a:r>
-          </a:p>
-          <a:p>
-            <a:r>
-              <a:rPr lang="en-US" dirty="0"/>
-              <a:t>Refine delivery style</a:t>
-            </a:r>
-          </a:p>
-          <a:p>
-            <a:pPr lvl="1"/>
-            <a:r>
-              <a:rPr lang="en-US" dirty="0"/>
-              <a:t>Pacing, tone, and emphasis</a:t>
-            </a:r>
-          </a:p>
-          <a:p>
-            <a:r>
-              <a:rPr lang="en-US" dirty="0"/>
-              <a:t>Timing and transitions</a:t>
-            </a:r>
-          </a:p>
-          <a:p>
-            <a:pPr lvl="1"/>
-            <a:r>
-              <a:rPr lang="en-US" dirty="0"/>
-              <a:t>Aim for seamless, professional delivery</a:t>
-            </a:r>
-          </a:p>
-          <a:p>
-            <a:r>
-              <a:rPr lang="en-US" dirty="0"/>
-              <a:t>Practice audience</a:t>
-            </a:r>
-          </a:p>
-          <a:p>
-            <a:pPr lvl="1"/>
-            <a:r>
-              <a:rPr lang="en-US" dirty="0"/>
-              <a:t>Enlist colleagues to listen &amp; provide feedback</a:t>
-            </a:r>
-          </a:p>
-          <a:p>
-            <a:pPr lvl="1"/>
-            <a:endParaRPr lang="en-US" dirty="0"/>
-          </a:p>
-        </p:txBody>
-      </p:sp>
-      <p:sp>
-        <p:nvSpPr>
-          <p:cNvPr id="4" name="Content Placeholder 3">
-            <a:extLst>
-              <a:ext uri="{FF2B5EF4-FFF2-40B4-BE49-F238E27FC236}">
-                <a16:creationId xmlns:a16="http://schemas.microsoft.com/office/drawing/2014/main" id="{3EE67564-0457-E486-97D0-8109D2C97B3F}"/>
-              </a:ext>
-            </a:extLst>
-          </p:cNvPr>
-          <p:cNvSpPr>
-            <a:spLocks noGrp="1"/>
-          </p:cNvSpPr>
-          <p:nvPr>
-            <p:ph sz="quarter" idx="16"/>
-          </p:nvPr>
-        </p:nvSpPr>
-        <p:spPr>
-          <a:noFill/>
-        </p:spPr>
-        <p:txBody>
-          <a:bodyPr>
-            <a:normAutofit/>
-          </a:bodyPr>
-          <a:lstStyle/>
-          <a:p>
-            <a:r>
-              <a:rPr lang="en-US" dirty="0"/>
-              <a:t>Seek feedback</a:t>
-            </a:r>
-          </a:p>
-          <a:p>
-            <a:r>
-              <a:rPr lang="en-US" dirty="0"/>
-              <a:t>Reflect on performance</a:t>
-            </a:r>
-          </a:p>
-          <a:p>
-            <a:r>
-              <a:rPr lang="en-US" dirty="0"/>
-              <a:t>Explore new techniques</a:t>
-            </a:r>
-          </a:p>
-          <a:p>
-            <a:r>
-              <a:rPr lang="en-US" dirty="0"/>
-              <a:t>Set personal goals</a:t>
-            </a:r>
-          </a:p>
-          <a:p>
-            <a:r>
-              <a:rPr lang="en-US" dirty="0"/>
-              <a:t>Iterate and adapt</a:t>
-            </a:r>
-          </a:p>
-        </p:txBody>
-      </p:sp>
-      <p:sp>
-        <p:nvSpPr>
           <p:cNvPr id="5" name="Rectangle 4">
             <a:extLst>
               <a:ext uri="{FF2B5EF4-FFF2-40B4-BE49-F238E27FC236}">
@@ -10172,6 +10046,215 @@
           <a:lstStyle/>
           <a:p>
             <a:pPr algn="ctr"/>
+            <a:endParaRPr lang="en-US" dirty="0"/>
+          </a:p>
+        </p:txBody>
+      </p:sp>
+      <p:sp>
+        <p:nvSpPr>
+          <p:cNvPr id="7" name="Content Placeholder 6">
+            <a:extLst>
+              <a:ext uri="{FF2B5EF4-FFF2-40B4-BE49-F238E27FC236}">
+                <a16:creationId xmlns:a16="http://schemas.microsoft.com/office/drawing/2014/main" id="{23ECF72A-3495-ECDD-8004-A7B96CF8BA26}"/>
+              </a:ext>
+            </a:extLst>
+          </p:cNvPr>
+          <p:cNvSpPr>
+            <a:spLocks noGrp="1"/>
+          </p:cNvSpPr>
+          <p:nvPr>
+            <p:ph sz="quarter" idx="15"/>
+          </p:nvPr>
+        </p:nvSpPr>
+        <p:spPr>
+          <a:xfrm>
+            <a:off x="838200" y="1790329"/>
+            <a:ext cx="10389042" cy="4113054"/>
+          </a:xfrm>
+        </p:spPr>
+        <p:txBody>
+          <a:bodyPr>
+            <a:normAutofit/>
+          </a:bodyPr>
+          <a:lstStyle/>
+          <a:p>
+            <a:pPr marL="285750" indent="-285750">
+              <a:lnSpc>
+                <a:spcPct val="80000"/>
+              </a:lnSpc>
+              <a:buFont typeface="Wingdings" panose="05000000000000000000" pitchFamily="2" charset="2"/>
+              <a:buChar char="q"/>
+            </a:pPr>
+            <a:r>
+              <a:rPr lang="en-US" sz="1600" dirty="0"/>
+              <a:t>Breast cancer diagnosis can be predicted with roughly 97% accuracy and 98% precision, using these 30 histological tumor characteristics. However, in this project we rely mostly on recall and f1 metrics – which are roughly  97%</a:t>
+            </a:r>
+          </a:p>
+          <a:p>
+            <a:pPr marL="285750" indent="-285750">
+              <a:lnSpc>
+                <a:spcPct val="80000"/>
+              </a:lnSpc>
+              <a:buFont typeface="Wingdings" panose="05000000000000000000" pitchFamily="2" charset="2"/>
+              <a:buChar char="q"/>
+            </a:pPr>
+            <a:r>
+              <a:rPr lang="en-US" sz="1600" dirty="0"/>
+              <a:t>Machine learning algorithm that performed best is SVM - support vector machine, followed by extra boost classifier and logistics regression</a:t>
+            </a:r>
+          </a:p>
+          <a:p>
+            <a:pPr marL="285750" indent="-285750">
+              <a:lnSpc>
+                <a:spcPct val="80000"/>
+              </a:lnSpc>
+              <a:buFont typeface="Wingdings" panose="05000000000000000000" pitchFamily="2" charset="2"/>
+              <a:buChar char="q"/>
+            </a:pPr>
+            <a:r>
+              <a:rPr lang="en-US" sz="1600" dirty="0"/>
+              <a:t>The most predictive features found with the procedure described in Feature Selection slide are</a:t>
+            </a:r>
+          </a:p>
+          <a:p>
+            <a:r>
+              <a:rPr lang="en-US" dirty="0"/>
+              <a:t>	</a:t>
+            </a:r>
+            <a:r>
+              <a:rPr lang="en-US" dirty="0" err="1"/>
+              <a:t>radius_mean</a:t>
+            </a:r>
+            <a:r>
+              <a:rPr lang="en-US" dirty="0"/>
+              <a:t>		</a:t>
+            </a:r>
+            <a:r>
+              <a:rPr lang="en-US" dirty="0" err="1"/>
+              <a:t>radius_se</a:t>
+            </a:r>
+            <a:r>
+              <a:rPr lang="en-US" dirty="0"/>
+              <a:t>    		</a:t>
+            </a:r>
+            <a:r>
+              <a:rPr lang="en-US" dirty="0" err="1"/>
+              <a:t>perimeter_mean</a:t>
+            </a:r>
+            <a:endParaRPr lang="en-US" dirty="0"/>
+          </a:p>
+          <a:p>
+            <a:r>
+              <a:rPr lang="en-US" dirty="0"/>
+              <a:t>	</a:t>
+            </a:r>
+            <a:r>
+              <a:rPr lang="en-US" dirty="0" err="1"/>
+              <a:t>area_se</a:t>
+            </a:r>
+            <a:r>
+              <a:rPr lang="en-US" dirty="0"/>
+              <a:t> 			</a:t>
+            </a:r>
+            <a:r>
+              <a:rPr lang="en-US" dirty="0" err="1"/>
+              <a:t>area_worst</a:t>
+            </a:r>
+            <a:r>
+              <a:rPr lang="en-US" dirty="0"/>
+              <a:t>   		</a:t>
+            </a:r>
+            <a:r>
+              <a:rPr lang="en-US" dirty="0" err="1"/>
+              <a:t>concavity_mean</a:t>
+            </a:r>
+            <a:r>
+              <a:rPr lang="en-US" dirty="0"/>
+              <a:t> </a:t>
+            </a:r>
+          </a:p>
+          <a:p>
+            <a:r>
+              <a:rPr lang="en-US" dirty="0"/>
+              <a:t>	</a:t>
+            </a:r>
+            <a:r>
+              <a:rPr lang="en-US" dirty="0" err="1"/>
+              <a:t>compactness_worst</a:t>
+            </a:r>
+            <a:r>
+              <a:rPr lang="en-US" dirty="0"/>
+              <a:t>      	</a:t>
+            </a:r>
+            <a:r>
+              <a:rPr lang="en-US" dirty="0" err="1"/>
+              <a:t>perimeter_se</a:t>
+            </a:r>
+            <a:r>
+              <a:rPr lang="en-US" dirty="0"/>
+              <a:t> 		</a:t>
+            </a:r>
+            <a:r>
+              <a:rPr lang="en-US" dirty="0" err="1"/>
+              <a:t>perimeter_worst</a:t>
+            </a:r>
+            <a:endParaRPr lang="en-US" dirty="0"/>
+          </a:p>
+          <a:p>
+            <a:r>
+              <a:rPr lang="en-US" dirty="0"/>
+              <a:t>	concave </a:t>
+            </a:r>
+            <a:r>
+              <a:rPr lang="en-US" dirty="0" err="1"/>
+              <a:t>points_worst</a:t>
+            </a:r>
+            <a:r>
+              <a:rPr lang="en-US" dirty="0"/>
+              <a:t> 	</a:t>
+            </a:r>
+            <a:r>
+              <a:rPr lang="en-US" dirty="0" err="1"/>
+              <a:t>radius_worst</a:t>
+            </a:r>
+            <a:r>
+              <a:rPr lang="en-US" dirty="0"/>
+              <a:t>		</a:t>
+            </a:r>
+            <a:r>
+              <a:rPr lang="en-US" dirty="0" err="1"/>
+              <a:t>texture_worst</a:t>
+            </a:r>
+            <a:r>
+              <a:rPr lang="en-US" dirty="0"/>
+              <a:t> 		</a:t>
+            </a:r>
+          </a:p>
+          <a:p>
+            <a:r>
+              <a:rPr lang="en-US" dirty="0"/>
+              <a:t>	</a:t>
+            </a:r>
+            <a:r>
+              <a:rPr lang="en-US" dirty="0" err="1"/>
+              <a:t>texture_mean</a:t>
+            </a:r>
+            <a:r>
+              <a:rPr lang="en-US" dirty="0"/>
+              <a:t>		</a:t>
+            </a:r>
+            <a:r>
+              <a:rPr lang="en-US" dirty="0" err="1"/>
+              <a:t>concavity_worst</a:t>
+            </a:r>
+            <a:r>
+              <a:rPr lang="en-US" dirty="0"/>
+              <a:t> 		</a:t>
+            </a:r>
+            <a:r>
+              <a:rPr lang="en-US" dirty="0" err="1"/>
+              <a:t>area_mean</a:t>
+            </a:r>
             <a:endParaRPr lang="en-US" dirty="0"/>
           </a:p>
         </p:txBody>
@@ -11540,7 +11623,7 @@
         </p:spPr>
         <p:txBody>
           <a:bodyPr>
-            <a:normAutofit fontScale="85000" lnSpcReduction="10000"/>
+            <a:normAutofit/>
           </a:bodyPr>
           <a:lstStyle/>
           <a:p>
@@ -11558,11 +11641,11 @@
               <a:buChar char="q"/>
             </a:pPr>
             <a:r>
-              <a:rPr lang="en-US" sz="1900" dirty="0"/>
+              <a:rPr lang="en-US" cap="none" spc="0" dirty="0"/>
               <a:t>Code is available HERE: </a:t>
             </a:r>
             <a:r>
-              <a:rPr lang="en-US" sz="1900" dirty="0">
+              <a:rPr lang="en-US" cap="none" spc="0" dirty="0">
                 <a:hlinkClick r:id="rId2">
                   <a:extLst>
                     <a:ext uri="{A12FA001-AC4F-418D-AE19-62706E023703}">
@@ -11571,9 +11654,9 @@
                   </a:extLst>
                 </a:hlinkClick>
               </a:rPr>
-              <a:t>https://github.com/lmanov1/CancerPrediction</a:t>
-            </a:r>
-            <a:endParaRPr lang="en-US" sz="1900" dirty="0"/>
+              <a:t>https://github.Com/lmanov1/cancerprediction</a:t>
+            </a:r>
+            <a:endParaRPr lang="en-US" cap="none" spc="0" dirty="0"/>
           </a:p>
           <a:p>
             <a:pPr marL="285750" indent="-285750">
@@ -11590,8 +11673,8 @@
               <a:buChar char="q"/>
             </a:pPr>
             <a:r>
-              <a:rPr lang="en-US" sz="1900" dirty="0"/>
-              <a:t>The project consists of several notebooks (5) that cover different aspects of the model development process</a:t>
+              <a:rPr lang="en-US" cap="none" spc="0" dirty="0"/>
+              <a:t>The project consists of five notebooks that cover different aspects of the model development process</a:t>
             </a:r>
           </a:p>
           <a:p>
@@ -11609,8 +11692,8 @@
               <a:buChar char="q"/>
             </a:pPr>
             <a:r>
-              <a:rPr lang="en-US" sz="1900" dirty="0"/>
-              <a:t>Each notebook can be run separately. It will read an output of a previous Notebook , and save its work by the end for the next one to use</a:t>
+              <a:rPr lang="en-US" cap="none" spc="0" dirty="0"/>
+              <a:t>Each notebook can be run separately. It will read an output of a previous notebook , and save its work by the end for the next one to use</a:t>
             </a:r>
           </a:p>
           <a:p>
@@ -11628,8 +11711,21 @@
               <a:buChar char="q"/>
             </a:pPr>
             <a:r>
-              <a:rPr lang="en-US" sz="1900" dirty="0"/>
-              <a:t>For example, 5_modeltraining.ipynb will read a pickle saved by 4_FeatureEngeneering.ipynb , and save the work as a FinalModelScores.xlsx</a:t>
+              <a:rPr lang="en-US" cap="none" spc="0" dirty="0"/>
+              <a:t>For example, “5_ModelTraining.Ipynb” will read a pickle saved by 4_FeatureEngineering.Ipynb” , and save the work as </a:t>
+            </a:r>
+            <a:r>
+              <a:rPr lang="en-US" sz="1400" cap="none" spc="0" dirty="0"/>
+              <a:t> </a:t>
+            </a:r>
+            <a:r>
+              <a:rPr lang="en-US" sz="1600" cap="none" spc="0" dirty="0">
+                <a:solidFill>
+                  <a:srgbClr val="CE9178"/>
+                </a:solidFill>
+                <a:latin typeface="Consolas" panose="020B0609020204030204" pitchFamily="49" charset="0"/>
+              </a:rPr>
+              <a:t>“Intermidiatedata/FinalModelScores.xlsx”</a:t>
             </a:r>
           </a:p>
           <a:p>
@@ -11647,8 +11743,8 @@
               <a:buChar char="q"/>
             </a:pPr>
             <a:r>
-              <a:rPr lang="en-US" sz="1900" dirty="0"/>
-              <a:t>All intermediate data saved in ‘intermidiatedata’ folder.in addition, All files zipped available for download here: https://drive.google.com/drive/folders/1299AaXpzSqLtmCmHTQCcWJqcGHFNtYBD?usp=drive_link </a:t>
+              <a:rPr lang="en-US" cap="none" spc="0" dirty="0"/>
+              <a:t>All intermediate data saved by all the notebooks in ‘IntermidiateData’ folder. In addition, all intermediate files available for download zipped , here: https://drive.Google.Com/drive/folders/1299aaxpzsqltmcmhtqccwjqcghfntybd?Usp=drive_link </a:t>
             </a:r>
           </a:p>
           <a:p>
@@ -11666,7 +11762,7 @@
               <a:buChar char="q"/>
             </a:pPr>
             <a:r>
-              <a:rPr lang="en-US" sz="1900" dirty="0"/>
+              <a:rPr lang="en-US" cap="none" spc="0" dirty="0"/>
               <a:t>Best to run with Jupiter and not colab</a:t>
             </a:r>
           </a:p>
@@ -11891,7 +11987,7 @@
             </a:r>
           </a:p>
           <a:p>
-            <a:pPr marL="285750" indent="-285750">
+            <a:pPr marL="742950" lvl="2" indent="-285750">
               <a:buFont typeface="Arial" panose="020B0604020202020204" pitchFamily="34" charset="0"/>
               <a:buChar char="•"/>
             </a:pPr>
@@ -11901,7 +11997,7 @@
             </a:r>
           </a:p>
           <a:p>
-            <a:pPr marL="285750" indent="-285750">
+            <a:pPr marL="742950" lvl="2" indent="-285750">
               <a:buFont typeface="Arial" panose="020B0604020202020204" pitchFamily="34" charset="0"/>
               <a:buChar char="•"/>
             </a:pPr>
@@ -11911,7 +12007,7 @@
             </a:r>
           </a:p>
           <a:p>
-            <a:pPr marL="285750" indent="-285750">
+            <a:pPr marL="742950" lvl="2" indent="-285750">
               <a:buFont typeface="Arial" panose="020B0604020202020204" pitchFamily="34" charset="0"/>
               <a:buChar char="•"/>
             </a:pPr>
@@ -11939,10 +12035,6 @@
               <a:rPr lang="en-US" dirty="0"/>
               <a:t>Each instance in the dataset is labeled as either benign or malignant, facilitating binary classification tasks</a:t>
             </a:r>
-            <a:br>
-              <a:rPr lang="en-US" dirty="0"/>
-            </a:br>
-            <a:endParaRPr lang="en-US" dirty="0"/>
           </a:p>
           <a:p>
             <a:pPr marL="285750" indent="-285750">
@@ -11955,6 +12047,9 @@
             </a:r>
           </a:p>
           <a:p>
+            <a:pPr marL="228600" lvl="2" indent="0">
+              <a:buNone/>
+            </a:pPr>
             <a:r>
               <a:rPr lang="en-US" dirty="0"/>
               <a:t>https://archive.ics.uci.edu/ml/datasets/Breast+Cancer+Wisconsin+(Diagnostic)</a:t>
@@ -12405,45 +12500,23 @@
               <a:t>Final data frame saved as </a:t>
             </a:r>
             <a:r>
-              <a:rPr lang="en-US" b="0" dirty="0">
+              <a:rPr lang="en-US" sz="2100" dirty="0">
                 <a:solidFill>
                   <a:srgbClr val="CE9178"/>
                 </a:solidFill>
-                <a:effectLst/>
-                <a:highlight>
-                  <a:srgbClr val="1E1E1E"/>
-                </a:highlight>
                 <a:latin typeface="Consolas" panose="020B0609020204030204" pitchFamily="49" charset="0"/>
               </a:rPr>
-              <a:t>IntermidiateData</a:t>
-            </a:r>
-            <a:r>
-              <a:rPr lang="en-US" dirty="0"/>
-              <a:t>/</a:t>
-            </a:r>
-            <a:r>
-              <a:rPr lang="pt-BR" b="0" dirty="0">
+              <a:t>IntermidiateData/</a:t>
+            </a:r>
+            <a:r>
+              <a:rPr lang="pt-BR" sz="2100" dirty="0">
                 <a:solidFill>
                   <a:srgbClr val="CE9178"/>
                 </a:solidFill>
-                <a:effectLst/>
-                <a:highlight>
-                  <a:srgbClr val="1E1E1E"/>
-                </a:highlight>
                 <a:latin typeface="Consolas" panose="020B0609020204030204" pitchFamily="49" charset="0"/>
               </a:rPr>
               <a:t> 2_EDA_Cancer_Data.pkl</a:t>
             </a:r>
-            <a:endParaRPr lang="pt-BR" b="0" dirty="0">
-              <a:solidFill>
-                <a:srgbClr val="DADADA"/>
-              </a:solidFill>
-              <a:effectLst/>
-              <a:highlight>
-                <a:srgbClr val="1E1E1E"/>
-              </a:highlight>
-              <a:latin typeface="Consolas" panose="020B0609020204030204" pitchFamily="49" charset="0"/>
-            </a:endParaRPr>
           </a:p>
           <a:p>
             <a:pPr marL="285750" indent="-285750">
@@ -12619,8 +12692,8 @@
         </p:nvSpPr>
         <p:spPr>
           <a:xfrm>
-            <a:off x="838200" y="365760"/>
-            <a:ext cx="10515600" cy="1033670"/>
+            <a:off x="607612" y="278938"/>
+            <a:ext cx="10515600" cy="703401"/>
           </a:xfrm>
         </p:spPr>
         <p:txBody>
@@ -12652,8 +12725,8 @@
         </p:nvSpPr>
         <p:spPr>
           <a:xfrm>
-            <a:off x="838199" y="1691641"/>
-            <a:ext cx="10444702" cy="4470330"/>
+            <a:off x="838199" y="1415332"/>
+            <a:ext cx="10444702" cy="4746639"/>
           </a:xfrm>
         </p:spPr>
         <p:txBody>
@@ -12764,6 +12837,362 @@
               <a:buFont typeface="Wingdings" panose="05000000000000000000" pitchFamily="2" charset="2"/>
               <a:buChar char="q"/>
             </a:pPr>
+            <a:endParaRPr lang="pt-BR" b="0" dirty="0">
+              <a:solidFill>
+                <a:srgbClr val="DADADA"/>
+              </a:solidFill>
+              <a:effectLst/>
+              <a:highlight>
+                <a:srgbClr val="1E1E1E"/>
+              </a:highlight>
+              <a:latin typeface="Consolas" panose="020B0609020204030204" pitchFamily="49" charset="0"/>
+            </a:endParaRPr>
+          </a:p>
+          <a:p>
+            <a:pPr marL="285750" indent="-285750">
+              <a:buFont typeface="Wingdings" panose="05000000000000000000" pitchFamily="2" charset="2"/>
+              <a:buChar char="q"/>
+            </a:pPr>
+            <a:endParaRPr lang="en-US" dirty="0"/>
+          </a:p>
+          <a:p>
+            <a:endParaRPr lang="en-US" dirty="0"/>
+          </a:p>
+        </p:txBody>
+      </p:sp>
+      <p:sp>
+        <p:nvSpPr>
+          <p:cNvPr id="4" name="Rectangle 1">
+            <a:extLst>
+              <a:ext uri="{FF2B5EF4-FFF2-40B4-BE49-F238E27FC236}">
+                <a16:creationId xmlns:a16="http://schemas.microsoft.com/office/drawing/2014/main" id="{57BCEC61-D20C-7C1F-2787-43B4583E7814}"/>
+              </a:ext>
+            </a:extLst>
+          </p:cNvPr>
+          <p:cNvSpPr>
+            <a:spLocks noChangeArrowheads="1"/>
+          </p:cNvSpPr>
+          <p:nvPr/>
+        </p:nvSpPr>
+        <p:spPr bwMode="auto">
+          <a:xfrm>
+            <a:off x="0" y="178262"/>
+            <a:ext cx="22442" cy="100676"/>
+          </a:xfrm>
+          <a:prstGeom prst="rect">
+            <a:avLst/>
+          </a:prstGeom>
+          <a:solidFill>
+            <a:srgbClr val="F8F9FA"/>
+          </a:solidFill>
+          <a:ln>
+            <a:noFill/>
+          </a:ln>
+          <a:effectLst/>
+          <a:extLst>
+            <a:ext uri="{91240B29-F687-4F45-9708-019B960494DF}">
+              <a14:hiddenLine xmlns:a14="http://schemas.microsoft.com/office/drawing/2010/main" w="9525">
+                <a:solidFill>
+                  <a:schemeClr val="tx1"/>
+                </a:solidFill>
+                <a:miter lim="800000"/>
+                <a:headEnd/>
+                <a:tailEnd/>
+              </a14:hiddenLine>
+            </a:ext>
+            <a:ext uri="{AF507438-7753-43E0-B8FC-AC1667EBCBE1}">
+              <a14:hiddenEffects xmlns:a14="http://schemas.microsoft.com/office/drawing/2010/main">
+                <a:effectLst>
+                  <a:outerShdw dist="35921" dir="2700000" algn="ctr" rotWithShape="0">
+                    <a:schemeClr val="bg2"/>
+                  </a:outerShdw>
+                </a:effectLst>
+              </a14:hiddenEffects>
+            </a:ext>
+          </a:extLst>
+        </p:spPr>
+        <p:txBody>
+          <a:bodyPr vert="horz" wrap="none" lIns="0" tIns="-11109" rIns="0" bIns="-11109" numCol="1" anchor="ctr" anchorCtr="0" compatLnSpc="1">
+            <a:prstTxWarp prst="textNoShape">
+              <a:avLst/>
+            </a:prstTxWarp>
+            <a:spAutoFit/>
+          </a:bodyPr>
+          <a:lstStyle/>
+          <a:p>
+            <a:pPr marL="0" marR="0" lvl="0" indent="0" algn="l" defTabSz="914400" rtl="0" eaLnBrk="0" fontAlgn="base" latinLnBrk="0" hangingPunct="0">
+              <a:lnSpc>
+                <a:spcPct val="100000"/>
+              </a:lnSpc>
+              <a:spcBef>
+                <a:spcPct val="0"/>
+              </a:spcBef>
+              <a:spcAft>
+                <a:spcPct val="0"/>
+              </a:spcAft>
+              <a:buClrTx/>
+              <a:buSzTx/>
+              <a:buFontTx/>
+              <a:buNone/>
+              <a:tabLst/>
+            </a:pPr>
+            <a:r>
+              <a:rPr kumimoji="0" lang="en-US" altLang="en-US" sz="800" b="0" i="0" u="none" strike="noStrike" cap="none" normalizeH="0" baseline="0" dirty="0">
+                <a:ln>
+                  <a:noFill/>
+                </a:ln>
+                <a:solidFill>
+                  <a:schemeClr val="tx1"/>
+                </a:solidFill>
+                <a:effectLst/>
+              </a:rPr>
+              <a:t> </a:t>
+            </a:r>
+            <a:endParaRPr kumimoji="0" lang="en-US" altLang="en-US" sz="1800" b="0" i="0" u="none" strike="noStrike" cap="none" normalizeH="0" baseline="0" dirty="0">
+              <a:ln>
+                <a:noFill/>
+              </a:ln>
+              <a:solidFill>
+                <a:schemeClr val="tx1"/>
+              </a:solidFill>
+              <a:effectLst/>
+              <a:latin typeface="Arial" panose="020B0604020202020204" pitchFamily="34" charset="0"/>
+            </a:endParaRPr>
+          </a:p>
+        </p:txBody>
+      </p:sp>
+    </p:spTree>
+    <p:extLst>
+      <p:ext uri="{BB962C8B-B14F-4D97-AF65-F5344CB8AC3E}">
+        <p14:creationId xmlns:p14="http://schemas.microsoft.com/office/powerpoint/2010/main" val="476628065"/>
+      </p:ext>
+    </p:extLst>
+  </p:cSld>
+  <p:clrMapOvr>
+    <a:masterClrMapping/>
+  </p:clrMapOvr>
+</p:sld>
+</file>
+
+<file path=ppt/slides/slide8.xml><?xml version="1.0" encoding="utf-8"?>
+<p:sld xmlns:a="http://schemas.openxmlformats.org/drawingml/2006/main" xmlns:r="http://schemas.openxmlformats.org/officeDocument/2006/relationships" xmlns:p="http://schemas.openxmlformats.org/presentationml/2006/main">
+  <p:cSld>
+    <p:spTree>
+      <p:nvGrpSpPr>
+        <p:cNvPr id="1" name=""/>
+        <p:cNvGrpSpPr/>
+        <p:nvPr/>
+      </p:nvGrpSpPr>
+      <p:grpSpPr>
+        <a:xfrm>
+          <a:off x="0" y="0"/>
+          <a:ext cx="0" cy="0"/>
+          <a:chOff x="0" y="0"/>
+          <a:chExt cx="0" cy="0"/>
+        </a:xfrm>
+      </p:grpSpPr>
+      <p:sp>
+        <p:nvSpPr>
+          <p:cNvPr id="2" name="Title 1">
+            <a:extLst>
+              <a:ext uri="{FF2B5EF4-FFF2-40B4-BE49-F238E27FC236}">
+                <a16:creationId xmlns:a16="http://schemas.microsoft.com/office/drawing/2014/main" id="{F3BAD463-B141-715A-BE39-A5FEBA9827CC}"/>
+              </a:ext>
+            </a:extLst>
+          </p:cNvPr>
+          <p:cNvSpPr>
+            <a:spLocks noGrp="1"/>
+          </p:cNvSpPr>
+          <p:nvPr>
+            <p:ph type="title"/>
+          </p:nvPr>
+        </p:nvSpPr>
+        <p:spPr>
+          <a:xfrm>
+            <a:off x="838200" y="365760"/>
+            <a:ext cx="10515600" cy="580445"/>
+          </a:xfrm>
+        </p:spPr>
+        <p:txBody>
+          <a:bodyPr/>
+          <a:lstStyle/>
+          <a:p>
+            <a:r>
+              <a:rPr lang="en-US" dirty="0"/>
+              <a:t>4. Feature engineering and features selection</a:t>
+            </a:r>
+          </a:p>
+        </p:txBody>
+      </p:sp>
+      <p:sp>
+        <p:nvSpPr>
+          <p:cNvPr id="3" name="Content Placeholder 2">
+            <a:extLst>
+              <a:ext uri="{FF2B5EF4-FFF2-40B4-BE49-F238E27FC236}">
+                <a16:creationId xmlns:a16="http://schemas.microsoft.com/office/drawing/2014/main" id="{2FE0AEE7-0995-7EBB-85F3-554947126081}"/>
+              </a:ext>
+            </a:extLst>
+          </p:cNvPr>
+          <p:cNvSpPr>
+            <a:spLocks noGrp="1"/>
+          </p:cNvSpPr>
+          <p:nvPr>
+            <p:ph sz="quarter" idx="13"/>
+          </p:nvPr>
+        </p:nvSpPr>
+        <p:spPr>
+          <a:xfrm>
+            <a:off x="838199" y="946205"/>
+            <a:ext cx="10444702" cy="5215766"/>
+          </a:xfrm>
+        </p:spPr>
+        <p:txBody>
+          <a:bodyPr>
+            <a:normAutofit fontScale="77500" lnSpcReduction="20000"/>
+          </a:bodyPr>
+          <a:lstStyle/>
+          <a:p>
+            <a:endParaRPr lang="en-US" dirty="0"/>
+          </a:p>
+          <a:p>
+            <a:pPr marL="285750" indent="-285750">
+              <a:buFont typeface="Wingdings" panose="05000000000000000000" pitchFamily="2" charset="2"/>
+              <a:buChar char="q"/>
+            </a:pPr>
+            <a:r>
+              <a:rPr lang="en-US" dirty="0"/>
+              <a:t>Most features on the dataset are engineered and preprocessed, there is nothing obvious to construct</a:t>
+            </a:r>
+          </a:p>
+          <a:p>
+            <a:pPr marL="285750" indent="-285750">
+              <a:buFont typeface="Wingdings" panose="05000000000000000000" pitchFamily="2" charset="2"/>
+              <a:buChar char="q"/>
+            </a:pPr>
+            <a:r>
+              <a:rPr lang="en-US" dirty="0"/>
+              <a:t>Correlations were visualized in EDA previously</a:t>
+            </a:r>
+          </a:p>
+          <a:p>
+            <a:pPr marL="285750" indent="-285750">
+              <a:buFont typeface="Wingdings" panose="05000000000000000000" pitchFamily="2" charset="2"/>
+              <a:buChar char="q"/>
+            </a:pPr>
+            <a:r>
+              <a:rPr lang="en-US" dirty="0"/>
+              <a:t>Label encode target variable: B = 0 , M = 1</a:t>
+            </a:r>
+          </a:p>
+          <a:p>
+            <a:pPr marL="285750" indent="-285750">
+              <a:buFont typeface="Wingdings" panose="05000000000000000000" pitchFamily="2" charset="2"/>
+              <a:buChar char="q"/>
+            </a:pPr>
+            <a:r>
+              <a:rPr lang="en-US" dirty="0"/>
+              <a:t>Perform examination with unsupervised model to determine if the two classes can be efficiently separated, so that supervised classification can be done on the dataset.</a:t>
+            </a:r>
+          </a:p>
+          <a:p>
+            <a:pPr marL="742950" lvl="2" indent="-285750">
+              <a:buFont typeface="Wingdings" panose="05000000000000000000" pitchFamily="2" charset="2"/>
+              <a:buChar char="ü"/>
+            </a:pPr>
+            <a:r>
+              <a:rPr lang="en-US" dirty="0"/>
+              <a:t> Using  Kmean, OneClassSVM, GaussianMixture.  Best silhouette score – to GaussianMixture (0.79)</a:t>
+            </a:r>
+          </a:p>
+          <a:p>
+            <a:pPr marL="285750" indent="-285750">
+              <a:buFont typeface="Wingdings" panose="05000000000000000000" pitchFamily="2" charset="2"/>
+              <a:buChar char="q"/>
+            </a:pPr>
+            <a:r>
+              <a:rPr lang="en-US" dirty="0"/>
+              <a:t>Features selection – final features selection based on multiple tests, both Univariate and Multivariate, as described below</a:t>
+            </a:r>
+          </a:p>
+          <a:p>
+            <a:pPr marL="742950" lvl="2" indent="-285750">
+              <a:buFont typeface="Wingdings" panose="05000000000000000000" pitchFamily="2" charset="2"/>
+              <a:buChar char="ü"/>
+            </a:pPr>
+            <a:r>
+              <a:rPr lang="en-US" dirty="0"/>
+              <a:t>Univariate tests</a:t>
+            </a:r>
+          </a:p>
+          <a:p>
+            <a:pPr marL="800100" lvl="2" indent="-342900">
+              <a:buFont typeface="+mj-lt"/>
+              <a:buAutoNum type="arabicPeriod"/>
+            </a:pPr>
+            <a:r>
+              <a:rPr lang="en-US" dirty="0"/>
+              <a:t>paired t_test  - compare 2 groups (observations grouped by outcome classes) and find out </a:t>
+            </a:r>
+            <a:r>
+              <a:rPr lang="en-US" b="0" i="0" dirty="0">
+                <a:solidFill>
+                  <a:srgbClr val="1F1F1F"/>
+                </a:solidFill>
+                <a:effectLst/>
+                <a:latin typeface="Google Sans"/>
+              </a:rPr>
+              <a:t>whether there is a significant difference in paired measurements (p &lt; 0.05) of features. 5 features found to not have statistically significant differences.  (As seen with histplots in EDA previously) – those 5 where dropped, reducing dataset to 26 features</a:t>
+            </a:r>
+          </a:p>
+          <a:p>
+            <a:pPr marL="800100" lvl="2" indent="-342900">
+              <a:buFont typeface="+mj-lt"/>
+              <a:buAutoNum type="arabicPeriod"/>
+            </a:pPr>
+            <a:r>
+              <a:rPr lang="en-US" dirty="0"/>
+              <a:t>k-best 15 features selection using chi2,f_classif, f_regression methods – each returns a slightly different list of best 15 features</a:t>
+            </a:r>
+          </a:p>
+          <a:p>
+            <a:pPr marL="742950" lvl="2" indent="-285750">
+              <a:buFont typeface="Wingdings" panose="05000000000000000000" pitchFamily="2" charset="2"/>
+              <a:buChar char="ü"/>
+            </a:pPr>
+            <a:r>
+              <a:rPr lang="en-US" dirty="0"/>
+              <a:t>Multivariate tests on 26 features with number of regression models (8) including Lasso and Ridge, etc.  Then choosing the features selected by at least 5 different models. Resulted in same 26 features</a:t>
+            </a:r>
+          </a:p>
+          <a:p>
+            <a:pPr marL="742950" lvl="2" indent="-285750">
+              <a:buFont typeface="Wingdings" panose="05000000000000000000" pitchFamily="2" charset="2"/>
+              <a:buChar char="ü"/>
+            </a:pPr>
+            <a:r>
+              <a:rPr lang="en-US" dirty="0"/>
+              <a:t>Finally choosing features where there is a maximum interception between the list of features created by the different tests (most close to k-best with chi2 resulting list) , resulting in the 15 final features</a:t>
+            </a:r>
+          </a:p>
+          <a:p>
+            <a:pPr marL="285750" indent="-285750">
+              <a:buFont typeface="Wingdings" panose="05000000000000000000" pitchFamily="2" charset="2"/>
+              <a:buChar char="q"/>
+            </a:pPr>
+            <a:r>
+              <a:rPr lang="en-US" dirty="0"/>
+              <a:t>Final data frame saved as </a:t>
+            </a:r>
+            <a:r>
+              <a:rPr lang="en-US" b="0" dirty="0">
+                <a:solidFill>
+                  <a:srgbClr val="CE9178"/>
+                </a:solidFill>
+                <a:effectLst/>
+                <a:latin typeface="Consolas" panose="020B0609020204030204" pitchFamily="49" charset="0"/>
+              </a:rPr>
+              <a:t>IntermidiateData/4_FeatureEngeneering_Cancer_Data.pkl</a:t>
+            </a:r>
             <a:endParaRPr lang="pt-BR" b="0" dirty="0">
               <a:solidFill>
                 <a:srgbClr val="DADADA"/>
@@ -12904,398 +13333,6 @@
     </p:spTree>
     <p:extLst>
       <p:ext uri="{BB962C8B-B14F-4D97-AF65-F5344CB8AC3E}">
-        <p14:creationId xmlns:p14="http://schemas.microsoft.com/office/powerpoint/2010/main" val="476628065"/>
-      </p:ext>
-    </p:extLst>
-  </p:cSld>
-  <p:clrMapOvr>
-    <a:masterClrMapping/>
-  </p:clrMapOvr>
-</p:sld>
-</file>
-
-<file path=ppt/slides/slide8.xml><?xml version="1.0" encoding="utf-8"?>
-<p:sld xmlns:a="http://schemas.openxmlformats.org/drawingml/2006/main" xmlns:r="http://schemas.openxmlformats.org/officeDocument/2006/relationships" xmlns:p="http://schemas.openxmlformats.org/presentationml/2006/main">
-  <p:cSld>
-    <p:spTree>
-      <p:nvGrpSpPr>
-        <p:cNvPr id="1" name=""/>
-        <p:cNvGrpSpPr/>
-        <p:nvPr/>
-      </p:nvGrpSpPr>
-      <p:grpSpPr>
-        <a:xfrm>
-          <a:off x="0" y="0"/>
-          <a:ext cx="0" cy="0"/>
-          <a:chOff x="0" y="0"/>
-          <a:chExt cx="0" cy="0"/>
-        </a:xfrm>
-      </p:grpSpPr>
-      <p:sp>
-        <p:nvSpPr>
-          <p:cNvPr id="2" name="Title 1">
-            <a:extLst>
-              <a:ext uri="{FF2B5EF4-FFF2-40B4-BE49-F238E27FC236}">
-                <a16:creationId xmlns:a16="http://schemas.microsoft.com/office/drawing/2014/main" id="{F3BAD463-B141-715A-BE39-A5FEBA9827CC}"/>
-              </a:ext>
-            </a:extLst>
-          </p:cNvPr>
-          <p:cNvSpPr>
-            <a:spLocks noGrp="1"/>
-          </p:cNvSpPr>
-          <p:nvPr>
-            <p:ph type="title"/>
-          </p:nvPr>
-        </p:nvSpPr>
-        <p:spPr>
-          <a:xfrm>
-            <a:off x="838200" y="365760"/>
-            <a:ext cx="10515600" cy="1033670"/>
-          </a:xfrm>
-        </p:spPr>
-        <p:txBody>
-          <a:bodyPr/>
-          <a:lstStyle/>
-          <a:p>
-            <a:r>
-              <a:rPr lang="en-US" dirty="0"/>
-              <a:t>4. Feature engineering and features selection</a:t>
-            </a:r>
-          </a:p>
-        </p:txBody>
-      </p:sp>
-      <p:sp>
-        <p:nvSpPr>
-          <p:cNvPr id="3" name="Content Placeholder 2">
-            <a:extLst>
-              <a:ext uri="{FF2B5EF4-FFF2-40B4-BE49-F238E27FC236}">
-                <a16:creationId xmlns:a16="http://schemas.microsoft.com/office/drawing/2014/main" id="{2FE0AEE7-0995-7EBB-85F3-554947126081}"/>
-              </a:ext>
-            </a:extLst>
-          </p:cNvPr>
-          <p:cNvSpPr>
-            <a:spLocks noGrp="1"/>
-          </p:cNvSpPr>
-          <p:nvPr>
-            <p:ph sz="quarter" idx="13"/>
-          </p:nvPr>
-        </p:nvSpPr>
-        <p:spPr>
-          <a:xfrm>
-            <a:off x="838199" y="1691641"/>
-            <a:ext cx="10444702" cy="4470330"/>
-          </a:xfrm>
-        </p:spPr>
-        <p:txBody>
-          <a:bodyPr>
-            <a:normAutofit fontScale="70000" lnSpcReduction="20000"/>
-          </a:bodyPr>
-          <a:lstStyle/>
-          <a:p>
-            <a:endParaRPr lang="en-US" dirty="0"/>
-          </a:p>
-          <a:p>
-            <a:pPr marL="285750" indent="-285750">
-              <a:buFont typeface="Wingdings" panose="05000000000000000000" pitchFamily="2" charset="2"/>
-              <a:buChar char="q"/>
-            </a:pPr>
-            <a:r>
-              <a:rPr lang="en-US" dirty="0"/>
-              <a:t>Most features on dataset are engineered  and preprocessed , there is nothing obvious to construct.</a:t>
-            </a:r>
-          </a:p>
-          <a:p>
-            <a:pPr marL="285750" indent="-285750">
-              <a:buFont typeface="Wingdings" panose="05000000000000000000" pitchFamily="2" charset="2"/>
-              <a:buChar char="q"/>
-            </a:pPr>
-            <a:r>
-              <a:rPr lang="en-US" dirty="0"/>
-              <a:t>Correlations are visualized in EDA previously</a:t>
-            </a:r>
-          </a:p>
-          <a:p>
-            <a:pPr marL="285750" indent="-285750">
-              <a:buFont typeface="Wingdings" panose="05000000000000000000" pitchFamily="2" charset="2"/>
-              <a:buChar char="q"/>
-            </a:pPr>
-            <a:r>
-              <a:rPr lang="en-US" dirty="0"/>
-              <a:t>Label encode target variable: B = 0 , M = 1</a:t>
-            </a:r>
-          </a:p>
-          <a:p>
-            <a:pPr marL="285750" indent="-285750">
-              <a:buFont typeface="Wingdings" panose="05000000000000000000" pitchFamily="2" charset="2"/>
-              <a:buChar char="q"/>
-            </a:pPr>
-            <a:r>
-              <a:rPr lang="en-US" dirty="0"/>
-              <a:t>Examine with unsupervised model to understand if the 2 classes can be efficiently separated , so that classification task can be done on the dataset. </a:t>
-            </a:r>
-            <a:br>
-              <a:rPr lang="en-US" dirty="0"/>
-            </a:br>
-            <a:r>
-              <a:rPr lang="en-US" dirty="0"/>
-              <a:t>Using  Kmean, OneClassSVM, GaussianMixture.  Best silhouette score – to GaussianMixture (0.79)</a:t>
-            </a:r>
-          </a:p>
-          <a:p>
-            <a:pPr marL="285750" indent="-285750">
-              <a:buFont typeface="Wingdings" panose="05000000000000000000" pitchFamily="2" charset="2"/>
-              <a:buChar char="q"/>
-            </a:pPr>
-            <a:r>
-              <a:rPr lang="en-US" dirty="0"/>
-              <a:t>Feature selection – finally feature selection done based on number of tests , both Univariate and Multivariate</a:t>
-            </a:r>
-          </a:p>
-          <a:p>
-            <a:pPr marL="285750" lvl="1" indent="-285750">
-              <a:buFont typeface="Wingdings" panose="05000000000000000000" pitchFamily="2" charset="2"/>
-              <a:buChar char="ü"/>
-            </a:pPr>
-            <a:r>
-              <a:rPr lang="en-US" dirty="0"/>
-              <a:t>Univariate tests</a:t>
-            </a:r>
-          </a:p>
-          <a:p>
-            <a:pPr marL="800100" lvl="2" indent="-342900">
-              <a:buFont typeface="+mj-lt"/>
-              <a:buAutoNum type="arabicPeriod"/>
-            </a:pPr>
-            <a:r>
-              <a:rPr lang="en-US" dirty="0"/>
-              <a:t>paired t_test  - compare 2 groups (observations grouped by outcome classes) and find out </a:t>
-            </a:r>
-            <a:r>
-              <a:rPr lang="en-US" b="0" i="0" dirty="0">
-                <a:solidFill>
-                  <a:srgbClr val="1F1F1F"/>
-                </a:solidFill>
-                <a:effectLst/>
-                <a:latin typeface="Google Sans"/>
-              </a:rPr>
-              <a:t>whether there is a significant difference in paired measurements (p &lt; 0.05). 5 features doesn’t have significant differences.  (As seen with histplots in EDA previously) – drop it , reducing to 26 features</a:t>
-            </a:r>
-          </a:p>
-          <a:p>
-            <a:pPr marL="800100" lvl="2" indent="-342900">
-              <a:buFont typeface="+mj-lt"/>
-              <a:buAutoNum type="arabicPeriod"/>
-            </a:pPr>
-            <a:r>
-              <a:rPr lang="en-US" dirty="0"/>
-              <a:t>k-best 15 features selection using chi2,f_classif, f_regression – each returns a slightly different list of  best 15 features</a:t>
-            </a:r>
-          </a:p>
-          <a:p>
-            <a:pPr marL="285750" indent="-285750">
-              <a:buFont typeface="Wingdings" panose="05000000000000000000" pitchFamily="2" charset="2"/>
-              <a:buChar char="ü"/>
-            </a:pPr>
-            <a:r>
-              <a:rPr lang="en-US" dirty="0"/>
-              <a:t>Multivariate tests on 26 features with number of regression models (8) including Lasso and Ridge, etc.  Choosing features selected by at least 5 models. Resulting in same 26 features</a:t>
-            </a:r>
-          </a:p>
-          <a:p>
-            <a:pPr marL="285750" indent="-285750">
-              <a:buFont typeface="Wingdings" panose="05000000000000000000" pitchFamily="2" charset="2"/>
-              <a:buChar char="ü"/>
-            </a:pPr>
-            <a:r>
-              <a:rPr lang="en-US" dirty="0"/>
-              <a:t>Choosing features where there is a maximum interception between the list of features created by the different tests (which is an interception between the multivariate list and the kbest with chi2 ) , resulting in 9 (15) features</a:t>
-            </a:r>
-          </a:p>
-          <a:p>
-            <a:pPr marL="285750" indent="-285750">
-              <a:buFont typeface="Wingdings" panose="05000000000000000000" pitchFamily="2" charset="2"/>
-              <a:buChar char="q"/>
-            </a:pPr>
-            <a:r>
-              <a:rPr lang="en-US" dirty="0"/>
-              <a:t>Final data frame saved as </a:t>
-            </a:r>
-            <a:r>
-              <a:rPr lang="en-US" b="0" dirty="0">
-                <a:solidFill>
-                  <a:srgbClr val="CE9178"/>
-                </a:solidFill>
-                <a:effectLst/>
-                <a:latin typeface="Consolas" panose="020B0609020204030204" pitchFamily="49" charset="0"/>
-              </a:rPr>
-              <a:t>IntermidiateData/4_FeatureEngeneering_Cancer_Data.pkl</a:t>
-            </a:r>
-            <a:endParaRPr lang="en-US" b="0" dirty="0">
-              <a:solidFill>
-                <a:srgbClr val="DADADA"/>
-              </a:solidFill>
-              <a:effectLst/>
-              <a:latin typeface="Consolas" panose="020B0609020204030204" pitchFamily="49" charset="0"/>
-            </a:endParaRPr>
-          </a:p>
-          <a:p>
-            <a:pPr marL="285750" indent="-285750">
-              <a:buFont typeface="Wingdings" panose="05000000000000000000" pitchFamily="2" charset="2"/>
-              <a:buChar char="q"/>
-            </a:pPr>
-            <a:endParaRPr lang="en-US" b="0" dirty="0">
-              <a:solidFill>
-                <a:srgbClr val="DADADA"/>
-              </a:solidFill>
-              <a:effectLst/>
-              <a:latin typeface="Consolas" panose="020B0609020204030204" pitchFamily="49" charset="0"/>
-            </a:endParaRPr>
-          </a:p>
-          <a:p>
-            <a:pPr marL="285750" indent="-285750">
-              <a:buFont typeface="Wingdings" panose="05000000000000000000" pitchFamily="2" charset="2"/>
-              <a:buChar char="q"/>
-            </a:pPr>
-            <a:endParaRPr lang="pt-BR" b="0" dirty="0">
-              <a:solidFill>
-                <a:srgbClr val="DADADA"/>
-              </a:solidFill>
-              <a:effectLst/>
-              <a:highlight>
-                <a:srgbClr val="1E1E1E"/>
-              </a:highlight>
-              <a:latin typeface="Consolas" panose="020B0609020204030204" pitchFamily="49" charset="0"/>
-            </a:endParaRPr>
-          </a:p>
-          <a:p>
-            <a:pPr marL="285750" indent="-285750">
-              <a:buFont typeface="Wingdings" panose="05000000000000000000" pitchFamily="2" charset="2"/>
-              <a:buChar char="q"/>
-            </a:pPr>
-            <a:endParaRPr lang="en-US" dirty="0"/>
-          </a:p>
-          <a:p>
-            <a:endParaRPr lang="en-US" dirty="0"/>
-          </a:p>
-        </p:txBody>
-      </p:sp>
-      <p:sp>
-        <p:nvSpPr>
-          <p:cNvPr id="4" name="Rectangle 1">
-            <a:extLst>
-              <a:ext uri="{FF2B5EF4-FFF2-40B4-BE49-F238E27FC236}">
-                <a16:creationId xmlns:a16="http://schemas.microsoft.com/office/drawing/2014/main" id="{57BCEC61-D20C-7C1F-2787-43B4583E7814}"/>
-              </a:ext>
-            </a:extLst>
-          </p:cNvPr>
-          <p:cNvSpPr>
-            <a:spLocks noChangeArrowheads="1"/>
-          </p:cNvSpPr>
-          <p:nvPr/>
-        </p:nvSpPr>
-        <p:spPr bwMode="auto">
-          <a:xfrm>
-            <a:off x="0" y="0"/>
-            <a:ext cx="12192000" cy="457200"/>
-          </a:xfrm>
-          <a:prstGeom prst="rect">
-            <a:avLst/>
-          </a:prstGeom>
-          <a:solidFill>
-            <a:srgbClr val="F8F9FA"/>
-          </a:solidFill>
-          <a:ln>
-            <a:noFill/>
-          </a:ln>
-          <a:effectLst/>
-          <a:extLst>
-            <a:ext uri="{91240B29-F687-4F45-9708-019B960494DF}">
-              <a14:hiddenLine xmlns:a14="http://schemas.microsoft.com/office/drawing/2010/main" w="9525">
-                <a:solidFill>
-                  <a:schemeClr val="tx1"/>
-                </a:solidFill>
-                <a:miter lim="800000"/>
-                <a:headEnd/>
-                <a:tailEnd/>
-              </a14:hiddenLine>
-            </a:ext>
-            <a:ext uri="{AF507438-7753-43E0-B8FC-AC1667EBCBE1}">
-              <a14:hiddenEffects xmlns:a14="http://schemas.microsoft.com/office/drawing/2010/main">
-                <a:effectLst>
-                  <a:outerShdw dist="35921" dir="2700000" algn="ctr" rotWithShape="0">
-                    <a:schemeClr val="bg2"/>
-                  </a:outerShdw>
-                </a:effectLst>
-              </a14:hiddenEffects>
-            </a:ext>
-          </a:extLst>
-        </p:spPr>
-        <p:txBody>
-          <a:bodyPr vert="horz" wrap="none" lIns="0" tIns="-11109" rIns="0" bIns="-11109" numCol="1" anchor="ctr" anchorCtr="0" compatLnSpc="1">
-            <a:prstTxWarp prst="textNoShape">
-              <a:avLst/>
-            </a:prstTxWarp>
-            <a:spAutoFit/>
-          </a:bodyPr>
-          <a:lstStyle/>
-          <a:p>
-            <a:pPr marL="0" marR="0" lvl="0" indent="0" algn="l" defTabSz="914400" rtl="0" eaLnBrk="0" fontAlgn="base" latinLnBrk="0" hangingPunct="0">
-              <a:lnSpc>
-                <a:spcPct val="100000"/>
-              </a:lnSpc>
-              <a:spcBef>
-                <a:spcPct val="0"/>
-              </a:spcBef>
-              <a:spcAft>
-                <a:spcPct val="0"/>
-              </a:spcAft>
-              <a:buClrTx/>
-              <a:buSzTx/>
-              <a:buFontTx/>
-              <a:buNone/>
-              <a:tabLst/>
-            </a:pPr>
-            <a:r>
-              <a:rPr kumimoji="0" lang="en-US" altLang="en-US" sz="2100" b="0" i="0" u="none" strike="noStrike" cap="none" normalizeH="0" baseline="0">
-                <a:ln>
-                  <a:noFill/>
-                </a:ln>
-                <a:solidFill>
-                  <a:srgbClr val="1F1F1F"/>
-                </a:solidFill>
-                <a:effectLst/>
-                <a:latin typeface="inherit"/>
-              </a:rPr>
-              <a:t>consider</a:t>
-            </a:r>
-            <a:r>
-              <a:rPr kumimoji="0" lang="en-US" altLang="en-US" sz="800" b="0" i="0" u="none" strike="noStrike" cap="none" normalizeH="0" baseline="0">
-                <a:ln>
-                  <a:noFill/>
-                </a:ln>
-                <a:solidFill>
-                  <a:schemeClr val="tx1"/>
-                </a:solidFill>
-                <a:effectLst/>
-              </a:rPr>
-              <a:t> </a:t>
-            </a:r>
-            <a:endParaRPr kumimoji="0" lang="en-US" altLang="en-US" sz="1800" b="0" i="0" u="none" strike="noStrike" cap="none" normalizeH="0" baseline="0">
-              <a:ln>
-                <a:noFill/>
-              </a:ln>
-              <a:solidFill>
-                <a:schemeClr val="tx1"/>
-              </a:solidFill>
-              <a:effectLst/>
-              <a:latin typeface="Arial" panose="020B0604020202020204" pitchFamily="34" charset="0"/>
-            </a:endParaRPr>
-          </a:p>
-        </p:txBody>
-      </p:sp>
-    </p:spTree>
-    <p:extLst>
-      <p:ext uri="{BB962C8B-B14F-4D97-AF65-F5344CB8AC3E}">
         <p14:creationId xmlns:p14="http://schemas.microsoft.com/office/powerpoint/2010/main" val="427000883"/>
       </p:ext>
     </p:extLst>
@@ -13374,13 +13411,13 @@
         </p:nvSpPr>
         <p:spPr>
           <a:xfrm>
-            <a:off x="389614" y="1439186"/>
-            <a:ext cx="11227241" cy="4722784"/>
+            <a:off x="389614" y="1216712"/>
+            <a:ext cx="11227241" cy="4945258"/>
           </a:xfrm>
         </p:spPr>
         <p:txBody>
           <a:bodyPr>
-            <a:normAutofit fontScale="85000" lnSpcReduction="10000"/>
+            <a:normAutofit fontScale="85000" lnSpcReduction="20000"/>
           </a:bodyPr>
           <a:lstStyle/>
           <a:p>
@@ -13390,15 +13427,7 @@
             </a:pPr>
             <a:r>
               <a:rPr lang="en-US" dirty="0"/>
-              <a:t>Splitting the data. As Data set is very small , data splitting proportions has huge impact on final models results, to the extent when just dropping dev split for good will improve model performance dramatically. Cross-validation technique used with </a:t>
-            </a:r>
-            <a:r>
-              <a:rPr lang="en-US" dirty="0" err="1"/>
-              <a:t>gridSearch</a:t>
-            </a:r>
-            <a:r>
-              <a:rPr lang="en-US" dirty="0"/>
-              <a:t> can compensate for absence of a dev set to a certain extent</a:t>
+              <a:t>Splitting the data: as the data set is very small , data splitting proportions have huge impact on the final results to the extent when just dropping a dev split for good will improve model performance dramatically. Cross-validation technique used with grid search can compensate for absence of a dev set to a certain extent</a:t>
             </a:r>
           </a:p>
           <a:p>
@@ -13408,7 +13437,7 @@
             </a:pPr>
             <a:r>
               <a:rPr lang="en-US" dirty="0"/>
-              <a:t>Choosing best classification metrics : most valued metrics will be 'recall’ since we are interested in minimizing false negatives (i.e. interested in predicting positive class precisely as a false negative penalty is very high ). As we also interested in maximizing true negatives , finally we can use ‘f1’ score</a:t>
+              <a:t>Choosing the best classification metrics: the best metrics will be ‘recall’, since we are interested in minimizing false negatives (i.e. interested in predicting positive class precisely as a false negative penalty is very high). As we are also interested in maximizing true negatives, finally we can use ‘f1’ score</a:t>
             </a:r>
           </a:p>
           <a:p>
@@ -13418,7 +13447,7 @@
             </a:pPr>
             <a:r>
               <a:rPr lang="en-US" dirty="0"/>
-              <a:t>Hyperparameters tuning: 7 different classifier models were examined  , hyperparameters tuning on each included GridSearchCV and cross-validation  (with k-fold) </a:t>
+              <a:t>Hyperparameters tuning: 7 different classifier models were examined, the hyperparameters tuning on each included grid search with cross-validation  (k-fold) </a:t>
             </a:r>
           </a:p>
           <a:p>
@@ -13428,23 +13457,17 @@
             </a:pPr>
             <a:r>
               <a:rPr lang="en-US" dirty="0"/>
-              <a:t>Model selection – predicting on best estimator for each model returned with </a:t>
-            </a:r>
-            <a:r>
-              <a:rPr lang="en-US" dirty="0" err="1"/>
-              <a:t>GridSearch</a:t>
-            </a:r>
+              <a:t>Model selection process: predicting on the test set with the best estimator per examined model (best estimators fitted with best chosen parameters as returned by a grid search), and then choosing the best performing model according to the classification report</a:t>
+            </a:r>
+          </a:p>
+          <a:p>
+            <a:pPr marL="742950" lvl="2" indent="-285750">
+              <a:buFont typeface="Wingdings" panose="05000000000000000000" pitchFamily="2" charset="2"/>
+              <a:buChar char="ü"/>
+            </a:pPr>
             <a:r>
               <a:rPr lang="en-US" dirty="0"/>
-              <a:t> and choosing best performing </a:t>
-            </a:r>
-            <a:r>
-              <a:rPr lang="en-US" dirty="0" err="1"/>
-              <a:t>model.As</a:t>
-            </a:r>
-            <a:r>
-              <a:rPr lang="en-US" dirty="0"/>
-              <a:t> we are interested </a:t>
+              <a:t>The SVM classifier has the best f1 and recall scores, without overfitting, compared to all other examined models</a:t>
             </a:r>
           </a:p>
           <a:p>
@@ -13454,16 +13477,6 @@
             </a:pPr>
             <a:r>
               <a:rPr lang="en-US" dirty="0"/>
-              <a:t>Basic models tuning with GridSearchCV and cross-validation on train set reveals that SVM has best f1 and recall scores , without overfitting</a:t>
-            </a:r>
-          </a:p>
-          <a:p>
-            <a:pPr marL="285750" indent="-285750">
-              <a:buFont typeface="Wingdings" panose="05000000000000000000" pitchFamily="2" charset="2"/>
-              <a:buChar char="q"/>
-            </a:pPr>
-            <a:r>
-              <a:rPr lang="en-US" dirty="0"/>
               <a:t> Fine tuning selected SVM model </a:t>
             </a:r>
           </a:p>
@@ -13474,7 +13487,7 @@
             </a:pPr>
             <a:r>
               <a:rPr lang="en-US" dirty="0"/>
-              <a:t>Stratification policies on grid search and data split in general degrade performance of chosen model. Same goes for fold number.</a:t>
+              <a:t>Stratification policies on grid search and data split in general degrade performance of chosen model. Same goes for increasing folds number.</a:t>
             </a:r>
           </a:p>
           <a:p>
@@ -13484,7 +13497,7 @@
             </a:pPr>
             <a:r>
               <a:rPr lang="en-US" dirty="0"/>
-              <a:t>Scaling data improve SVM performance</a:t>
+              <a:t>Scaling data improves SVM performance</a:t>
             </a:r>
           </a:p>
           <a:p>
@@ -13494,15 +13507,7 @@
             </a:pPr>
             <a:r>
               <a:rPr lang="en-US" dirty="0"/>
-              <a:t>Examined differed parameters to a SVM </a:t>
-            </a:r>
-            <a:r>
-              <a:rPr lang="en-US" dirty="0" err="1"/>
-              <a:t>gridSearch</a:t>
-            </a:r>
-            <a:r>
-              <a:rPr lang="en-US" dirty="0"/>
-              <a:t> </a:t>
+              <a:t>Examined extended set of grid parameters passed to grid search, while using cross-validation and custom refit function that returns the fastest model, chosen from all  the results that reached minimal recall value (threshold of 0.9), and within a single standard deviation of the best of those, by f1 metrics value.</a:t>
             </a:r>
           </a:p>
           <a:p>
@@ -13518,7 +13523,7 @@
                 <a:effectLst/>
                 <a:latin typeface="Consolas" panose="020B0609020204030204" pitchFamily="49" charset="0"/>
               </a:rPr>
-              <a:t>IntermidiateData/5_FinalEvaluationScores.xlsx</a:t>
+              <a:t>IntermidiateData/5_FinalEvaluationScores.xlxs</a:t>
             </a:r>
             <a:endParaRPr lang="en-US" b="0" dirty="0">
               <a:solidFill>

--- a/PROJECT_PRESENTATION.pptx
+++ b/PROJECT_PRESENTATION.pptx
@@ -3266,7 +3266,7 @@
           <a:p>
             <a:fld id="{0DC994AA-C437-4EF4-8BEF-0B832D7FA420}" type="datetimeFigureOut">
               <a:rPr lang="en-US" smtClean="0"/>
-              <a:t>8/30/2024</a:t>
+              <a:t>8/31/2024</a:t>
             </a:fld>
             <a:endParaRPr lang="en-US"/>
           </a:p>
@@ -3443,7 +3443,7 @@
           <a:p>
             <a:fld id="{3B4FE048-FAD0-D943-9A17-3C4CB7633182}" type="datetimeFigureOut">
               <a:rPr lang="en-US" smtClean="0"/>
-              <a:t>8/30/2024</a:t>
+              <a:t>8/31/2024</a:t>
             </a:fld>
             <a:endParaRPr lang="en-US"/>
           </a:p>
@@ -4380,7 +4380,7 @@
           <a:p>
             <a:fld id="{D6D8061D-18C3-4F4F-85EF-561633F58754}" type="datetimeFigureOut">
               <a:rPr lang="en-US" smtClean="0"/>
-              <a:t>8/30/2024</a:t>
+              <a:t>8/31/2024</a:t>
             </a:fld>
             <a:endParaRPr lang="en-US"/>
           </a:p>
@@ -4588,7 +4588,7 @@
           <a:p>
             <a:fld id="{D6D8061D-18C3-4F4F-85EF-561633F58754}" type="datetimeFigureOut">
               <a:rPr lang="en-US" smtClean="0"/>
-              <a:t>8/30/2024</a:t>
+              <a:t>8/31/2024</a:t>
             </a:fld>
             <a:endParaRPr lang="en-US"/>
           </a:p>
@@ -4844,7 +4844,7 @@
           <a:p>
             <a:fld id="{D6D8061D-18C3-4F4F-85EF-561633F58754}" type="datetimeFigureOut">
               <a:rPr lang="en-US" smtClean="0"/>
-              <a:t>8/30/2024</a:t>
+              <a:t>8/31/2024</a:t>
             </a:fld>
             <a:endParaRPr lang="en-US"/>
           </a:p>
@@ -5665,7 +5665,7 @@
           <a:p>
             <a:fld id="{D6D8061D-18C3-4F4F-85EF-561633F58754}" type="datetimeFigureOut">
               <a:rPr lang="en-US" smtClean="0"/>
-              <a:t>8/30/2024</a:t>
+              <a:t>8/31/2024</a:t>
             </a:fld>
             <a:endParaRPr lang="en-US"/>
           </a:p>
@@ -6185,7 +6185,7 @@
           <a:p>
             <a:fld id="{D6D8061D-18C3-4F4F-85EF-561633F58754}" type="datetimeFigureOut">
               <a:rPr lang="en-US" smtClean="0"/>
-              <a:t>8/30/2024</a:t>
+              <a:t>8/31/2024</a:t>
             </a:fld>
             <a:endParaRPr lang="en-US"/>
           </a:p>
@@ -6583,7 +6583,7 @@
           <a:p>
             <a:fld id="{D6D8061D-18C3-4F4F-85EF-561633F58754}" type="datetimeFigureOut">
               <a:rPr lang="en-US" smtClean="0"/>
-              <a:t>8/30/2024</a:t>
+              <a:t>8/31/2024</a:t>
             </a:fld>
             <a:endParaRPr lang="en-US"/>
           </a:p>
@@ -6926,7 +6926,7 @@
           <a:p>
             <a:fld id="{D6D8061D-18C3-4F4F-85EF-561633F58754}" type="datetimeFigureOut">
               <a:rPr lang="en-US" smtClean="0"/>
-              <a:t>8/30/2024</a:t>
+              <a:t>8/31/2024</a:t>
             </a:fld>
             <a:endParaRPr lang="en-US"/>
           </a:p>
@@ -7201,7 +7201,7 @@
           <a:p>
             <a:fld id="{D6D8061D-18C3-4F4F-85EF-561633F58754}" type="datetimeFigureOut">
               <a:rPr lang="en-US" smtClean="0"/>
-              <a:t>8/30/2024</a:t>
+              <a:t>8/31/2024</a:t>
             </a:fld>
             <a:endParaRPr lang="en-US"/>
           </a:p>
@@ -7580,7 +7580,7 @@
           <a:p>
             <a:fld id="{D6D8061D-18C3-4F4F-85EF-561633F58754}" type="datetimeFigureOut">
               <a:rPr lang="en-US" smtClean="0"/>
-              <a:t>8/30/2024</a:t>
+              <a:t>8/31/2024</a:t>
             </a:fld>
             <a:endParaRPr lang="en-US"/>
           </a:p>
@@ -7698,7 +7698,7 @@
           <a:p>
             <a:fld id="{D6D8061D-18C3-4F4F-85EF-561633F58754}" type="datetimeFigureOut">
               <a:rPr lang="en-US" smtClean="0"/>
-              <a:t>8/30/2024</a:t>
+              <a:t>8/31/2024</a:t>
             </a:fld>
             <a:endParaRPr lang="en-US"/>
           </a:p>
@@ -7869,7 +7869,7 @@
           <a:p>
             <a:fld id="{D6D8061D-18C3-4F4F-85EF-561633F58754}" type="datetimeFigureOut">
               <a:rPr lang="en-US" smtClean="0"/>
-              <a:t>8/30/2024</a:t>
+              <a:t>8/31/2024</a:t>
             </a:fld>
             <a:endParaRPr lang="en-US"/>
           </a:p>
@@ -8223,7 +8223,7 @@
           <a:p>
             <a:fld id="{D6D8061D-18C3-4F4F-85EF-561633F58754}" type="datetimeFigureOut">
               <a:rPr lang="en-US" smtClean="0"/>
-              <a:t>8/30/2024</a:t>
+              <a:t>8/31/2024</a:t>
             </a:fld>
             <a:endParaRPr lang="en-US"/>
           </a:p>
@@ -8600,7 +8600,7 @@
           <a:p>
             <a:fld id="{D6D8061D-18C3-4F4F-85EF-561633F58754}" type="datetimeFigureOut">
               <a:rPr lang="en-US" smtClean="0"/>
-              <a:t>8/30/2024</a:t>
+              <a:t>8/31/2024</a:t>
             </a:fld>
             <a:endParaRPr lang="en-US"/>
           </a:p>
@@ -8887,7 +8887,7 @@
           <a:p>
             <a:fld id="{D6D8061D-18C3-4F4F-85EF-561633F58754}" type="datetimeFigureOut">
               <a:rPr lang="en-US" smtClean="0"/>
-              <a:t>8/30/2024</a:t>
+              <a:t>8/31/2024</a:t>
             </a:fld>
             <a:endParaRPr lang="en-US"/>
           </a:p>
@@ -9613,6 +9613,10 @@
           </p:nvPr>
         </p:nvSpPr>
         <p:spPr>
+          <a:xfrm>
+            <a:off x="838200" y="365760"/>
+            <a:ext cx="10515600" cy="922351"/>
+          </a:xfrm>
           <a:noFill/>
         </p:spPr>
         <p:txBody>
@@ -9621,7 +9625,7 @@
           <a:p>
             <a:r>
               <a:rPr lang="en-US" dirty="0"/>
-              <a:t>FINAL TIPS &amp; TAKEAWAYS</a:t>
+              <a:t>FINAL TAKEAWAYS</a:t>
             </a:r>
           </a:p>
         </p:txBody>
@@ -9774,6 +9778,10 @@
           </p:nvPr>
         </p:nvSpPr>
         <p:spPr>
+          <a:xfrm>
+            <a:off x="838200" y="365760"/>
+            <a:ext cx="10515600" cy="747423"/>
+          </a:xfrm>
           <a:noFill/>
         </p:spPr>
         <p:txBody>
@@ -9782,7 +9790,7 @@
           <a:p>
             <a:r>
               <a:rPr lang="en-US" dirty="0"/>
-              <a:t>FINAL TIPS &amp; TAKEAWAYS</a:t>
+              <a:t>FINAL TAKEAWAYS</a:t>
             </a:r>
           </a:p>
         </p:txBody>
@@ -9965,6 +9973,10 @@
           </p:nvPr>
         </p:nvSpPr>
         <p:spPr>
+          <a:xfrm>
+            <a:off x="838200" y="437072"/>
+            <a:ext cx="10515600" cy="904144"/>
+          </a:xfrm>
           <a:noFill/>
         </p:spPr>
         <p:txBody>
@@ -9973,7 +9985,7 @@
           <a:p>
             <a:r>
               <a:rPr lang="en-US" dirty="0"/>
-              <a:t>FINAL TIPS &amp; TAKEAWAYS</a:t>
+              <a:t>FINAL TAKEAWAYS</a:t>
             </a:r>
           </a:p>
         </p:txBody>
@@ -12178,7 +12190,12 @@
             <p:ph type="title"/>
           </p:nvPr>
         </p:nvSpPr>
-        <p:spPr/>
+        <p:spPr>
+          <a:xfrm>
+            <a:off x="767301" y="127221"/>
+            <a:ext cx="10515600" cy="840850"/>
+          </a:xfrm>
+        </p:spPr>
         <p:txBody>
           <a:bodyPr/>
           <a:lstStyle/>
@@ -12208,8 +12225,8 @@
         </p:nvSpPr>
         <p:spPr>
           <a:xfrm>
-            <a:off x="838199" y="2024781"/>
-            <a:ext cx="10444702" cy="4137189"/>
+            <a:off x="838199" y="1789043"/>
+            <a:ext cx="10444702" cy="4372927"/>
           </a:xfrm>
         </p:spPr>
         <p:txBody>
@@ -12331,8 +12348,8 @@
         </p:nvSpPr>
         <p:spPr>
           <a:xfrm>
-            <a:off x="838200" y="365760"/>
-            <a:ext cx="10515600" cy="1033670"/>
+            <a:off x="838200" y="278938"/>
+            <a:ext cx="10515600" cy="683812"/>
           </a:xfrm>
         </p:spPr>
         <p:txBody>
@@ -12364,13 +12381,13 @@
         </p:nvSpPr>
         <p:spPr>
           <a:xfrm>
-            <a:off x="838199" y="1691641"/>
-            <a:ext cx="10444702" cy="4470330"/>
+            <a:off x="838199" y="1216550"/>
+            <a:ext cx="10444702" cy="4945421"/>
           </a:xfrm>
         </p:spPr>
         <p:txBody>
           <a:bodyPr>
-            <a:normAutofit fontScale="85000" lnSpcReduction="20000"/>
+            <a:normAutofit fontScale="85000" lnSpcReduction="10000"/>
           </a:bodyPr>
           <a:lstStyle/>
           <a:p>
@@ -12517,336 +12534,6 @@
               </a:rPr>
               <a:t> 2_EDA_Cancer_Data.pkl</a:t>
             </a:r>
-          </a:p>
-          <a:p>
-            <a:pPr marL="285750" indent="-285750">
-              <a:buFont typeface="Wingdings" panose="05000000000000000000" pitchFamily="2" charset="2"/>
-              <a:buChar char="q"/>
-            </a:pPr>
-            <a:endParaRPr lang="en-US" dirty="0"/>
-          </a:p>
-          <a:p>
-            <a:endParaRPr lang="en-US" dirty="0"/>
-          </a:p>
-        </p:txBody>
-      </p:sp>
-      <p:sp>
-        <p:nvSpPr>
-          <p:cNvPr id="4" name="Rectangle 1">
-            <a:extLst>
-              <a:ext uri="{FF2B5EF4-FFF2-40B4-BE49-F238E27FC236}">
-                <a16:creationId xmlns:a16="http://schemas.microsoft.com/office/drawing/2014/main" id="{57BCEC61-D20C-7C1F-2787-43B4583E7814}"/>
-              </a:ext>
-            </a:extLst>
-          </p:cNvPr>
-          <p:cNvSpPr>
-            <a:spLocks noChangeArrowheads="1"/>
-          </p:cNvSpPr>
-          <p:nvPr/>
-        </p:nvSpPr>
-        <p:spPr bwMode="auto">
-          <a:xfrm>
-            <a:off x="0" y="0"/>
-            <a:ext cx="12192000" cy="457200"/>
-          </a:xfrm>
-          <a:prstGeom prst="rect">
-            <a:avLst/>
-          </a:prstGeom>
-          <a:solidFill>
-            <a:srgbClr val="F8F9FA"/>
-          </a:solidFill>
-          <a:ln>
-            <a:noFill/>
-          </a:ln>
-          <a:effectLst/>
-          <a:extLst>
-            <a:ext uri="{91240B29-F687-4F45-9708-019B960494DF}">
-              <a14:hiddenLine xmlns:a14="http://schemas.microsoft.com/office/drawing/2010/main" w="9525">
-                <a:solidFill>
-                  <a:schemeClr val="tx1"/>
-                </a:solidFill>
-                <a:miter lim="800000"/>
-                <a:headEnd/>
-                <a:tailEnd/>
-              </a14:hiddenLine>
-            </a:ext>
-            <a:ext uri="{AF507438-7753-43E0-B8FC-AC1667EBCBE1}">
-              <a14:hiddenEffects xmlns:a14="http://schemas.microsoft.com/office/drawing/2010/main">
-                <a:effectLst>
-                  <a:outerShdw dist="35921" dir="2700000" algn="ctr" rotWithShape="0">
-                    <a:schemeClr val="bg2"/>
-                  </a:outerShdw>
-                </a:effectLst>
-              </a14:hiddenEffects>
-            </a:ext>
-          </a:extLst>
-        </p:spPr>
-        <p:txBody>
-          <a:bodyPr vert="horz" wrap="none" lIns="0" tIns="-11109" rIns="0" bIns="-11109" numCol="1" anchor="ctr" anchorCtr="0" compatLnSpc="1">
-            <a:prstTxWarp prst="textNoShape">
-              <a:avLst/>
-            </a:prstTxWarp>
-            <a:spAutoFit/>
-          </a:bodyPr>
-          <a:lstStyle/>
-          <a:p>
-            <a:pPr marL="0" marR="0" lvl="0" indent="0" algn="l" defTabSz="914400" rtl="0" eaLnBrk="0" fontAlgn="base" latinLnBrk="0" hangingPunct="0">
-              <a:lnSpc>
-                <a:spcPct val="100000"/>
-              </a:lnSpc>
-              <a:spcBef>
-                <a:spcPct val="0"/>
-              </a:spcBef>
-              <a:spcAft>
-                <a:spcPct val="0"/>
-              </a:spcAft>
-              <a:buClrTx/>
-              <a:buSzTx/>
-              <a:buFontTx/>
-              <a:buNone/>
-              <a:tabLst/>
-            </a:pPr>
-            <a:r>
-              <a:rPr kumimoji="0" lang="en-US" altLang="en-US" sz="2100" b="0" i="0" u="none" strike="noStrike" cap="none" normalizeH="0" baseline="0">
-                <a:ln>
-                  <a:noFill/>
-                </a:ln>
-                <a:solidFill>
-                  <a:srgbClr val="1F1F1F"/>
-                </a:solidFill>
-                <a:effectLst/>
-                <a:latin typeface="inherit"/>
-              </a:rPr>
-              <a:t>consider</a:t>
-            </a:r>
-            <a:r>
-              <a:rPr kumimoji="0" lang="en-US" altLang="en-US" sz="800" b="0" i="0" u="none" strike="noStrike" cap="none" normalizeH="0" baseline="0">
-                <a:ln>
-                  <a:noFill/>
-                </a:ln>
-                <a:solidFill>
-                  <a:schemeClr val="tx1"/>
-                </a:solidFill>
-                <a:effectLst/>
-              </a:rPr>
-              <a:t> </a:t>
-            </a:r>
-            <a:endParaRPr kumimoji="0" lang="en-US" altLang="en-US" sz="1800" b="0" i="0" u="none" strike="noStrike" cap="none" normalizeH="0" baseline="0">
-              <a:ln>
-                <a:noFill/>
-              </a:ln>
-              <a:solidFill>
-                <a:schemeClr val="tx1"/>
-              </a:solidFill>
-              <a:effectLst/>
-              <a:latin typeface="Arial" panose="020B0604020202020204" pitchFamily="34" charset="0"/>
-            </a:endParaRPr>
-          </a:p>
-        </p:txBody>
-      </p:sp>
-    </p:spTree>
-    <p:extLst>
-      <p:ext uri="{BB962C8B-B14F-4D97-AF65-F5344CB8AC3E}">
-        <p14:creationId xmlns:p14="http://schemas.microsoft.com/office/powerpoint/2010/main" val="1259058577"/>
-      </p:ext>
-    </p:extLst>
-  </p:cSld>
-  <p:clrMapOvr>
-    <a:masterClrMapping/>
-  </p:clrMapOvr>
-</p:sld>
-</file>
-
-<file path=ppt/slides/slide7.xml><?xml version="1.0" encoding="utf-8"?>
-<p:sld xmlns:a="http://schemas.openxmlformats.org/drawingml/2006/main" xmlns:r="http://schemas.openxmlformats.org/officeDocument/2006/relationships" xmlns:p="http://schemas.openxmlformats.org/presentationml/2006/main">
-  <p:cSld>
-    <p:spTree>
-      <p:nvGrpSpPr>
-        <p:cNvPr id="1" name=""/>
-        <p:cNvGrpSpPr/>
-        <p:nvPr/>
-      </p:nvGrpSpPr>
-      <p:grpSpPr>
-        <a:xfrm>
-          <a:off x="0" y="0"/>
-          <a:ext cx="0" cy="0"/>
-          <a:chOff x="0" y="0"/>
-          <a:chExt cx="0" cy="0"/>
-        </a:xfrm>
-      </p:grpSpPr>
-      <p:sp>
-        <p:nvSpPr>
-          <p:cNvPr id="2" name="Title 1">
-            <a:extLst>
-              <a:ext uri="{FF2B5EF4-FFF2-40B4-BE49-F238E27FC236}">
-                <a16:creationId xmlns:a16="http://schemas.microsoft.com/office/drawing/2014/main" id="{F3BAD463-B141-715A-BE39-A5FEBA9827CC}"/>
-              </a:ext>
-            </a:extLst>
-          </p:cNvPr>
-          <p:cNvSpPr>
-            <a:spLocks noGrp="1"/>
-          </p:cNvSpPr>
-          <p:nvPr>
-            <p:ph type="title"/>
-          </p:nvPr>
-        </p:nvSpPr>
-        <p:spPr>
-          <a:xfrm>
-            <a:off x="607612" y="278938"/>
-            <a:ext cx="10515600" cy="703401"/>
-          </a:xfrm>
-        </p:spPr>
-        <p:txBody>
-          <a:bodyPr/>
-          <a:lstStyle/>
-          <a:p>
-            <a:r>
-              <a:rPr lang="en-US" dirty="0"/>
-              <a:t>3. Data cleansing</a:t>
-            </a:r>
-          </a:p>
-        </p:txBody>
-      </p:sp>
-      <p:sp>
-        <p:nvSpPr>
-          <p:cNvPr id="3" name="Content Placeholder 2">
-            <a:extLst>
-              <a:ext uri="{FF2B5EF4-FFF2-40B4-BE49-F238E27FC236}">
-                <a16:creationId xmlns:a16="http://schemas.microsoft.com/office/drawing/2014/main" id="{2FE0AEE7-0995-7EBB-85F3-554947126081}"/>
-              </a:ext>
-            </a:extLst>
-          </p:cNvPr>
-          <p:cNvSpPr>
-            <a:spLocks noGrp="1"/>
-          </p:cNvSpPr>
-          <p:nvPr>
-            <p:ph sz="quarter" idx="13"/>
-          </p:nvPr>
-        </p:nvSpPr>
-        <p:spPr>
-          <a:xfrm>
-            <a:off x="838199" y="1415332"/>
-            <a:ext cx="10444702" cy="4746639"/>
-          </a:xfrm>
-        </p:spPr>
-        <p:txBody>
-          <a:bodyPr>
-            <a:normAutofit/>
-          </a:bodyPr>
-          <a:lstStyle/>
-          <a:p>
-            <a:endParaRPr lang="en-US" dirty="0"/>
-          </a:p>
-          <a:p>
-            <a:pPr marL="285750" indent="-285750">
-              <a:buFont typeface="Wingdings" panose="05000000000000000000" pitchFamily="2" charset="2"/>
-              <a:buChar char="q"/>
-            </a:pPr>
-            <a:r>
-              <a:rPr lang="en-US" dirty="0"/>
-              <a:t>Continuous features visualization – see previous slide . All 30 continuous features are float64 , and the target is dummy (currently int64)</a:t>
-            </a:r>
-          </a:p>
-          <a:p>
-            <a:pPr marL="285750" indent="-285750">
-              <a:buFont typeface="Wingdings" panose="05000000000000000000" pitchFamily="2" charset="2"/>
-              <a:buChar char="q"/>
-            </a:pPr>
-            <a:r>
-              <a:rPr lang="en-US" dirty="0"/>
-              <a:t>Outliers – visualization with boxplots. As seen previously , not all features are normally distributed  , thus using IQR for out </a:t>
-            </a:r>
-            <a:r>
-              <a:rPr lang="en-US" dirty="0" err="1"/>
-              <a:t>liers</a:t>
-            </a:r>
-            <a:r>
-              <a:rPr lang="en-US" dirty="0"/>
-              <a:t> detection. </a:t>
-            </a:r>
-          </a:p>
-          <a:p>
-            <a:pPr marL="285750" indent="-285750">
-              <a:buFont typeface="Wingdings" panose="05000000000000000000" pitchFamily="2" charset="2"/>
-              <a:buChar char="q"/>
-            </a:pPr>
-            <a:r>
-              <a:rPr lang="en-US" dirty="0"/>
-              <a:t>Compute correlations to a target feature before and after dropping outliers (spearman , same reason as previously) . Visualizing differences</a:t>
-            </a:r>
-          </a:p>
-          <a:p>
-            <a:pPr marL="285750" indent="-285750">
-              <a:buFont typeface="Wingdings" panose="05000000000000000000" pitchFamily="2" charset="2"/>
-              <a:buChar char="q"/>
-            </a:pPr>
-            <a:r>
-              <a:rPr lang="en-US" dirty="0"/>
-              <a:t>Compute distributions before and after dropping outliers . Visualizing differences</a:t>
-            </a:r>
-          </a:p>
-          <a:p>
-            <a:pPr marL="285750" indent="-285750">
-              <a:buFont typeface="Wingdings" panose="05000000000000000000" pitchFamily="2" charset="2"/>
-              <a:buChar char="q"/>
-            </a:pPr>
-            <a:r>
-              <a:rPr lang="en-US" dirty="0"/>
-              <a:t>There are no outliers in the dataset that change distribution but not correlation – thus no need to drop outliers</a:t>
-            </a:r>
-          </a:p>
-          <a:p>
-            <a:pPr marL="285750" indent="-285750">
-              <a:buFont typeface="Wingdings" panose="05000000000000000000" pitchFamily="2" charset="2"/>
-              <a:buChar char="q"/>
-            </a:pPr>
-            <a:r>
-              <a:rPr lang="en-US" dirty="0"/>
-              <a:t>No missing values - visualization</a:t>
-            </a:r>
-          </a:p>
-          <a:p>
-            <a:pPr marL="285750" indent="-285750">
-              <a:buFont typeface="Wingdings" panose="05000000000000000000" pitchFamily="2" charset="2"/>
-              <a:buChar char="q"/>
-            </a:pPr>
-            <a:r>
-              <a:rPr lang="en-US" dirty="0"/>
-              <a:t>Final data frame saved as </a:t>
-            </a:r>
-            <a:r>
-              <a:rPr lang="en-US" b="0" dirty="0">
-                <a:solidFill>
-                  <a:srgbClr val="CE9178"/>
-                </a:solidFill>
-                <a:effectLst/>
-                <a:latin typeface="Consolas" panose="020B0609020204030204" pitchFamily="49" charset="0"/>
-              </a:rPr>
-              <a:t>IntermidiateData/3_Final_Cancer_Data.pkl</a:t>
-            </a:r>
-            <a:endParaRPr lang="en-US" b="0" dirty="0">
-              <a:solidFill>
-                <a:srgbClr val="DADADA"/>
-              </a:solidFill>
-              <a:effectLst/>
-              <a:latin typeface="Consolas" panose="020B0609020204030204" pitchFamily="49" charset="0"/>
-            </a:endParaRPr>
-          </a:p>
-          <a:p>
-            <a:pPr marL="285750" indent="-285750">
-              <a:buFont typeface="Wingdings" panose="05000000000000000000" pitchFamily="2" charset="2"/>
-              <a:buChar char="q"/>
-            </a:pPr>
-            <a:endParaRPr lang="pt-BR" b="0" dirty="0">
-              <a:solidFill>
-                <a:srgbClr val="DADADA"/>
-              </a:solidFill>
-              <a:effectLst/>
-              <a:highlight>
-                <a:srgbClr val="1E1E1E"/>
-              </a:highlight>
-              <a:latin typeface="Consolas" panose="020B0609020204030204" pitchFamily="49" charset="0"/>
-            </a:endParaRPr>
           </a:p>
           <a:p>
             <a:pPr marL="285750" indent="-285750">
@@ -12964,7 +12651,7 @@
     </p:spTree>
     <p:extLst>
       <p:ext uri="{BB962C8B-B14F-4D97-AF65-F5344CB8AC3E}">
-        <p14:creationId xmlns:p14="http://schemas.microsoft.com/office/powerpoint/2010/main" val="476628065"/>
+        <p14:creationId xmlns:p14="http://schemas.microsoft.com/office/powerpoint/2010/main" val="1259058577"/>
       </p:ext>
     </p:extLst>
   </p:cSld>
@@ -12974,7 +12661,7 @@
 </p:sld>
 </file>
 
-<file path=ppt/slides/slide8.xml><?xml version="1.0" encoding="utf-8"?>
+<file path=ppt/slides/slide7.xml><?xml version="1.0" encoding="utf-8"?>
 <p:sld xmlns:a="http://schemas.openxmlformats.org/drawingml/2006/main" xmlns:r="http://schemas.openxmlformats.org/officeDocument/2006/relationships" xmlns:p="http://schemas.openxmlformats.org/presentationml/2006/main">
   <p:cSld>
     <p:spTree>
@@ -13009,8 +12696,8 @@
         </p:nvSpPr>
         <p:spPr>
           <a:xfrm>
-            <a:off x="838200" y="365760"/>
-            <a:ext cx="10515600" cy="580445"/>
+            <a:off x="607612" y="278938"/>
+            <a:ext cx="10515600" cy="703401"/>
           </a:xfrm>
         </p:spPr>
         <p:txBody>
@@ -13019,7 +12706,7 @@
           <a:p>
             <a:r>
               <a:rPr lang="en-US" dirty="0"/>
-              <a:t>4. Feature engineering and features selection</a:t>
+              <a:t>3. Data cleansing</a:t>
             </a:r>
           </a:p>
         </p:txBody>
@@ -13042,13 +12729,13 @@
         </p:nvSpPr>
         <p:spPr>
           <a:xfrm>
-            <a:off x="838199" y="946205"/>
-            <a:ext cx="10444702" cy="5215766"/>
+            <a:off x="838199" y="1415332"/>
+            <a:ext cx="10444702" cy="4746639"/>
           </a:xfrm>
         </p:spPr>
         <p:txBody>
           <a:bodyPr>
-            <a:normAutofit fontScale="77500" lnSpcReduction="20000"/>
+            <a:normAutofit/>
           </a:bodyPr>
           <a:lstStyle/>
           <a:p>
@@ -13061,7 +12748,7 @@
             </a:pPr>
             <a:r>
               <a:rPr lang="en-US" dirty="0"/>
-              <a:t>Most features on the dataset are engineered and preprocessed, there is nothing obvious to construct</a:t>
+              <a:t>Continuous features visualization – see previous slide . All 30 continuous features are float64 , and the target is dummy (currently int64)</a:t>
             </a:r>
           </a:p>
           <a:p>
@@ -13071,7 +12758,15 @@
             </a:pPr>
             <a:r>
               <a:rPr lang="en-US" dirty="0"/>
-              <a:t>Correlations were visualized in EDA previously</a:t>
+              <a:t>Outliers – visualization with boxplots. As seen previously , not all features are normally distributed  , thus using IQR for out </a:t>
+            </a:r>
+            <a:r>
+              <a:rPr lang="en-US" dirty="0" err="1"/>
+              <a:t>liers</a:t>
+            </a:r>
+            <a:r>
+              <a:rPr lang="en-US" dirty="0"/>
+              <a:t> detection. </a:t>
             </a:r>
           </a:p>
           <a:p>
@@ -13081,7 +12776,7 @@
             </a:pPr>
             <a:r>
               <a:rPr lang="en-US" dirty="0"/>
-              <a:t>Label encode target variable: B = 0 , M = 1</a:t>
+              <a:t>Compute correlations to a target feature before and after dropping outliers (spearman , same reason as previously) . Visualizing differences</a:t>
             </a:r>
           </a:p>
           <a:p>
@@ -13091,17 +12786,7 @@
             </a:pPr>
             <a:r>
               <a:rPr lang="en-US" dirty="0"/>
-              <a:t>Perform examination with unsupervised model to determine if the two classes can be efficiently separated, so that supervised classification can be done on the dataset.</a:t>
-            </a:r>
-          </a:p>
-          <a:p>
-            <a:pPr marL="742950" lvl="2" indent="-285750">
-              <a:buFont typeface="Wingdings" panose="05000000000000000000" pitchFamily="2" charset="2"/>
-              <a:buChar char="ü"/>
-            </a:pPr>
-            <a:r>
-              <a:rPr lang="en-US" dirty="0"/>
-              <a:t> Using  Kmean, OneClassSVM, GaussianMixture.  Best silhouette score – to GaussianMixture (0.79)</a:t>
+              <a:t>Compute distributions before and after dropping outliers . Visualizing differences</a:t>
             </a:r>
           </a:p>
           <a:p>
@@ -13111,67 +12796,17 @@
             </a:pPr>
             <a:r>
               <a:rPr lang="en-US" dirty="0"/>
-              <a:t>Features selection – final features selection based on multiple tests, both Univariate and Multivariate, as described below</a:t>
-            </a:r>
-          </a:p>
-          <a:p>
-            <a:pPr marL="742950" lvl="2" indent="-285750">
+              <a:t>There are no outliers in the dataset that change distribution but not correlation – thus no need to drop outliers</a:t>
+            </a:r>
+          </a:p>
+          <a:p>
+            <a:pPr marL="285750" indent="-285750">
               <a:buFont typeface="Wingdings" panose="05000000000000000000" pitchFamily="2" charset="2"/>
-              <a:buChar char="ü"/>
+              <a:buChar char="q"/>
             </a:pPr>
             <a:r>
               <a:rPr lang="en-US" dirty="0"/>
-              <a:t>Univariate tests</a:t>
-            </a:r>
-          </a:p>
-          <a:p>
-            <a:pPr marL="800100" lvl="2" indent="-342900">
-              <a:buFont typeface="+mj-lt"/>
-              <a:buAutoNum type="arabicPeriod"/>
-            </a:pPr>
-            <a:r>
-              <a:rPr lang="en-US" dirty="0"/>
-              <a:t>paired t_test  - compare 2 groups (observations grouped by outcome classes) and find out </a:t>
-            </a:r>
-            <a:r>
-              <a:rPr lang="en-US" b="0" i="0" dirty="0">
-                <a:solidFill>
-                  <a:srgbClr val="1F1F1F"/>
-                </a:solidFill>
-                <a:effectLst/>
-                <a:latin typeface="Google Sans"/>
-              </a:rPr>
-              <a:t>whether there is a significant difference in paired measurements (p &lt; 0.05) of features. 5 features found to not have statistically significant differences.  (As seen with histplots in EDA previously) – those 5 where dropped, reducing dataset to 26 features</a:t>
-            </a:r>
-          </a:p>
-          <a:p>
-            <a:pPr marL="800100" lvl="2" indent="-342900">
-              <a:buFont typeface="+mj-lt"/>
-              <a:buAutoNum type="arabicPeriod"/>
-            </a:pPr>
-            <a:r>
-              <a:rPr lang="en-US" dirty="0"/>
-              <a:t>k-best 15 features selection using chi2,f_classif, f_regression methods – each returns a slightly different list of best 15 features</a:t>
-            </a:r>
-          </a:p>
-          <a:p>
-            <a:pPr marL="742950" lvl="2" indent="-285750">
-              <a:buFont typeface="Wingdings" panose="05000000000000000000" pitchFamily="2" charset="2"/>
-              <a:buChar char="ü"/>
-            </a:pPr>
-            <a:r>
-              <a:rPr lang="en-US" dirty="0"/>
-              <a:t>Multivariate tests on 26 features with number of regression models (8) including Lasso and Ridge, etc.  Then choosing the features selected by at least 5 different models. Resulted in same 26 features</a:t>
-            </a:r>
-          </a:p>
-          <a:p>
-            <a:pPr marL="742950" lvl="2" indent="-285750">
-              <a:buFont typeface="Wingdings" panose="05000000000000000000" pitchFamily="2" charset="2"/>
-              <a:buChar char="ü"/>
-            </a:pPr>
-            <a:r>
-              <a:rPr lang="en-US" dirty="0"/>
-              <a:t>Finally choosing features where there is a maximum interception between the list of features created by the different tests (most close to k-best with chi2 resulting list) , resulting in the 15 final features</a:t>
+              <a:t>No missing values - visualization</a:t>
             </a:r>
           </a:p>
           <a:p>
@@ -13191,8 +12826,21 @@
                 <a:effectLst/>
                 <a:latin typeface="Consolas" panose="020B0609020204030204" pitchFamily="49" charset="0"/>
               </a:rPr>
-              <a:t>IntermidiateData/4_FeatureEngeneering_Cancer_Data.pkl</a:t>
-            </a:r>
+              <a:t>IntermidiateData/3_Final_Cancer_Data.pkl</a:t>
+            </a:r>
+            <a:endParaRPr lang="en-US" b="0" dirty="0">
+              <a:solidFill>
+                <a:srgbClr val="DADADA"/>
+              </a:solidFill>
+              <a:effectLst/>
+              <a:latin typeface="Consolas" panose="020B0609020204030204" pitchFamily="49" charset="0"/>
+            </a:endParaRPr>
+          </a:p>
+          <a:p>
+            <a:pPr marL="285750" indent="-285750">
+              <a:buFont typeface="Wingdings" panose="05000000000000000000" pitchFamily="2" charset="2"/>
+              <a:buChar char="q"/>
+            </a:pPr>
             <a:endParaRPr lang="pt-BR" b="0" dirty="0">
               <a:solidFill>
                 <a:srgbClr val="DADADA"/>
@@ -13232,8 +12880,8 @@
         </p:nvSpPr>
         <p:spPr bwMode="auto">
           <a:xfrm>
-            <a:off x="0" y="0"/>
-            <a:ext cx="12192000" cy="457200"/>
+            <a:off x="0" y="178262"/>
+            <a:ext cx="22442" cy="100676"/>
           </a:xfrm>
           <a:prstGeom prst="rect">
             <a:avLst/>
@@ -13293,20 +12941,7 @@
               <a:tabLst/>
             </a:pPr>
             <a:r>
-              <a:rPr kumimoji="0" lang="en-US" altLang="en-US" sz="2100" b="0" i="0" u="none" strike="noStrike" cap="none" normalizeH="0" baseline="0">
-                <a:ln>
-                  <a:noFill/>
-                </a:ln>
-                <a:solidFill>
-                  <a:srgbClr val="1F1F1F"/>
-                </a:solidFill>
-                <a:effectLst/>
-                <a:latin typeface="inherit"/>
-              </a:rPr>
-              <a:t>consider</a:t>
-            </a:r>
-            <a:r>
-              <a:rPr kumimoji="0" lang="en-US" altLang="en-US" sz="800" b="0" i="0" u="none" strike="noStrike" cap="none" normalizeH="0" baseline="0">
+              <a:rPr kumimoji="0" lang="en-US" altLang="en-US" sz="800" b="0" i="0" u="none" strike="noStrike" cap="none" normalizeH="0" baseline="0" dirty="0">
                 <a:ln>
                   <a:noFill/>
                 </a:ln>
@@ -13317,7 +12952,7 @@
               </a:rPr>
               <a:t> </a:t>
             </a:r>
-            <a:endParaRPr kumimoji="0" lang="en-US" altLang="en-US" sz="1800" b="0" i="0" u="none" strike="noStrike" cap="none" normalizeH="0" baseline="0">
+            <a:endParaRPr kumimoji="0" lang="en-US" altLang="en-US" sz="1800" b="0" i="0" u="none" strike="noStrike" cap="none" normalizeH="0" baseline="0" dirty="0">
               <a:ln>
                 <a:noFill/>
               </a:ln>
@@ -13327,6 +12962,261 @@
               <a:effectLst/>
               <a:latin typeface="Arial" panose="020B0604020202020204" pitchFamily="34" charset="0"/>
             </a:endParaRPr>
+          </a:p>
+        </p:txBody>
+      </p:sp>
+    </p:spTree>
+    <p:extLst>
+      <p:ext uri="{BB962C8B-B14F-4D97-AF65-F5344CB8AC3E}">
+        <p14:creationId xmlns:p14="http://schemas.microsoft.com/office/powerpoint/2010/main" val="476628065"/>
+      </p:ext>
+    </p:extLst>
+  </p:cSld>
+  <p:clrMapOvr>
+    <a:masterClrMapping/>
+  </p:clrMapOvr>
+</p:sld>
+</file>
+
+<file path=ppt/slides/slide8.xml><?xml version="1.0" encoding="utf-8"?>
+<p:sld xmlns:a="http://schemas.openxmlformats.org/drawingml/2006/main" xmlns:r="http://schemas.openxmlformats.org/officeDocument/2006/relationships" xmlns:p="http://schemas.openxmlformats.org/presentationml/2006/main">
+  <p:cSld>
+    <p:spTree>
+      <p:nvGrpSpPr>
+        <p:cNvPr id="1" name=""/>
+        <p:cNvGrpSpPr/>
+        <p:nvPr/>
+      </p:nvGrpSpPr>
+      <p:grpSpPr>
+        <a:xfrm>
+          <a:off x="0" y="0"/>
+          <a:ext cx="0" cy="0"/>
+          <a:chOff x="0" y="0"/>
+          <a:chExt cx="0" cy="0"/>
+        </a:xfrm>
+      </p:grpSpPr>
+      <p:sp>
+        <p:nvSpPr>
+          <p:cNvPr id="2" name="Title 1">
+            <a:extLst>
+              <a:ext uri="{FF2B5EF4-FFF2-40B4-BE49-F238E27FC236}">
+                <a16:creationId xmlns:a16="http://schemas.microsoft.com/office/drawing/2014/main" id="{F3BAD463-B141-715A-BE39-A5FEBA9827CC}"/>
+              </a:ext>
+            </a:extLst>
+          </p:cNvPr>
+          <p:cNvSpPr>
+            <a:spLocks noGrp="1"/>
+          </p:cNvSpPr>
+          <p:nvPr>
+            <p:ph type="title"/>
+          </p:nvPr>
+        </p:nvSpPr>
+        <p:spPr>
+          <a:xfrm>
+            <a:off x="838200" y="365760"/>
+            <a:ext cx="10515600" cy="580445"/>
+          </a:xfrm>
+        </p:spPr>
+        <p:txBody>
+          <a:bodyPr/>
+          <a:lstStyle/>
+          <a:p>
+            <a:r>
+              <a:rPr lang="en-US" dirty="0"/>
+              <a:t>4. Feature engineering and features selection</a:t>
+            </a:r>
+          </a:p>
+        </p:txBody>
+      </p:sp>
+      <p:sp>
+        <p:nvSpPr>
+          <p:cNvPr id="3" name="Content Placeholder 2">
+            <a:extLst>
+              <a:ext uri="{FF2B5EF4-FFF2-40B4-BE49-F238E27FC236}">
+                <a16:creationId xmlns:a16="http://schemas.microsoft.com/office/drawing/2014/main" id="{2FE0AEE7-0995-7EBB-85F3-554947126081}"/>
+              </a:ext>
+            </a:extLst>
+          </p:cNvPr>
+          <p:cNvSpPr>
+            <a:spLocks noGrp="1"/>
+          </p:cNvSpPr>
+          <p:nvPr>
+            <p:ph sz="quarter" idx="13"/>
+          </p:nvPr>
+        </p:nvSpPr>
+        <p:spPr>
+          <a:xfrm>
+            <a:off x="838199" y="946205"/>
+            <a:ext cx="10444702" cy="5215766"/>
+          </a:xfrm>
+        </p:spPr>
+        <p:txBody>
+          <a:bodyPr>
+            <a:normAutofit fontScale="77500" lnSpcReduction="20000"/>
+          </a:bodyPr>
+          <a:lstStyle/>
+          <a:p>
+            <a:endParaRPr lang="en-US" dirty="0"/>
+          </a:p>
+          <a:p>
+            <a:pPr marL="285750" indent="-285750">
+              <a:buFont typeface="Wingdings" panose="05000000000000000000" pitchFamily="2" charset="2"/>
+              <a:buChar char="q"/>
+            </a:pPr>
+            <a:r>
+              <a:rPr lang="en-US" dirty="0"/>
+              <a:t>Most features on the dataset are engineered and preprocessed, there is nothing obvious to construct</a:t>
+            </a:r>
+          </a:p>
+          <a:p>
+            <a:pPr marL="285750" indent="-285750">
+              <a:buFont typeface="Wingdings" panose="05000000000000000000" pitchFamily="2" charset="2"/>
+              <a:buChar char="q"/>
+            </a:pPr>
+            <a:r>
+              <a:rPr lang="en-US" dirty="0"/>
+              <a:t>Correlations were visualized in EDA previously</a:t>
+            </a:r>
+          </a:p>
+          <a:p>
+            <a:pPr marL="285750" indent="-285750">
+              <a:buFont typeface="Wingdings" panose="05000000000000000000" pitchFamily="2" charset="2"/>
+              <a:buChar char="q"/>
+            </a:pPr>
+            <a:r>
+              <a:rPr lang="en-US" dirty="0"/>
+              <a:t>Label encode target variable: B = 0 , M = 1</a:t>
+            </a:r>
+          </a:p>
+          <a:p>
+            <a:pPr marL="285750" indent="-285750">
+              <a:buFont typeface="Wingdings" panose="05000000000000000000" pitchFamily="2" charset="2"/>
+              <a:buChar char="q"/>
+            </a:pPr>
+            <a:r>
+              <a:rPr lang="en-US" dirty="0"/>
+              <a:t>Perform examination with unsupervised model to determine if the two classes can be efficiently separated, so that supervised classification can be done on the dataset.</a:t>
+            </a:r>
+          </a:p>
+          <a:p>
+            <a:pPr marL="742950" lvl="2" indent="-285750">
+              <a:buFont typeface="Wingdings" panose="05000000000000000000" pitchFamily="2" charset="2"/>
+              <a:buChar char="ü"/>
+            </a:pPr>
+            <a:r>
+              <a:rPr lang="en-US" dirty="0"/>
+              <a:t> Using  Kmean, OneClassSVM, GaussianMixture.  Best silhouette score – to GaussianMixture (0.79)</a:t>
+            </a:r>
+          </a:p>
+          <a:p>
+            <a:pPr marL="285750" indent="-285750">
+              <a:buFont typeface="Wingdings" panose="05000000000000000000" pitchFamily="2" charset="2"/>
+              <a:buChar char="q"/>
+            </a:pPr>
+            <a:r>
+              <a:rPr lang="en-US" dirty="0"/>
+              <a:t>Features selection – final features selection based on multiple tests, both Univariate and Multivariate, as described below</a:t>
+            </a:r>
+          </a:p>
+          <a:p>
+            <a:pPr marL="742950" lvl="2" indent="-285750">
+              <a:buFont typeface="Wingdings" panose="05000000000000000000" pitchFamily="2" charset="2"/>
+              <a:buChar char="ü"/>
+            </a:pPr>
+            <a:r>
+              <a:rPr lang="en-US" dirty="0"/>
+              <a:t>Univariate tests</a:t>
+            </a:r>
+          </a:p>
+          <a:p>
+            <a:pPr marL="800100" lvl="2" indent="-342900">
+              <a:buFont typeface="+mj-lt"/>
+              <a:buAutoNum type="arabicPeriod"/>
+            </a:pPr>
+            <a:r>
+              <a:rPr lang="en-US" dirty="0"/>
+              <a:t>paired t_test  - compare 2 groups (observations grouped by outcome classes) and find out </a:t>
+            </a:r>
+            <a:r>
+              <a:rPr lang="en-US" b="0" i="0" dirty="0">
+                <a:solidFill>
+                  <a:srgbClr val="1F1F1F"/>
+                </a:solidFill>
+                <a:effectLst/>
+                <a:latin typeface="Google Sans"/>
+              </a:rPr>
+              <a:t>whether there is a significant difference in paired measurements (p &lt; 0.05) of features. 5 features found to not have statistically significant differences.  (As seen with histplots in EDA previously) – those 5 where dropped, reducing dataset to 26 features</a:t>
+            </a:r>
+          </a:p>
+          <a:p>
+            <a:pPr marL="800100" lvl="2" indent="-342900">
+              <a:buFont typeface="+mj-lt"/>
+              <a:buAutoNum type="arabicPeriod"/>
+            </a:pPr>
+            <a:r>
+              <a:rPr lang="en-US" dirty="0"/>
+              <a:t>k-best 15 features selection using chi2,f_classif, f_regression methods – each returns a slightly different list of best 15 features</a:t>
+            </a:r>
+          </a:p>
+          <a:p>
+            <a:pPr marL="742950" lvl="2" indent="-285750">
+              <a:buFont typeface="Wingdings" panose="05000000000000000000" pitchFamily="2" charset="2"/>
+              <a:buChar char="ü"/>
+            </a:pPr>
+            <a:r>
+              <a:rPr lang="en-US" dirty="0"/>
+              <a:t>Multivariate tests on 26 features with number of regression models (8) including Lasso and Ridge, etc.  Then choosing the features selected by at least 5 different models. Resulted in same 26 features</a:t>
+            </a:r>
+          </a:p>
+          <a:p>
+            <a:pPr marL="742950" lvl="2" indent="-285750">
+              <a:buFont typeface="Wingdings" panose="05000000000000000000" pitchFamily="2" charset="2"/>
+              <a:buChar char="ü"/>
+            </a:pPr>
+            <a:r>
+              <a:rPr lang="en-US" dirty="0"/>
+              <a:t>Finally choosing features where there is a maximum interception between the list of features created by the different tests (most close to k-best with chi2 resulting list) , resulting in the 15 final features</a:t>
+            </a:r>
+          </a:p>
+          <a:p>
+            <a:pPr marL="285750" indent="-285750">
+              <a:buFont typeface="Wingdings" panose="05000000000000000000" pitchFamily="2" charset="2"/>
+              <a:buChar char="q"/>
+            </a:pPr>
+            <a:r>
+              <a:rPr lang="en-US" dirty="0"/>
+              <a:t>Final data frame saved as </a:t>
+            </a:r>
+            <a:r>
+              <a:rPr lang="en-US" b="0" dirty="0">
+                <a:solidFill>
+                  <a:srgbClr val="CE9178"/>
+                </a:solidFill>
+                <a:effectLst/>
+                <a:latin typeface="Consolas" panose="020B0609020204030204" pitchFamily="49" charset="0"/>
+              </a:rPr>
+              <a:t>IntermidiateData/4_FeatureEngeneering_Cancer_Data.pkl</a:t>
+            </a:r>
+            <a:endParaRPr lang="pt-BR" b="0" dirty="0">
+              <a:solidFill>
+                <a:srgbClr val="DADADA"/>
+              </a:solidFill>
+              <a:effectLst/>
+              <a:highlight>
+                <a:srgbClr val="1E1E1E"/>
+              </a:highlight>
+              <a:latin typeface="Consolas" panose="020B0609020204030204" pitchFamily="49" charset="0"/>
+            </a:endParaRPr>
+          </a:p>
+          <a:p>
+            <a:pPr marL="285750" indent="-285750">
+              <a:buFont typeface="Wingdings" panose="05000000000000000000" pitchFamily="2" charset="2"/>
+              <a:buChar char="q"/>
+            </a:pPr>
+            <a:endParaRPr lang="en-US" dirty="0"/>
+          </a:p>
+          <a:p>
+            <a:endParaRPr lang="en-US" dirty="0"/>
           </a:p>
         </p:txBody>
       </p:sp>
@@ -13378,7 +13268,7 @@
         </p:nvSpPr>
         <p:spPr>
           <a:xfrm>
-            <a:off x="838200" y="608356"/>
+            <a:off x="838200" y="314158"/>
             <a:ext cx="10515600" cy="457200"/>
           </a:xfrm>
         </p:spPr>
@@ -13411,8 +13301,8 @@
         </p:nvSpPr>
         <p:spPr>
           <a:xfrm>
-            <a:off x="389614" y="1216712"/>
-            <a:ext cx="11227241" cy="4945258"/>
+            <a:off x="389614" y="1073426"/>
+            <a:ext cx="11227241" cy="5088544"/>
           </a:xfrm>
         </p:spPr>
         <p:txBody>
@@ -13567,120 +13457,6 @@
           </a:p>
           <a:p>
             <a:endParaRPr lang="en-US" dirty="0"/>
-          </a:p>
-        </p:txBody>
-      </p:sp>
-      <p:sp>
-        <p:nvSpPr>
-          <p:cNvPr id="4" name="Rectangle 1">
-            <a:extLst>
-              <a:ext uri="{FF2B5EF4-FFF2-40B4-BE49-F238E27FC236}">
-                <a16:creationId xmlns:a16="http://schemas.microsoft.com/office/drawing/2014/main" id="{57BCEC61-D20C-7C1F-2787-43B4583E7814}"/>
-              </a:ext>
-            </a:extLst>
-          </p:cNvPr>
-          <p:cNvSpPr>
-            <a:spLocks noChangeArrowheads="1"/>
-          </p:cNvSpPr>
-          <p:nvPr/>
-        </p:nvSpPr>
-        <p:spPr bwMode="auto">
-          <a:xfrm>
-            <a:off x="0" y="0"/>
-            <a:ext cx="12192000" cy="457200"/>
-          </a:xfrm>
-          <a:prstGeom prst="rect">
-            <a:avLst/>
-          </a:prstGeom>
-          <a:solidFill>
-            <a:srgbClr val="F8F9FA"/>
-          </a:solidFill>
-          <a:ln>
-            <a:noFill/>
-          </a:ln>
-          <a:effectLst/>
-          <a:extLst>
-            <a:ext uri="{91240B29-F687-4F45-9708-019B960494DF}">
-              <a14:hiddenLine xmlns:a14="http://schemas.microsoft.com/office/drawing/2010/main" w="9525">
-                <a:solidFill>
-                  <a:schemeClr val="tx1"/>
-                </a:solidFill>
-                <a:miter lim="800000"/>
-                <a:headEnd/>
-                <a:tailEnd/>
-              </a14:hiddenLine>
-            </a:ext>
-            <a:ext uri="{AF507438-7753-43E0-B8FC-AC1667EBCBE1}">
-              <a14:hiddenEffects xmlns:a14="http://schemas.microsoft.com/office/drawing/2010/main">
-                <a:effectLst>
-                  <a:outerShdw dist="35921" dir="2700000" algn="ctr" rotWithShape="0">
-                    <a:schemeClr val="bg2"/>
-                  </a:outerShdw>
-                </a:effectLst>
-              </a14:hiddenEffects>
-            </a:ext>
-          </a:extLst>
-        </p:spPr>
-        <p:txBody>
-          <a:bodyPr vert="horz" wrap="none" lIns="0" tIns="-11109" rIns="0" bIns="-11109" numCol="1" anchor="ctr" anchorCtr="0" compatLnSpc="1">
-            <a:prstTxWarp prst="textNoShape">
-              <a:avLst/>
-            </a:prstTxWarp>
-            <a:spAutoFit/>
-          </a:bodyPr>
-          <a:lstStyle/>
-          <a:p>
-            <a:pPr marL="0" marR="0" lvl="0" indent="0" algn="l" defTabSz="914400" rtl="0" eaLnBrk="0" fontAlgn="base" latinLnBrk="0" hangingPunct="0">
-              <a:lnSpc>
-                <a:spcPct val="100000"/>
-              </a:lnSpc>
-              <a:spcBef>
-                <a:spcPct val="0"/>
-              </a:spcBef>
-              <a:spcAft>
-                <a:spcPct val="0"/>
-              </a:spcAft>
-              <a:buClrTx/>
-              <a:buSzTx/>
-              <a:buFontTx/>
-              <a:buNone/>
-              <a:tabLst/>
-            </a:pPr>
-            <a:r>
-              <a:rPr kumimoji="0" lang="en-US" altLang="en-US" sz="2100" b="0" i="0" u="none" strike="noStrike" cap="none" normalizeH="0" baseline="0">
-                <a:ln>
-                  <a:noFill/>
-                </a:ln>
-                <a:solidFill>
-                  <a:srgbClr val="1F1F1F"/>
-                </a:solidFill>
-                <a:effectLst/>
-                <a:latin typeface="inherit"/>
-              </a:rPr>
-              <a:t>consider</a:t>
-            </a:r>
-            <a:r>
-              <a:rPr kumimoji="0" lang="en-US" altLang="en-US" sz="800" b="0" i="0" u="none" strike="noStrike" cap="none" normalizeH="0" baseline="0">
-                <a:ln>
-                  <a:noFill/>
-                </a:ln>
-                <a:solidFill>
-                  <a:schemeClr val="tx1"/>
-                </a:solidFill>
-                <a:effectLst/>
-              </a:rPr>
-              <a:t> </a:t>
-            </a:r>
-            <a:endParaRPr kumimoji="0" lang="en-US" altLang="en-US" sz="1800" b="0" i="0" u="none" strike="noStrike" cap="none" normalizeH="0" baseline="0">
-              <a:ln>
-                <a:noFill/>
-              </a:ln>
-              <a:solidFill>
-                <a:schemeClr val="tx1"/>
-              </a:solidFill>
-              <a:effectLst/>
-              <a:latin typeface="Arial" panose="020B0604020202020204" pitchFamily="34" charset="0"/>
-            </a:endParaRPr>
           </a:p>
         </p:txBody>
       </p:sp>
@@ -14591,15 +14367,6 @@
 </file>
 
 <file path=customXml/item1.xml><?xml version="1.0" encoding="utf-8"?>
-<?mso-contentType ?>
-<FormTemplates xmlns="http://schemas.microsoft.com/sharepoint/v3/contenttype/forms">
-  <Display>DocumentLibraryForm</Display>
-  <Edit>DocumentLibraryForm</Edit>
-  <New>DocumentLibraryForm</New>
-</FormTemplates>
-</file>
-
-<file path=customXml/item2.xml><?xml version="1.0" encoding="utf-8"?>
 <ct:contentTypeSchema xmlns:ct="http://schemas.microsoft.com/office/2006/metadata/contentType" xmlns:ma="http://schemas.microsoft.com/office/2006/metadata/properties/metaAttributes" ct:_="" ma:_="" ma:contentTypeName="Document" ma:contentTypeID="0x01010079F111ED35F8CC479449609E8A0923A6" ma:contentTypeVersion="28" ma:contentTypeDescription="Create a new document." ma:contentTypeScope="" ma:versionID="60f5a4f2d2b0abadcf532d48ebf9cb71">
   <xsd:schema xmlns:xsd="http://www.w3.org/2001/XMLSchema" xmlns:xs="http://www.w3.org/2001/XMLSchema" xmlns:p="http://schemas.microsoft.com/office/2006/metadata/properties" xmlns:ns1="http://schemas.microsoft.com/sharepoint/v3" xmlns:ns2="71af3243-3dd4-4a8d-8c0d-dd76da1f02a5" xmlns:ns3="16c05727-aa75-4e4a-9b5f-8a80a1165891" xmlns:ns4="230e9df3-be65-4c73-a93b-d1236ebd677e" targetNamespace="http://schemas.microsoft.com/office/2006/metadata/properties" ma:root="true" ma:fieldsID="7dd78129e6a1811f84807ad11c651531" ns1:_="" ns2:_="" ns3:_="" ns4:_="">
     <xsd:import namespace="http://schemas.microsoft.com/sharepoint/v3"/>
@@ -14911,6 +14678,15 @@
 </ct:contentTypeSchema>
 </file>
 
+<file path=customXml/item2.xml><?xml version="1.0" encoding="utf-8"?>
+<?mso-contentType ?>
+<FormTemplates xmlns="http://schemas.microsoft.com/sharepoint/v3/contenttype/forms">
+  <Display>DocumentLibraryForm</Display>
+  <Edit>DocumentLibraryForm</Edit>
+  <New>DocumentLibraryForm</New>
+</FormTemplates>
+</file>
+
 <file path=customXml/item3.xml><?xml version="1.0" encoding="utf-8"?>
 <p:properties xmlns:p="http://schemas.microsoft.com/office/2006/metadata/properties" xmlns:xsi="http://www.w3.org/2001/XMLSchema-instance" xmlns:pc="http://schemas.microsoft.com/office/infopath/2007/PartnerControls">
   <documentManagement>
@@ -14932,14 +14708,6 @@
 </file>
 
 <file path=customXml/itemProps1.xml><?xml version="1.0" encoding="utf-8"?>
-<ds:datastoreItem xmlns:ds="http://schemas.openxmlformats.org/officeDocument/2006/customXml" ds:itemID="{0F048343-1EA9-44C3-883E-652FAAF0713E}">
-  <ds:schemaRefs>
-    <ds:schemaRef ds:uri="http://schemas.microsoft.com/sharepoint/v3/contenttype/forms"/>
-  </ds:schemaRefs>
-</ds:datastoreItem>
-</file>
-
-<file path=customXml/itemProps2.xml><?xml version="1.0" encoding="utf-8"?>
 <ds:datastoreItem xmlns:ds="http://schemas.openxmlformats.org/officeDocument/2006/customXml" ds:itemID="{5F2A2379-DD35-4769-BFD6-4857D72F808A}">
   <ds:schemaRefs>
     <ds:schemaRef ds:uri="http://schemas.microsoft.com/office/2006/metadata/contentType"/>
@@ -14960,6 +14728,14 @@
 </ds:datastoreItem>
 </file>
 
+<file path=customXml/itemProps2.xml><?xml version="1.0" encoding="utf-8"?>
+<ds:datastoreItem xmlns:ds="http://schemas.openxmlformats.org/officeDocument/2006/customXml" ds:itemID="{0F048343-1EA9-44C3-883E-652FAAF0713E}">
+  <ds:schemaRefs>
+    <ds:schemaRef ds:uri="http://schemas.microsoft.com/sharepoint/v3/contenttype/forms"/>
+  </ds:schemaRefs>
+</ds:datastoreItem>
+</file>
+
 <file path=customXml/itemProps3.xml><?xml version="1.0" encoding="utf-8"?>
 <ds:datastoreItem xmlns:ds="http://schemas.openxmlformats.org/officeDocument/2006/customXml" ds:itemID="{85C2645A-E767-4D7E-984D-234E531E4556}">
   <ds:schemaRefs>

--- a/PROJECT_PRESENTATION.pptx
+++ b/PROJECT_PRESENTATION.pptx
@@ -9624,8 +9624,23 @@
           <a:lstStyle/>
           <a:p>
             <a:r>
-              <a:rPr lang="en-US" dirty="0"/>
-              <a:t>FINAL TAKEAWAYS</a:t>
+              <a:rPr lang="en-US" sz="2400" dirty="0"/>
+              <a:t>Best model is SVC</a:t>
+            </a:r>
+            <a:br>
+              <a:rPr lang="en-US" sz="2400" dirty="0"/>
+            </a:br>
+            <a:r>
+              <a:rPr lang="en-US" sz="2400" dirty="0"/>
+              <a:t>but let’s give a chance to </a:t>
+            </a:r>
+            <a:r>
+              <a:rPr lang="en-US" sz="2400" dirty="0" err="1"/>
+              <a:t>XGBoost</a:t>
+            </a:r>
+            <a:r>
+              <a:rPr lang="en-US" sz="2400" dirty="0"/>
+              <a:t> too, to see how fine tuning can improve relevant scores of the both models</a:t>
             </a:r>
           </a:p>
         </p:txBody>
@@ -9726,9 +9741,85 @@
         </p:blipFill>
         <p:spPr>
           <a:xfrm>
-            <a:off x="2693545" y="1965856"/>
-            <a:ext cx="6344535" cy="3762900"/>
+            <a:off x="481167" y="2569387"/>
+            <a:ext cx="4706114" cy="3238818"/>
           </a:xfrm>
+        </p:spPr>
+      </p:pic>
+      <p:sp>
+        <p:nvSpPr>
+          <p:cNvPr id="6" name="Arrow: Right 5">
+            <a:extLst>
+              <a:ext uri="{FF2B5EF4-FFF2-40B4-BE49-F238E27FC236}">
+                <a16:creationId xmlns:a16="http://schemas.microsoft.com/office/drawing/2014/main" id="{2472BF98-4B27-7EA5-D5E9-389D13A3D2BA}"/>
+              </a:ext>
+            </a:extLst>
+          </p:cNvPr>
+          <p:cNvSpPr/>
+          <p:nvPr/>
+        </p:nvSpPr>
+        <p:spPr>
+          <a:xfrm>
+            <a:off x="5401557" y="3691067"/>
+            <a:ext cx="727788" cy="209939"/>
+          </a:xfrm>
+          <a:prstGeom prst="rightArrow">
+            <a:avLst/>
+          </a:prstGeom>
+        </p:spPr>
+        <p:style>
+          <a:lnRef idx="2">
+            <a:schemeClr val="accent1">
+              <a:shade val="15000"/>
+            </a:schemeClr>
+          </a:lnRef>
+          <a:fillRef idx="1">
+            <a:schemeClr val="accent1"/>
+          </a:fillRef>
+          <a:effectRef idx="0">
+            <a:schemeClr val="accent1"/>
+          </a:effectRef>
+          <a:fontRef idx="minor">
+            <a:schemeClr val="lt1"/>
+          </a:fontRef>
+        </p:style>
+        <p:txBody>
+          <a:bodyPr rtlCol="0" anchor="ctr"/>
+          <a:lstStyle/>
+          <a:p>
+            <a:pPr algn="ctr"/>
+            <a:endParaRPr lang="en-US"/>
+          </a:p>
+        </p:txBody>
+      </p:sp>
+      <p:pic>
+        <p:nvPicPr>
+          <p:cNvPr id="8" name="Picture 7">
+            <a:extLst>
+              <a:ext uri="{FF2B5EF4-FFF2-40B4-BE49-F238E27FC236}">
+                <a16:creationId xmlns:a16="http://schemas.microsoft.com/office/drawing/2014/main" id="{80354C33-F9BF-0DD5-E8F9-7A4792D8FEFE}"/>
+              </a:ext>
+            </a:extLst>
+          </p:cNvPr>
+          <p:cNvPicPr>
+            <a:picLocks noChangeAspect="1"/>
+          </p:cNvPicPr>
+          <p:nvPr/>
+        </p:nvPicPr>
+        <p:blipFill>
+          <a:blip r:embed="rId4"/>
+          <a:stretch>
+            <a:fillRect/>
+          </a:stretch>
+        </p:blipFill>
+        <p:spPr>
+          <a:xfrm>
+            <a:off x="6343621" y="2905877"/>
+            <a:ext cx="5708004" cy="2995204"/>
+          </a:xfrm>
+          <a:prstGeom prst="rect">
+            <a:avLst/>
+          </a:prstGeom>
         </p:spPr>
       </p:pic>
     </p:spTree>
@@ -9761,40 +9852,6 @@
           <a:chExt cx="0" cy="0"/>
         </a:xfrm>
       </p:grpSpPr>
-      <p:sp>
-        <p:nvSpPr>
-          <p:cNvPr id="2" name="Title 1">
-            <a:extLst>
-              <a:ext uri="{FF2B5EF4-FFF2-40B4-BE49-F238E27FC236}">
-                <a16:creationId xmlns:a16="http://schemas.microsoft.com/office/drawing/2014/main" id="{5D030A76-B788-B363-104E-266B7C7F7208}"/>
-              </a:ext>
-            </a:extLst>
-          </p:cNvPr>
-          <p:cNvSpPr>
-            <a:spLocks noGrp="1"/>
-          </p:cNvSpPr>
-          <p:nvPr>
-            <p:ph type="title"/>
-          </p:nvPr>
-        </p:nvSpPr>
-        <p:spPr>
-          <a:xfrm>
-            <a:off x="838200" y="365760"/>
-            <a:ext cx="10515600" cy="747423"/>
-          </a:xfrm>
-          <a:noFill/>
-        </p:spPr>
-        <p:txBody>
-          <a:bodyPr anchor="ctr"/>
-          <a:lstStyle/>
-          <a:p>
-            <a:r>
-              <a:rPr lang="en-US" dirty="0"/>
-              <a:t>FINAL TAKEAWAYS</a:t>
-            </a:r>
-          </a:p>
-        </p:txBody>
-      </p:sp>
       <p:sp>
         <p:nvSpPr>
           <p:cNvPr id="5" name="Rectangle 4">
@@ -9891,17 +9948,17 @@
         </p:blipFill>
         <p:spPr>
           <a:xfrm>
-            <a:off x="838200" y="1857539"/>
-            <a:ext cx="5133975" cy="3979535"/>
+            <a:off x="838200" y="1857540"/>
+            <a:ext cx="3071077" cy="2380506"/>
           </a:xfrm>
         </p:spPr>
       </p:pic>
       <p:pic>
         <p:nvPicPr>
-          <p:cNvPr id="17" name="Picture 16">
+          <p:cNvPr id="4" name="Picture 3">
             <a:extLst>
               <a:ext uri="{FF2B5EF4-FFF2-40B4-BE49-F238E27FC236}">
-                <a16:creationId xmlns:a16="http://schemas.microsoft.com/office/drawing/2014/main" id="{F9A4006F-0404-6987-1586-3EECDAD13AA0}"/>
+                <a16:creationId xmlns:a16="http://schemas.microsoft.com/office/drawing/2014/main" id="{FBBC1361-E2EE-5966-82B4-487B841BC10A}"/>
               </a:ext>
             </a:extLst>
           </p:cNvPr>
@@ -9918,8 +9975,244 @@
         </p:blipFill>
         <p:spPr>
           <a:xfrm>
-            <a:off x="6096000" y="1857539"/>
-            <a:ext cx="5820587" cy="2343477"/>
+            <a:off x="6294472" y="4305509"/>
+            <a:ext cx="5771568" cy="2006406"/>
+          </a:xfrm>
+          <a:prstGeom prst="rect">
+            <a:avLst/>
+          </a:prstGeom>
+        </p:spPr>
+      </p:pic>
+      <p:pic>
+        <p:nvPicPr>
+          <p:cNvPr id="7" name="Picture 6">
+            <a:extLst>
+              <a:ext uri="{FF2B5EF4-FFF2-40B4-BE49-F238E27FC236}">
+                <a16:creationId xmlns:a16="http://schemas.microsoft.com/office/drawing/2014/main" id="{07195F9C-3493-F569-F3E9-E190E38AF684}"/>
+              </a:ext>
+            </a:extLst>
+          </p:cNvPr>
+          <p:cNvPicPr>
+            <a:picLocks noChangeAspect="1"/>
+          </p:cNvPicPr>
+          <p:nvPr/>
+        </p:nvPicPr>
+        <p:blipFill>
+          <a:blip r:embed="rId5"/>
+          <a:stretch>
+            <a:fillRect/>
+          </a:stretch>
+        </p:blipFill>
+        <p:spPr>
+          <a:xfrm>
+            <a:off x="6294472" y="1857540"/>
+            <a:ext cx="5753903" cy="2006405"/>
+          </a:xfrm>
+          <a:prstGeom prst="rect">
+            <a:avLst/>
+          </a:prstGeom>
+        </p:spPr>
+      </p:pic>
+      <p:sp>
+        <p:nvSpPr>
+          <p:cNvPr id="8" name="TextBox 7">
+            <a:extLst>
+              <a:ext uri="{FF2B5EF4-FFF2-40B4-BE49-F238E27FC236}">
+                <a16:creationId xmlns:a16="http://schemas.microsoft.com/office/drawing/2014/main" id="{7B7CB26B-C966-00E9-6199-CC0380A0783E}"/>
+              </a:ext>
+            </a:extLst>
+          </p:cNvPr>
+          <p:cNvSpPr txBox="1"/>
+          <p:nvPr/>
+        </p:nvSpPr>
+        <p:spPr>
+          <a:xfrm>
+            <a:off x="4490368" y="1741906"/>
+            <a:ext cx="1275244" cy="369332"/>
+          </a:xfrm>
+          <a:prstGeom prst="rect">
+            <a:avLst/>
+          </a:prstGeom>
+          <a:noFill/>
+        </p:spPr>
+        <p:txBody>
+          <a:bodyPr wrap="square" rtlCol="0">
+            <a:spAutoFit/>
+          </a:bodyPr>
+          <a:lstStyle/>
+          <a:p>
+            <a:r>
+              <a:rPr lang="en-US" dirty="0"/>
+              <a:t>Validation</a:t>
+            </a:r>
+          </a:p>
+        </p:txBody>
+      </p:sp>
+      <p:sp>
+        <p:nvSpPr>
+          <p:cNvPr id="10" name="TextBox 9">
+            <a:extLst>
+              <a:ext uri="{FF2B5EF4-FFF2-40B4-BE49-F238E27FC236}">
+                <a16:creationId xmlns:a16="http://schemas.microsoft.com/office/drawing/2014/main" id="{8CB3FC99-182F-628B-6F86-D9693A087232}"/>
+              </a:ext>
+            </a:extLst>
+          </p:cNvPr>
+          <p:cNvSpPr txBox="1"/>
+          <p:nvPr/>
+        </p:nvSpPr>
+        <p:spPr>
+          <a:xfrm>
+            <a:off x="4471247" y="4379383"/>
+            <a:ext cx="1261255" cy="369332"/>
+          </a:xfrm>
+          <a:prstGeom prst="rect">
+            <a:avLst/>
+          </a:prstGeom>
+          <a:noFill/>
+        </p:spPr>
+        <p:txBody>
+          <a:bodyPr wrap="square" rtlCol="0">
+            <a:spAutoFit/>
+          </a:bodyPr>
+          <a:lstStyle/>
+          <a:p>
+            <a:r>
+              <a:rPr lang="en-US" dirty="0"/>
+              <a:t>Fine tuning</a:t>
+            </a:r>
+          </a:p>
+        </p:txBody>
+      </p:sp>
+      <p:pic>
+        <p:nvPicPr>
+          <p:cNvPr id="12" name="Picture 11">
+            <a:extLst>
+              <a:ext uri="{FF2B5EF4-FFF2-40B4-BE49-F238E27FC236}">
+                <a16:creationId xmlns:a16="http://schemas.microsoft.com/office/drawing/2014/main" id="{67D28751-49B9-3E1E-C603-E58288C222AF}"/>
+              </a:ext>
+            </a:extLst>
+          </p:cNvPr>
+          <p:cNvPicPr>
+            <a:picLocks noChangeAspect="1"/>
+          </p:cNvPicPr>
+          <p:nvPr/>
+        </p:nvPicPr>
+        <p:blipFill>
+          <a:blip r:embed="rId6"/>
+          <a:stretch>
+            <a:fillRect/>
+          </a:stretch>
+        </p:blipFill>
+        <p:spPr>
+          <a:xfrm>
+            <a:off x="6171879" y="420635"/>
+            <a:ext cx="3410426" cy="809738"/>
+          </a:xfrm>
+          <a:prstGeom prst="rect">
+            <a:avLst/>
+          </a:prstGeom>
+        </p:spPr>
+      </p:pic>
+      <p:pic>
+        <p:nvPicPr>
+          <p:cNvPr id="18" name="Picture 17">
+            <a:extLst>
+              <a:ext uri="{FF2B5EF4-FFF2-40B4-BE49-F238E27FC236}">
+                <a16:creationId xmlns:a16="http://schemas.microsoft.com/office/drawing/2014/main" id="{778D5819-5C1D-2975-6FD3-AE463CEF8331}"/>
+              </a:ext>
+            </a:extLst>
+          </p:cNvPr>
+          <p:cNvPicPr>
+            <a:picLocks noChangeAspect="1"/>
+          </p:cNvPicPr>
+          <p:nvPr/>
+        </p:nvPicPr>
+        <p:blipFill>
+          <a:blip r:embed="rId7"/>
+          <a:stretch>
+            <a:fillRect/>
+          </a:stretch>
+        </p:blipFill>
+        <p:spPr>
+          <a:xfrm>
+            <a:off x="795905" y="456349"/>
+            <a:ext cx="3362794" cy="790685"/>
+          </a:xfrm>
+          <a:prstGeom prst="rect">
+            <a:avLst/>
+          </a:prstGeom>
+        </p:spPr>
+      </p:pic>
+      <p:sp>
+        <p:nvSpPr>
+          <p:cNvPr id="19" name="Arrow: Right 18">
+            <a:extLst>
+              <a:ext uri="{FF2B5EF4-FFF2-40B4-BE49-F238E27FC236}">
+                <a16:creationId xmlns:a16="http://schemas.microsoft.com/office/drawing/2014/main" id="{EEA72BD3-45EA-2ED9-920E-E9306657DFD7}"/>
+              </a:ext>
+            </a:extLst>
+          </p:cNvPr>
+          <p:cNvSpPr/>
+          <p:nvPr/>
+        </p:nvSpPr>
+        <p:spPr>
+          <a:xfrm>
+            <a:off x="4633525" y="681310"/>
+            <a:ext cx="1132087" cy="340762"/>
+          </a:xfrm>
+          <a:prstGeom prst="rightArrow">
+            <a:avLst/>
+          </a:prstGeom>
+        </p:spPr>
+        <p:style>
+          <a:lnRef idx="2">
+            <a:schemeClr val="accent1">
+              <a:shade val="15000"/>
+            </a:schemeClr>
+          </a:lnRef>
+          <a:fillRef idx="1">
+            <a:schemeClr val="accent1"/>
+          </a:fillRef>
+          <a:effectRef idx="0">
+            <a:schemeClr val="accent1"/>
+          </a:effectRef>
+          <a:fontRef idx="minor">
+            <a:schemeClr val="lt1"/>
+          </a:fontRef>
+        </p:style>
+        <p:txBody>
+          <a:bodyPr rtlCol="0" anchor="ctr"/>
+          <a:lstStyle/>
+          <a:p>
+            <a:pPr algn="ctr"/>
+            <a:endParaRPr lang="en-US"/>
+          </a:p>
+        </p:txBody>
+      </p:sp>
+      <p:pic>
+        <p:nvPicPr>
+          <p:cNvPr id="23" name="Picture 22">
+            <a:extLst>
+              <a:ext uri="{FF2B5EF4-FFF2-40B4-BE49-F238E27FC236}">
+                <a16:creationId xmlns:a16="http://schemas.microsoft.com/office/drawing/2014/main" id="{D3B1C227-4D57-6EAC-47D5-41D2D3EBEDDF}"/>
+              </a:ext>
+            </a:extLst>
+          </p:cNvPr>
+          <p:cNvPicPr>
+            <a:picLocks noChangeAspect="1"/>
+          </p:cNvPicPr>
+          <p:nvPr/>
+        </p:nvPicPr>
+        <p:blipFill>
+          <a:blip r:embed="rId8"/>
+          <a:stretch>
+            <a:fillRect/>
+          </a:stretch>
+        </p:blipFill>
+        <p:spPr>
+          <a:xfrm>
+            <a:off x="860411" y="4564049"/>
+            <a:ext cx="3170900" cy="1434351"/>
           </a:xfrm>
           <a:prstGeom prst="rect">
             <a:avLst/>
@@ -13307,7 +13600,7 @@
         </p:spPr>
         <p:txBody>
           <a:bodyPr>
-            <a:normAutofit fontScale="85000" lnSpcReduction="20000"/>
+            <a:normAutofit fontScale="70000" lnSpcReduction="20000"/>
           </a:bodyPr>
           <a:lstStyle/>
           <a:p>
@@ -13347,7 +13640,7 @@
             </a:pPr>
             <a:r>
               <a:rPr lang="en-US" dirty="0"/>
-              <a:t>Model selection process: predicting on the test set with the best estimator per examined model (best estimators fitted with best chosen parameters as returned by a grid search), and then choosing the best performing model according to the classification report</a:t>
+              <a:t>Model selection process: predicting on the test set with the best estimator per examined model (best estimators fitted with best chosen parameters as returned by a grid search), and then choosing the best performing model(s) according to the classification reports</a:t>
             </a:r>
           </a:p>
           <a:p>
@@ -13357,17 +13650,30 @@
             </a:pPr>
             <a:r>
               <a:rPr lang="en-US" dirty="0"/>
-              <a:t>The SVM classifier has the best f1 and recall scores, without overfitting, compared to all other examined models</a:t>
-            </a:r>
-          </a:p>
-          <a:p>
-            <a:pPr marL="285750" indent="-285750">
-              <a:buFont typeface="Wingdings" panose="05000000000000000000" pitchFamily="2" charset="2"/>
-              <a:buChar char="q"/>
-            </a:pPr>
+              <a:t>The SVM classifier has the best f1 and recall scores, without overfitting, compared to all other examined models. Then follows XGBClassifier</a:t>
+            </a:r>
+          </a:p>
+          <a:p>
+            <a:pPr marL="742950" lvl="2" indent="-285750"/>
             <a:r>
               <a:rPr lang="en-US" dirty="0"/>
-              <a:t> Fine tuning selected SVM model </a:t>
+              <a:t>SVM  with recall (on malignant label) of 96% and f1 (on malignant label) of 97%</a:t>
+            </a:r>
+          </a:p>
+          <a:p>
+            <a:pPr marL="742950" lvl="2" indent="-285750"/>
+            <a:r>
+              <a:rPr lang="en-US" dirty="0"/>
+              <a:t>XGBClassifier  with recall (on malignant label) of 96% and f1 (on malignant label) of 98%</a:t>
+            </a:r>
+          </a:p>
+          <a:p>
+            <a:br>
+              <a:rPr lang="en-US" dirty="0"/>
+            </a:br>
+            <a:r>
+              <a:rPr lang="en-US" dirty="0"/>
+              <a:t> Fine tuning selected SVM and XGBClassifier models </a:t>
             </a:r>
           </a:p>
           <a:p>

--- a/PROJECT_PRESENTATION.pptx
+++ b/PROJECT_PRESENTATION.pptx
@@ -5,10 +5,10 @@
     <p:sldMasterId id="2147483739" r:id="rId4"/>
   </p:sldMasterIdLst>
   <p:notesMasterIdLst>
-    <p:notesMasterId r:id="rId19"/>
+    <p:notesMasterId r:id="rId21"/>
   </p:notesMasterIdLst>
   <p:handoutMasterIdLst>
-    <p:handoutMasterId r:id="rId20"/>
+    <p:handoutMasterId r:id="rId22"/>
   </p:handoutMasterIdLst>
   <p:sldIdLst>
     <p:sldId id="281" r:id="rId5"/>
@@ -17,14 +17,16 @@
     <p:sldId id="279" r:id="rId8"/>
     <p:sldId id="295" r:id="rId9"/>
     <p:sldId id="297" r:id="rId10"/>
-    <p:sldId id="298" r:id="rId11"/>
-    <p:sldId id="299" r:id="rId12"/>
-    <p:sldId id="300" r:id="rId13"/>
-    <p:sldId id="266" r:id="rId14"/>
-    <p:sldId id="302" r:id="rId15"/>
-    <p:sldId id="301" r:id="rId16"/>
-    <p:sldId id="294" r:id="rId17"/>
-    <p:sldId id="282" r:id="rId18"/>
+    <p:sldId id="304" r:id="rId11"/>
+    <p:sldId id="298" r:id="rId12"/>
+    <p:sldId id="303" r:id="rId13"/>
+    <p:sldId id="299" r:id="rId14"/>
+    <p:sldId id="300" r:id="rId15"/>
+    <p:sldId id="266" r:id="rId16"/>
+    <p:sldId id="302" r:id="rId17"/>
+    <p:sldId id="301" r:id="rId18"/>
+    <p:sldId id="294" r:id="rId19"/>
+    <p:sldId id="282" r:id="rId20"/>
   </p:sldIdLst>
   <p:sldSz cx="12192000" cy="6858000"/>
   <p:notesSz cx="6858000" cy="9144000"/>
@@ -1101,10 +1103,10 @@
         <a:lstStyle/>
         <a:p>
           <a:r>
-            <a:rPr lang="en-US" baseline="0"/>
+            <a:rPr lang="en-US" baseline="0" dirty="0"/>
             <a:t>Model training and tuning</a:t>
           </a:r>
-          <a:endParaRPr lang="en-US"/>
+          <a:endParaRPr lang="en-US" dirty="0"/>
         </a:p>
       </dgm:t>
     </dgm:pt>
@@ -1138,10 +1140,10 @@
         <a:lstStyle/>
         <a:p>
           <a:r>
-            <a:rPr lang="en-US" baseline="0"/>
-            <a:t>FINAL TIPS &amp; TAKEAWAYS</a:t>
+            <a:rPr lang="en-US" baseline="0" dirty="0"/>
+            <a:t>Conclusions and summary</a:t>
           </a:r>
-          <a:endParaRPr lang="en-US"/>
+          <a:endParaRPr lang="en-US" dirty="0"/>
         </a:p>
       </dgm:t>
     </dgm:pt>
@@ -1812,10 +1814,10 @@
             <a:buNone/>
           </a:pPr>
           <a:r>
-            <a:rPr lang="en-US" sz="1500" kern="1200" baseline="0"/>
+            <a:rPr lang="en-US" sz="1500" kern="1200" baseline="0" dirty="0"/>
             <a:t>Model training and tuning</a:t>
           </a:r>
-          <a:endParaRPr lang="en-US" sz="1500" kern="1200"/>
+          <a:endParaRPr lang="en-US" sz="1500" kern="1200" dirty="0"/>
         </a:p>
       </dsp:txBody>
       <dsp:txXfrm>
@@ -1890,10 +1892,10 @@
             <a:buNone/>
           </a:pPr>
           <a:r>
-            <a:rPr lang="en-US" sz="1500" kern="1200" baseline="0"/>
-            <a:t>FINAL TIPS &amp; TAKEAWAYS</a:t>
+            <a:rPr lang="en-US" sz="1500" kern="1200" baseline="0" dirty="0"/>
+            <a:t>Conclusions and summary</a:t>
           </a:r>
-          <a:endParaRPr lang="en-US" sz="1500" kern="1200"/>
+          <a:endParaRPr lang="en-US" sz="1500" kern="1200" dirty="0"/>
         </a:p>
       </dsp:txBody>
       <dsp:txXfrm>
@@ -3266,7 +3268,7 @@
           <a:p>
             <a:fld id="{0DC994AA-C437-4EF4-8BEF-0B832D7FA420}" type="datetimeFigureOut">
               <a:rPr lang="en-US" smtClean="0"/>
-              <a:t>8/31/2024</a:t>
+              <a:t>9/1/2024</a:t>
             </a:fld>
             <a:endParaRPr lang="en-US"/>
           </a:p>
@@ -3443,7 +3445,7 @@
           <a:p>
             <a:fld id="{3B4FE048-FAD0-D943-9A17-3C4CB7633182}" type="datetimeFigureOut">
               <a:rPr lang="en-US" smtClean="0"/>
-              <a:t>8/31/2024</a:t>
+              <a:t>9/1/2024</a:t>
             </a:fld>
             <a:endParaRPr lang="en-US"/>
           </a:p>
@@ -3715,6 +3717,90 @@
   <p:cSld>
     <p:spTree>
       <p:nvGrpSpPr>
+        <p:cNvPr id="1" name=""/>
+        <p:cNvGrpSpPr/>
+        <p:nvPr/>
+      </p:nvGrpSpPr>
+      <p:grpSpPr>
+        <a:xfrm>
+          <a:off x="0" y="0"/>
+          <a:ext cx="0" cy="0"/>
+          <a:chOff x="0" y="0"/>
+          <a:chExt cx="0" cy="0"/>
+        </a:xfrm>
+      </p:grpSpPr>
+      <p:sp>
+        <p:nvSpPr>
+          <p:cNvPr id="2" name="Slide Image Placeholder 1"/>
+          <p:cNvSpPr>
+            <a:spLocks noGrp="1" noRot="1" noChangeAspect="1"/>
+          </p:cNvSpPr>
+          <p:nvPr>
+            <p:ph type="sldImg"/>
+          </p:nvPr>
+        </p:nvSpPr>
+        <p:spPr/>
+      </p:sp>
+      <p:sp>
+        <p:nvSpPr>
+          <p:cNvPr id="3" name="Notes Placeholder 2"/>
+          <p:cNvSpPr>
+            <a:spLocks noGrp="1"/>
+          </p:cNvSpPr>
+          <p:nvPr>
+            <p:ph type="body" idx="1"/>
+          </p:nvPr>
+        </p:nvSpPr>
+        <p:spPr/>
+        <p:txBody>
+          <a:bodyPr/>
+          <a:lstStyle/>
+          <a:p>
+            <a:endParaRPr lang="en-US"/>
+          </a:p>
+        </p:txBody>
+      </p:sp>
+      <p:sp>
+        <p:nvSpPr>
+          <p:cNvPr id="4" name="Slide Number Placeholder 3"/>
+          <p:cNvSpPr>
+            <a:spLocks noGrp="1"/>
+          </p:cNvSpPr>
+          <p:nvPr>
+            <p:ph type="sldNum" sz="quarter" idx="5"/>
+          </p:nvPr>
+        </p:nvSpPr>
+        <p:spPr/>
+        <p:txBody>
+          <a:bodyPr/>
+          <a:lstStyle/>
+          <a:p>
+            <a:fld id="{55247812-3409-784D-BAE7-ABE53735D59F}" type="slidenum">
+              <a:rPr lang="en-US" smtClean="0"/>
+              <a:t>1</a:t>
+            </a:fld>
+            <a:endParaRPr lang="en-US"/>
+          </a:p>
+        </p:txBody>
+      </p:sp>
+    </p:spTree>
+    <p:extLst>
+      <p:ext uri="{BB962C8B-B14F-4D97-AF65-F5344CB8AC3E}">
+        <p14:creationId xmlns:p14="http://schemas.microsoft.com/office/powerpoint/2010/main" val="1645376852"/>
+      </p:ext>
+    </p:extLst>
+  </p:cSld>
+  <p:clrMapOvr>
+    <a:masterClrMapping/>
+  </p:clrMapOvr>
+</p:notes>
+</file>
+
+<file path=ppt/notesSlides/notesSlide2.xml><?xml version="1.0" encoding="utf-8"?>
+<p:notes xmlns:a="http://schemas.openxmlformats.org/drawingml/2006/main" xmlns:r="http://schemas.openxmlformats.org/officeDocument/2006/relationships" xmlns:p="http://schemas.openxmlformats.org/presentationml/2006/main">
+  <p:cSld>
+    <p:spTree>
+      <p:nvGrpSpPr>
         <p:cNvPr id="1" name="">
           <a:extLst>
             <a:ext uri="{FF2B5EF4-FFF2-40B4-BE49-F238E27FC236}">
@@ -3809,90 +3895,6 @@
     <p:extLst>
       <p:ext uri="{BB962C8B-B14F-4D97-AF65-F5344CB8AC3E}">
         <p14:creationId xmlns:p14="http://schemas.microsoft.com/office/powerpoint/2010/main" val="2217294045"/>
-      </p:ext>
-    </p:extLst>
-  </p:cSld>
-  <p:clrMapOvr>
-    <a:masterClrMapping/>
-  </p:clrMapOvr>
-</p:notes>
-</file>
-
-<file path=ppt/notesSlides/notesSlide2.xml><?xml version="1.0" encoding="utf-8"?>
-<p:notes xmlns:a="http://schemas.openxmlformats.org/drawingml/2006/main" xmlns:r="http://schemas.openxmlformats.org/officeDocument/2006/relationships" xmlns:p="http://schemas.openxmlformats.org/presentationml/2006/main">
-  <p:cSld>
-    <p:spTree>
-      <p:nvGrpSpPr>
-        <p:cNvPr id="1" name=""/>
-        <p:cNvGrpSpPr/>
-        <p:nvPr/>
-      </p:nvGrpSpPr>
-      <p:grpSpPr>
-        <a:xfrm>
-          <a:off x="0" y="0"/>
-          <a:ext cx="0" cy="0"/>
-          <a:chOff x="0" y="0"/>
-          <a:chExt cx="0" cy="0"/>
-        </a:xfrm>
-      </p:grpSpPr>
-      <p:sp>
-        <p:nvSpPr>
-          <p:cNvPr id="2" name="Slide Image Placeholder 1"/>
-          <p:cNvSpPr>
-            <a:spLocks noGrp="1" noRot="1" noChangeAspect="1"/>
-          </p:cNvSpPr>
-          <p:nvPr>
-            <p:ph type="sldImg"/>
-          </p:nvPr>
-        </p:nvSpPr>
-        <p:spPr/>
-      </p:sp>
-      <p:sp>
-        <p:nvSpPr>
-          <p:cNvPr id="3" name="Notes Placeholder 2"/>
-          <p:cNvSpPr>
-            <a:spLocks noGrp="1"/>
-          </p:cNvSpPr>
-          <p:nvPr>
-            <p:ph type="body" idx="1"/>
-          </p:nvPr>
-        </p:nvSpPr>
-        <p:spPr/>
-        <p:txBody>
-          <a:bodyPr/>
-          <a:lstStyle/>
-          <a:p>
-            <a:endParaRPr lang="en-US" dirty="0"/>
-          </a:p>
-        </p:txBody>
-      </p:sp>
-      <p:sp>
-        <p:nvSpPr>
-          <p:cNvPr id="4" name="Slide Number Placeholder 3"/>
-          <p:cNvSpPr>
-            <a:spLocks noGrp="1"/>
-          </p:cNvSpPr>
-          <p:nvPr>
-            <p:ph type="sldNum" sz="quarter" idx="5"/>
-          </p:nvPr>
-        </p:nvSpPr>
-        <p:spPr/>
-        <p:txBody>
-          <a:bodyPr/>
-          <a:lstStyle/>
-          <a:p>
-            <a:fld id="{55247812-3409-784D-BAE7-ABE53735D59F}" type="slidenum">
-              <a:rPr lang="en-US" smtClean="0"/>
-              <a:t>4</a:t>
-            </a:fld>
-            <a:endParaRPr lang="en-US"/>
-          </a:p>
-        </p:txBody>
-      </p:sp>
-    </p:spTree>
-    <p:extLst>
-      <p:ext uri="{BB962C8B-B14F-4D97-AF65-F5344CB8AC3E}">
-        <p14:creationId xmlns:p14="http://schemas.microsoft.com/office/powerpoint/2010/main" val="27937937"/>
       </p:ext>
     </p:extLst>
   </p:cSld>
@@ -3967,7 +3969,7 @@
           <a:p>
             <a:fld id="{55247812-3409-784D-BAE7-ABE53735D59F}" type="slidenum">
               <a:rPr lang="en-US" smtClean="0"/>
-              <a:t>10</a:t>
+              <a:t>4</a:t>
             </a:fld>
             <a:endParaRPr lang="en-US"/>
           </a:p>
@@ -3976,7 +3978,7 @@
     </p:spTree>
     <p:extLst>
       <p:ext uri="{BB962C8B-B14F-4D97-AF65-F5344CB8AC3E}">
-        <p14:creationId xmlns:p14="http://schemas.microsoft.com/office/powerpoint/2010/main" val="2986387494"/>
+        <p14:creationId xmlns:p14="http://schemas.microsoft.com/office/powerpoint/2010/main" val="27937937"/>
       </p:ext>
     </p:extLst>
   </p:cSld>
@@ -4051,7 +4053,7 @@
           <a:p>
             <a:fld id="{55247812-3409-784D-BAE7-ABE53735D59F}" type="slidenum">
               <a:rPr lang="en-US" smtClean="0"/>
-              <a:t>11</a:t>
+              <a:t>12</a:t>
             </a:fld>
             <a:endParaRPr lang="en-US"/>
           </a:p>
@@ -4060,7 +4062,7 @@
     </p:spTree>
     <p:extLst>
       <p:ext uri="{BB962C8B-B14F-4D97-AF65-F5344CB8AC3E}">
-        <p14:creationId xmlns:p14="http://schemas.microsoft.com/office/powerpoint/2010/main" val="2203549624"/>
+        <p14:creationId xmlns:p14="http://schemas.microsoft.com/office/powerpoint/2010/main" val="2986387494"/>
       </p:ext>
     </p:extLst>
   </p:cSld>
@@ -4135,7 +4137,91 @@
           <a:p>
             <a:fld id="{55247812-3409-784D-BAE7-ABE53735D59F}" type="slidenum">
               <a:rPr lang="en-US" smtClean="0"/>
-              <a:t>12</a:t>
+              <a:t>13</a:t>
+            </a:fld>
+            <a:endParaRPr lang="en-US"/>
+          </a:p>
+        </p:txBody>
+      </p:sp>
+    </p:spTree>
+    <p:extLst>
+      <p:ext uri="{BB962C8B-B14F-4D97-AF65-F5344CB8AC3E}">
+        <p14:creationId xmlns:p14="http://schemas.microsoft.com/office/powerpoint/2010/main" val="2203549624"/>
+      </p:ext>
+    </p:extLst>
+  </p:cSld>
+  <p:clrMapOvr>
+    <a:masterClrMapping/>
+  </p:clrMapOvr>
+</p:notes>
+</file>
+
+<file path=ppt/notesSlides/notesSlide6.xml><?xml version="1.0" encoding="utf-8"?>
+<p:notes xmlns:a="http://schemas.openxmlformats.org/drawingml/2006/main" xmlns:r="http://schemas.openxmlformats.org/officeDocument/2006/relationships" xmlns:p="http://schemas.openxmlformats.org/presentationml/2006/main">
+  <p:cSld>
+    <p:spTree>
+      <p:nvGrpSpPr>
+        <p:cNvPr id="1" name=""/>
+        <p:cNvGrpSpPr/>
+        <p:nvPr/>
+      </p:nvGrpSpPr>
+      <p:grpSpPr>
+        <a:xfrm>
+          <a:off x="0" y="0"/>
+          <a:ext cx="0" cy="0"/>
+          <a:chOff x="0" y="0"/>
+          <a:chExt cx="0" cy="0"/>
+        </a:xfrm>
+      </p:grpSpPr>
+      <p:sp>
+        <p:nvSpPr>
+          <p:cNvPr id="2" name="Slide Image Placeholder 1"/>
+          <p:cNvSpPr>
+            <a:spLocks noGrp="1" noRot="1" noChangeAspect="1"/>
+          </p:cNvSpPr>
+          <p:nvPr>
+            <p:ph type="sldImg"/>
+          </p:nvPr>
+        </p:nvSpPr>
+        <p:spPr/>
+      </p:sp>
+      <p:sp>
+        <p:nvSpPr>
+          <p:cNvPr id="3" name="Notes Placeholder 2"/>
+          <p:cNvSpPr>
+            <a:spLocks noGrp="1"/>
+          </p:cNvSpPr>
+          <p:nvPr>
+            <p:ph type="body" idx="1"/>
+          </p:nvPr>
+        </p:nvSpPr>
+        <p:spPr/>
+        <p:txBody>
+          <a:bodyPr/>
+          <a:lstStyle/>
+          <a:p>
+            <a:endParaRPr lang="en-US" dirty="0"/>
+          </a:p>
+        </p:txBody>
+      </p:sp>
+      <p:sp>
+        <p:nvSpPr>
+          <p:cNvPr id="4" name="Slide Number Placeholder 3"/>
+          <p:cNvSpPr>
+            <a:spLocks noGrp="1"/>
+          </p:cNvSpPr>
+          <p:nvPr>
+            <p:ph type="sldNum" sz="quarter" idx="5"/>
+          </p:nvPr>
+        </p:nvSpPr>
+        <p:spPr/>
+        <p:txBody>
+          <a:bodyPr/>
+          <a:lstStyle/>
+          <a:p>
+            <a:fld id="{55247812-3409-784D-BAE7-ABE53735D59F}" type="slidenum">
+              <a:rPr lang="en-US" smtClean="0"/>
+              <a:t>14</a:t>
             </a:fld>
             <a:endParaRPr lang="en-US"/>
           </a:p>
@@ -4380,7 +4466,7 @@
           <a:p>
             <a:fld id="{D6D8061D-18C3-4F4F-85EF-561633F58754}" type="datetimeFigureOut">
               <a:rPr lang="en-US" smtClean="0"/>
-              <a:t>8/31/2024</a:t>
+              <a:t>9/1/2024</a:t>
             </a:fld>
             <a:endParaRPr lang="en-US"/>
           </a:p>
@@ -4588,7 +4674,7 @@
           <a:p>
             <a:fld id="{D6D8061D-18C3-4F4F-85EF-561633F58754}" type="datetimeFigureOut">
               <a:rPr lang="en-US" smtClean="0"/>
-              <a:t>8/31/2024</a:t>
+              <a:t>9/1/2024</a:t>
             </a:fld>
             <a:endParaRPr lang="en-US"/>
           </a:p>
@@ -4844,7 +4930,7 @@
           <a:p>
             <a:fld id="{D6D8061D-18C3-4F4F-85EF-561633F58754}" type="datetimeFigureOut">
               <a:rPr lang="en-US" smtClean="0"/>
-              <a:t>8/31/2024</a:t>
+              <a:t>9/1/2024</a:t>
             </a:fld>
             <a:endParaRPr lang="en-US"/>
           </a:p>
@@ -5665,7 +5751,7 @@
           <a:p>
             <a:fld id="{D6D8061D-18C3-4F4F-85EF-561633F58754}" type="datetimeFigureOut">
               <a:rPr lang="en-US" smtClean="0"/>
-              <a:t>8/31/2024</a:t>
+              <a:t>9/1/2024</a:t>
             </a:fld>
             <a:endParaRPr lang="en-US"/>
           </a:p>
@@ -6185,7 +6271,7 @@
           <a:p>
             <a:fld id="{D6D8061D-18C3-4F4F-85EF-561633F58754}" type="datetimeFigureOut">
               <a:rPr lang="en-US" smtClean="0"/>
-              <a:t>8/31/2024</a:t>
+              <a:t>9/1/2024</a:t>
             </a:fld>
             <a:endParaRPr lang="en-US"/>
           </a:p>
@@ -6583,7 +6669,7 @@
           <a:p>
             <a:fld id="{D6D8061D-18C3-4F4F-85EF-561633F58754}" type="datetimeFigureOut">
               <a:rPr lang="en-US" smtClean="0"/>
-              <a:t>8/31/2024</a:t>
+              <a:t>9/1/2024</a:t>
             </a:fld>
             <a:endParaRPr lang="en-US"/>
           </a:p>
@@ -6926,7 +7012,7 @@
           <a:p>
             <a:fld id="{D6D8061D-18C3-4F4F-85EF-561633F58754}" type="datetimeFigureOut">
               <a:rPr lang="en-US" smtClean="0"/>
-              <a:t>8/31/2024</a:t>
+              <a:t>9/1/2024</a:t>
             </a:fld>
             <a:endParaRPr lang="en-US"/>
           </a:p>
@@ -7201,7 +7287,7 @@
           <a:p>
             <a:fld id="{D6D8061D-18C3-4F4F-85EF-561633F58754}" type="datetimeFigureOut">
               <a:rPr lang="en-US" smtClean="0"/>
-              <a:t>8/31/2024</a:t>
+              <a:t>9/1/2024</a:t>
             </a:fld>
             <a:endParaRPr lang="en-US"/>
           </a:p>
@@ -7580,7 +7666,7 @@
           <a:p>
             <a:fld id="{D6D8061D-18C3-4F4F-85EF-561633F58754}" type="datetimeFigureOut">
               <a:rPr lang="en-US" smtClean="0"/>
-              <a:t>8/31/2024</a:t>
+              <a:t>9/1/2024</a:t>
             </a:fld>
             <a:endParaRPr lang="en-US"/>
           </a:p>
@@ -7698,7 +7784,7 @@
           <a:p>
             <a:fld id="{D6D8061D-18C3-4F4F-85EF-561633F58754}" type="datetimeFigureOut">
               <a:rPr lang="en-US" smtClean="0"/>
-              <a:t>8/31/2024</a:t>
+              <a:t>9/1/2024</a:t>
             </a:fld>
             <a:endParaRPr lang="en-US"/>
           </a:p>
@@ -7869,7 +7955,7 @@
           <a:p>
             <a:fld id="{D6D8061D-18C3-4F4F-85EF-561633F58754}" type="datetimeFigureOut">
               <a:rPr lang="en-US" smtClean="0"/>
-              <a:t>8/31/2024</a:t>
+              <a:t>9/1/2024</a:t>
             </a:fld>
             <a:endParaRPr lang="en-US"/>
           </a:p>
@@ -8223,7 +8309,7 @@
           <a:p>
             <a:fld id="{D6D8061D-18C3-4F4F-85EF-561633F58754}" type="datetimeFigureOut">
               <a:rPr lang="en-US" smtClean="0"/>
-              <a:t>8/31/2024</a:t>
+              <a:t>9/1/2024</a:t>
             </a:fld>
             <a:endParaRPr lang="en-US"/>
           </a:p>
@@ -8600,7 +8686,7 @@
           <a:p>
             <a:fld id="{D6D8061D-18C3-4F4F-85EF-561633F58754}" type="datetimeFigureOut">
               <a:rPr lang="en-US" smtClean="0"/>
-              <a:t>8/31/2024</a:t>
+              <a:t>9/1/2024</a:t>
             </a:fld>
             <a:endParaRPr lang="en-US"/>
           </a:p>
@@ -8887,7 +8973,7 @@
           <a:p>
             <a:fld id="{D6D8061D-18C3-4F4F-85EF-561633F58754}" type="datetimeFigureOut">
               <a:rPr lang="en-US" smtClean="0"/>
-              <a:t>8/31/2024</a:t>
+              <a:t>9/1/2024</a:t>
             </a:fld>
             <a:endParaRPr lang="en-US"/>
           </a:p>
@@ -9476,11 +9562,11 @@
           </p:nvPr>
         </p:nvPicPr>
         <p:blipFill rotWithShape="1">
-          <a:blip r:embed="rId2">
+          <a:blip r:embed="rId3">
             <a:extLst>
               <a:ext uri="{BEBA8EAE-BF5A-486C-A8C5-ECC9F3942E4B}">
                 <a14:imgProps xmlns:a14="http://schemas.microsoft.com/office/drawing/2010/main">
-                  <a14:imgLayer r:embed="rId3">
+                  <a14:imgLayer r:embed="rId4">
                     <a14:imgEffect>
                       <a14:saturation sat="0"/>
                     </a14:imgEffect>
@@ -9580,6 +9666,469 @@
 </file>
 
 <file path=ppt/slides/slide10.xml><?xml version="1.0" encoding="utf-8"?>
+<p:sld xmlns:a="http://schemas.openxmlformats.org/drawingml/2006/main" xmlns:r="http://schemas.openxmlformats.org/officeDocument/2006/relationships" xmlns:p="http://schemas.openxmlformats.org/presentationml/2006/main">
+  <p:cSld>
+    <p:spTree>
+      <p:nvGrpSpPr>
+        <p:cNvPr id="1" name=""/>
+        <p:cNvGrpSpPr/>
+        <p:nvPr/>
+      </p:nvGrpSpPr>
+      <p:grpSpPr>
+        <a:xfrm>
+          <a:off x="0" y="0"/>
+          <a:ext cx="0" cy="0"/>
+          <a:chOff x="0" y="0"/>
+          <a:chExt cx="0" cy="0"/>
+        </a:xfrm>
+      </p:grpSpPr>
+      <p:sp>
+        <p:nvSpPr>
+          <p:cNvPr id="2" name="Title 1">
+            <a:extLst>
+              <a:ext uri="{FF2B5EF4-FFF2-40B4-BE49-F238E27FC236}">
+                <a16:creationId xmlns:a16="http://schemas.microsoft.com/office/drawing/2014/main" id="{F3BAD463-B141-715A-BE39-A5FEBA9827CC}"/>
+              </a:ext>
+            </a:extLst>
+          </p:cNvPr>
+          <p:cNvSpPr>
+            <a:spLocks noGrp="1"/>
+          </p:cNvSpPr>
+          <p:nvPr>
+            <p:ph type="title"/>
+          </p:nvPr>
+        </p:nvSpPr>
+        <p:spPr>
+          <a:xfrm>
+            <a:off x="838200" y="365760"/>
+            <a:ext cx="10515600" cy="580445"/>
+          </a:xfrm>
+        </p:spPr>
+        <p:txBody>
+          <a:bodyPr/>
+          <a:lstStyle/>
+          <a:p>
+            <a:r>
+              <a:rPr lang="en-US" dirty="0"/>
+              <a:t>4. Feature engineering and features selection</a:t>
+            </a:r>
+          </a:p>
+        </p:txBody>
+      </p:sp>
+      <p:sp>
+        <p:nvSpPr>
+          <p:cNvPr id="3" name="Content Placeholder 2">
+            <a:extLst>
+              <a:ext uri="{FF2B5EF4-FFF2-40B4-BE49-F238E27FC236}">
+                <a16:creationId xmlns:a16="http://schemas.microsoft.com/office/drawing/2014/main" id="{2FE0AEE7-0995-7EBB-85F3-554947126081}"/>
+              </a:ext>
+            </a:extLst>
+          </p:cNvPr>
+          <p:cNvSpPr>
+            <a:spLocks noGrp="1"/>
+          </p:cNvSpPr>
+          <p:nvPr>
+            <p:ph sz="quarter" idx="13"/>
+          </p:nvPr>
+        </p:nvSpPr>
+        <p:spPr>
+          <a:xfrm>
+            <a:off x="838199" y="946205"/>
+            <a:ext cx="10444702" cy="5215766"/>
+          </a:xfrm>
+        </p:spPr>
+        <p:txBody>
+          <a:bodyPr>
+            <a:normAutofit fontScale="77500" lnSpcReduction="20000"/>
+          </a:bodyPr>
+          <a:lstStyle/>
+          <a:p>
+            <a:endParaRPr lang="en-US" dirty="0"/>
+          </a:p>
+          <a:p>
+            <a:pPr marL="285750" indent="-285750">
+              <a:buFont typeface="Wingdings" panose="05000000000000000000" pitchFamily="2" charset="2"/>
+              <a:buChar char="q"/>
+            </a:pPr>
+            <a:r>
+              <a:rPr lang="en-US" dirty="0"/>
+              <a:t>Most features on the dataset are engineered and preprocessed, there is nothing obvious to construct</a:t>
+            </a:r>
+          </a:p>
+          <a:p>
+            <a:pPr marL="285750" indent="-285750">
+              <a:buFont typeface="Wingdings" panose="05000000000000000000" pitchFamily="2" charset="2"/>
+              <a:buChar char="q"/>
+            </a:pPr>
+            <a:r>
+              <a:rPr lang="en-US" dirty="0"/>
+              <a:t>Correlations were visualized in EDA previously</a:t>
+            </a:r>
+          </a:p>
+          <a:p>
+            <a:pPr marL="285750" indent="-285750">
+              <a:buFont typeface="Wingdings" panose="05000000000000000000" pitchFamily="2" charset="2"/>
+              <a:buChar char="q"/>
+            </a:pPr>
+            <a:r>
+              <a:rPr lang="en-US" dirty="0"/>
+              <a:t>Label encode target variable: B = 0 , M = 1</a:t>
+            </a:r>
+          </a:p>
+          <a:p>
+            <a:pPr marL="285750" indent="-285750">
+              <a:buFont typeface="Wingdings" panose="05000000000000000000" pitchFamily="2" charset="2"/>
+              <a:buChar char="q"/>
+            </a:pPr>
+            <a:r>
+              <a:rPr lang="en-US" dirty="0"/>
+              <a:t>Perform examination with unsupervised model to determine if the two classes can be efficiently separated, so that supervised classification can be done on the dataset.</a:t>
+            </a:r>
+          </a:p>
+          <a:p>
+            <a:pPr marL="742950" lvl="2" indent="-285750">
+              <a:buFont typeface="Wingdings" panose="05000000000000000000" pitchFamily="2" charset="2"/>
+              <a:buChar char="ü"/>
+            </a:pPr>
+            <a:r>
+              <a:rPr lang="en-US" dirty="0"/>
+              <a:t> Using  Kmean, OneClassSVM, GaussianMixture.  Best silhouette score – to GaussianMixture (0.79)</a:t>
+            </a:r>
+          </a:p>
+          <a:p>
+            <a:pPr marL="285750" indent="-285750">
+              <a:buFont typeface="Wingdings" panose="05000000000000000000" pitchFamily="2" charset="2"/>
+              <a:buChar char="q"/>
+            </a:pPr>
+            <a:r>
+              <a:rPr lang="en-US" dirty="0"/>
+              <a:t>Features selection – final features selection based on multiple tests, both Univariate and Multivariate, as described below</a:t>
+            </a:r>
+          </a:p>
+          <a:p>
+            <a:pPr marL="742950" lvl="2" indent="-285750">
+              <a:buFont typeface="Wingdings" panose="05000000000000000000" pitchFamily="2" charset="2"/>
+              <a:buChar char="ü"/>
+            </a:pPr>
+            <a:r>
+              <a:rPr lang="en-US" dirty="0"/>
+              <a:t>Univariate tests</a:t>
+            </a:r>
+          </a:p>
+          <a:p>
+            <a:pPr marL="800100" lvl="2" indent="-342900">
+              <a:buFont typeface="+mj-lt"/>
+              <a:buAutoNum type="arabicPeriod"/>
+            </a:pPr>
+            <a:r>
+              <a:rPr lang="en-US" dirty="0"/>
+              <a:t>paired t_test  - compare 2 groups (observations grouped by outcome classes) and find out </a:t>
+            </a:r>
+            <a:r>
+              <a:rPr lang="en-US" b="0" i="0" dirty="0">
+                <a:solidFill>
+                  <a:srgbClr val="1F1F1F"/>
+                </a:solidFill>
+                <a:effectLst/>
+                <a:latin typeface="Google Sans"/>
+              </a:rPr>
+              <a:t>whether there is a significant difference in paired measurements (p &lt; 0.05) of features. 5 features found to not have statistically significant differences.  (As seen with histplots in EDA previously) – those 5 where dropped, reducing dataset to 26 features</a:t>
+            </a:r>
+          </a:p>
+          <a:p>
+            <a:pPr marL="800100" lvl="2" indent="-342900">
+              <a:buFont typeface="+mj-lt"/>
+              <a:buAutoNum type="arabicPeriod"/>
+            </a:pPr>
+            <a:r>
+              <a:rPr lang="en-US" dirty="0"/>
+              <a:t>k-best 15 features selection using chi2,f_classif, f_regression methods – each returns a slightly different list of best 15 features</a:t>
+            </a:r>
+          </a:p>
+          <a:p>
+            <a:pPr marL="742950" lvl="2" indent="-285750">
+              <a:buFont typeface="Wingdings" panose="05000000000000000000" pitchFamily="2" charset="2"/>
+              <a:buChar char="ü"/>
+            </a:pPr>
+            <a:r>
+              <a:rPr lang="en-US" dirty="0"/>
+              <a:t>Multivariate tests on 26 features with number of regression models (8) including Lasso and Ridge, etc.  Then choosing the features selected by at least 5 different models. Resulted in same 26 features – no recommendation to drop additional features.</a:t>
+            </a:r>
+          </a:p>
+          <a:p>
+            <a:pPr marL="742950" lvl="2" indent="-285750">
+              <a:buFont typeface="Wingdings" panose="05000000000000000000" pitchFamily="2" charset="2"/>
+              <a:buChar char="ü"/>
+            </a:pPr>
+            <a:r>
+              <a:rPr lang="en-US" dirty="0"/>
+              <a:t>Finally choosing features where there is a maximum interception between the list of features created by the different tests (most close to k-best with chi2 resulting list) , resulting in the 15 final features</a:t>
+            </a:r>
+          </a:p>
+          <a:p>
+            <a:endParaRPr lang="en-US" dirty="0"/>
+          </a:p>
+        </p:txBody>
+      </p:sp>
+    </p:spTree>
+    <p:extLst>
+      <p:ext uri="{BB962C8B-B14F-4D97-AF65-F5344CB8AC3E}">
+        <p14:creationId xmlns:p14="http://schemas.microsoft.com/office/powerpoint/2010/main" val="427000883"/>
+      </p:ext>
+    </p:extLst>
+  </p:cSld>
+  <p:clrMapOvr>
+    <a:masterClrMapping/>
+  </p:clrMapOvr>
+</p:sld>
+</file>
+
+<file path=ppt/slides/slide11.xml><?xml version="1.0" encoding="utf-8"?>
+<p:sld xmlns:a="http://schemas.openxmlformats.org/drawingml/2006/main" xmlns:r="http://schemas.openxmlformats.org/officeDocument/2006/relationships" xmlns:p="http://schemas.openxmlformats.org/presentationml/2006/main">
+  <p:cSld>
+    <p:spTree>
+      <p:nvGrpSpPr>
+        <p:cNvPr id="1" name=""/>
+        <p:cNvGrpSpPr/>
+        <p:nvPr/>
+      </p:nvGrpSpPr>
+      <p:grpSpPr>
+        <a:xfrm>
+          <a:off x="0" y="0"/>
+          <a:ext cx="0" cy="0"/>
+          <a:chOff x="0" y="0"/>
+          <a:chExt cx="0" cy="0"/>
+        </a:xfrm>
+      </p:grpSpPr>
+      <p:sp>
+        <p:nvSpPr>
+          <p:cNvPr id="2" name="Title 1">
+            <a:extLst>
+              <a:ext uri="{FF2B5EF4-FFF2-40B4-BE49-F238E27FC236}">
+                <a16:creationId xmlns:a16="http://schemas.microsoft.com/office/drawing/2014/main" id="{F3BAD463-B141-715A-BE39-A5FEBA9827CC}"/>
+              </a:ext>
+            </a:extLst>
+          </p:cNvPr>
+          <p:cNvSpPr>
+            <a:spLocks noGrp="1"/>
+          </p:cNvSpPr>
+          <p:nvPr>
+            <p:ph type="title"/>
+          </p:nvPr>
+        </p:nvSpPr>
+        <p:spPr>
+          <a:xfrm>
+            <a:off x="838200" y="314158"/>
+            <a:ext cx="10515600" cy="457200"/>
+          </a:xfrm>
+        </p:spPr>
+        <p:txBody>
+          <a:bodyPr/>
+          <a:lstStyle/>
+          <a:p>
+            <a:r>
+              <a:rPr lang="en-US" dirty="0"/>
+              <a:t>5. Model selection and fine tuning</a:t>
+            </a:r>
+          </a:p>
+        </p:txBody>
+      </p:sp>
+      <p:sp>
+        <p:nvSpPr>
+          <p:cNvPr id="3" name="Content Placeholder 2">
+            <a:extLst>
+              <a:ext uri="{FF2B5EF4-FFF2-40B4-BE49-F238E27FC236}">
+                <a16:creationId xmlns:a16="http://schemas.microsoft.com/office/drawing/2014/main" id="{2FE0AEE7-0995-7EBB-85F3-554947126081}"/>
+              </a:ext>
+            </a:extLst>
+          </p:cNvPr>
+          <p:cNvSpPr>
+            <a:spLocks noGrp="1"/>
+          </p:cNvSpPr>
+          <p:nvPr>
+            <p:ph sz="quarter" idx="13"/>
+          </p:nvPr>
+        </p:nvSpPr>
+        <p:spPr>
+          <a:xfrm>
+            <a:off x="389614" y="771358"/>
+            <a:ext cx="11227241" cy="5390612"/>
+          </a:xfrm>
+        </p:spPr>
+        <p:txBody>
+          <a:bodyPr>
+            <a:normAutofit fontScale="85000" lnSpcReduction="20000"/>
+          </a:bodyPr>
+          <a:lstStyle/>
+          <a:p>
+            <a:pPr marL="285750" indent="-285750">
+              <a:buFont typeface="Wingdings" panose="05000000000000000000" pitchFamily="2" charset="2"/>
+              <a:buChar char="q"/>
+            </a:pPr>
+            <a:r>
+              <a:rPr lang="en-US" dirty="0"/>
+              <a:t>Splitting the data: as the data set is very small , data splitting proportions have huge impact on the results, to the extent when just dropping a dev split for good will improve model performance dramatically. Cross-validation technique used with grid search can compensate for absence of a dev set to a certain extent</a:t>
+            </a:r>
+          </a:p>
+          <a:p>
+            <a:pPr marL="285750" indent="-285750">
+              <a:buFont typeface="Wingdings" panose="05000000000000000000" pitchFamily="2" charset="2"/>
+              <a:buChar char="q"/>
+            </a:pPr>
+            <a:r>
+              <a:rPr lang="en-US" dirty="0"/>
+              <a:t>Choosing the best classification metrics: the best metrics will be ‘recall’, since we are interested in minimizing false negatives (i.e. interested in predicting positive class precisely as a false negative penalty is very high). As we are also interested in maximizing true negatives, finally we can use ‘f1’ score</a:t>
+            </a:r>
+          </a:p>
+          <a:p>
+            <a:pPr marL="285750" indent="-285750">
+              <a:buFont typeface="Wingdings" panose="05000000000000000000" pitchFamily="2" charset="2"/>
+              <a:buChar char="q"/>
+            </a:pPr>
+            <a:r>
+              <a:rPr lang="en-US" dirty="0"/>
+              <a:t>Hyperparameters tuning: 7 different classifier models were examined, the hyperparameters tuning on each included grid search with cross-validation  (k-fold) </a:t>
+            </a:r>
+          </a:p>
+          <a:p>
+            <a:pPr marL="285750" indent="-285750">
+              <a:buFont typeface="Wingdings" panose="05000000000000000000" pitchFamily="2" charset="2"/>
+              <a:buChar char="q"/>
+            </a:pPr>
+            <a:r>
+              <a:rPr lang="en-US" dirty="0"/>
+              <a:t>Model evaluation   process: predicting on the test set with the best estimator per examined model (best estimators fitted with best chosen parameters as returned by a grid search), and then choosing the best performing model(s) according to the classification reports</a:t>
+            </a:r>
+          </a:p>
+          <a:p>
+            <a:pPr marL="742950" lvl="2" indent="-285750">
+              <a:buFont typeface="Wingdings" panose="05000000000000000000" pitchFamily="2" charset="2"/>
+              <a:buChar char="ü"/>
+            </a:pPr>
+            <a:r>
+              <a:rPr lang="en-US" dirty="0"/>
+              <a:t>The SVM classifier has the best f1 and recall scores and without overfitting, especially on a positive label in classification report, compared to all other examined models. Next following was XGBClassifier model.</a:t>
+            </a:r>
+          </a:p>
+          <a:p>
+            <a:pPr marL="742950" lvl="2" indent="-285750"/>
+            <a:r>
+              <a:rPr lang="en-US" dirty="0"/>
+              <a:t>SVM  with recall (on malignant label) of 96% and f1 (on malignant label) of 97%</a:t>
+            </a:r>
+          </a:p>
+          <a:p>
+            <a:pPr marL="742950" lvl="2" indent="-285750"/>
+            <a:r>
+              <a:rPr lang="en-US" dirty="0"/>
+              <a:t>XGBClassifier  with recall (on malignant label) of 96% and f1 (on malignant label) of 98%</a:t>
+            </a:r>
+          </a:p>
+          <a:p>
+            <a:pPr marL="285750" lvl="1" indent="-285750">
+              <a:buFont typeface="Wingdings" panose="05000000000000000000" pitchFamily="2" charset="2"/>
+              <a:buChar char="q"/>
+            </a:pPr>
+            <a:r>
+              <a:rPr lang="en-US" dirty="0"/>
+              <a:t>Results after fine tuning on selected SVM and XGBClassifier models </a:t>
+            </a:r>
+          </a:p>
+          <a:p>
+            <a:pPr marL="742950" lvl="2" indent="-285750">
+              <a:buFont typeface="Wingdings" panose="05000000000000000000" pitchFamily="2" charset="2"/>
+              <a:buChar char="ü"/>
+            </a:pPr>
+            <a:r>
+              <a:rPr lang="en-US" dirty="0"/>
+              <a:t>Using extended set of grid parameters to grid search with cross-validation and custom refit function that returns best estimator that corresponds to a custom scoring method.</a:t>
+            </a:r>
+            <a:br>
+              <a:rPr lang="en-US" dirty="0"/>
+            </a:br>
+            <a:r>
+              <a:rPr lang="en-US" dirty="0"/>
+              <a:t>The best estimator is the fastest model, chosen from all  the results that reached minimal recall value (threshold of 0.9), and within a single standard deviation of the best of those, by f1 metrics value. </a:t>
+            </a:r>
+          </a:p>
+          <a:p>
+            <a:pPr marL="285750" lvl="1" indent="-285750">
+              <a:buFont typeface="Wingdings" panose="05000000000000000000" pitchFamily="2" charset="2"/>
+              <a:buChar char="q"/>
+            </a:pPr>
+            <a:r>
+              <a:rPr lang="en-US" dirty="0"/>
+              <a:t>Final data frame saved as </a:t>
+            </a:r>
+            <a:r>
+              <a:rPr lang="en-US" b="0" dirty="0">
+                <a:solidFill>
+                  <a:srgbClr val="CE9178"/>
+                </a:solidFill>
+                <a:effectLst/>
+                <a:latin typeface="Consolas" panose="020B0609020204030204" pitchFamily="49" charset="0"/>
+              </a:rPr>
+              <a:t>IntermidiateData/5_FinalEvaluationScores.xlxs</a:t>
+            </a:r>
+            <a:endParaRPr lang="en-US" b="0" dirty="0">
+              <a:solidFill>
+                <a:srgbClr val="DADADA"/>
+              </a:solidFill>
+              <a:effectLst/>
+              <a:latin typeface="Consolas" panose="020B0609020204030204" pitchFamily="49" charset="0"/>
+            </a:endParaRPr>
+          </a:p>
+          <a:p>
+            <a:endParaRPr lang="en-US" b="0" dirty="0">
+              <a:solidFill>
+                <a:srgbClr val="DADADA"/>
+              </a:solidFill>
+              <a:effectLst/>
+              <a:latin typeface="Consolas" panose="020B0609020204030204" pitchFamily="49" charset="0"/>
+            </a:endParaRPr>
+          </a:p>
+          <a:p>
+            <a:pPr marL="285750" indent="-285750">
+              <a:buFont typeface="Wingdings" panose="05000000000000000000" pitchFamily="2" charset="2"/>
+              <a:buChar char="q"/>
+            </a:pPr>
+            <a:endParaRPr lang="pt-BR" b="0" dirty="0">
+              <a:solidFill>
+                <a:srgbClr val="DADADA"/>
+              </a:solidFill>
+              <a:effectLst/>
+              <a:highlight>
+                <a:srgbClr val="1E1E1E"/>
+              </a:highlight>
+              <a:latin typeface="Consolas" panose="020B0609020204030204" pitchFamily="49" charset="0"/>
+            </a:endParaRPr>
+          </a:p>
+          <a:p>
+            <a:pPr marL="285750" indent="-285750">
+              <a:buFont typeface="Wingdings" panose="05000000000000000000" pitchFamily="2" charset="2"/>
+              <a:buChar char="q"/>
+            </a:pPr>
+            <a:endParaRPr lang="en-US" dirty="0"/>
+          </a:p>
+          <a:p>
+            <a:endParaRPr lang="en-US" dirty="0"/>
+          </a:p>
+        </p:txBody>
+      </p:sp>
+    </p:spTree>
+    <p:extLst>
+      <p:ext uri="{BB962C8B-B14F-4D97-AF65-F5344CB8AC3E}">
+        <p14:creationId xmlns:p14="http://schemas.microsoft.com/office/powerpoint/2010/main" val="2286726679"/>
+      </p:ext>
+    </p:extLst>
+  </p:cSld>
+  <p:clrMapOvr>
+    <a:masterClrMapping/>
+  </p:clrMapOvr>
+</p:sld>
+</file>
+
+<file path=ppt/slides/slide12.xml><?xml version="1.0" encoding="utf-8"?>
 <p:sld xmlns:a="http://schemas.openxmlformats.org/drawingml/2006/main" xmlns:r="http://schemas.openxmlformats.org/officeDocument/2006/relationships" xmlns:p="http://schemas.openxmlformats.org/presentationml/2006/main">
   <p:cSld>
     <p:spTree>
@@ -9835,7 +10384,7 @@
 </p:sld>
 </file>
 
-<file path=ppt/slides/slide11.xml><?xml version="1.0" encoding="utf-8"?>
+<file path=ppt/slides/slide13.xml><?xml version="1.0" encoding="utf-8"?>
 <p:sld xmlns:a="http://schemas.openxmlformats.org/drawingml/2006/main" xmlns:r="http://schemas.openxmlformats.org/officeDocument/2006/relationships" xmlns:p="http://schemas.openxmlformats.org/presentationml/2006/main">
   <p:cSld>
     <p:spTree>
@@ -10232,7 +10781,7 @@
 </p:sld>
 </file>
 
-<file path=ppt/slides/slide12.xml><?xml version="1.0" encoding="utf-8"?>
+<file path=ppt/slides/slide14.xml><?xml version="1.0" encoding="utf-8"?>
 <p:sld xmlns:a="http://schemas.openxmlformats.org/drawingml/2006/main" xmlns:r="http://schemas.openxmlformats.org/officeDocument/2006/relationships" xmlns:p="http://schemas.openxmlformats.org/presentationml/2006/main">
   <p:cSld>
     <p:spTree>
@@ -10278,7 +10827,7 @@
           <a:p>
             <a:r>
               <a:rPr lang="en-US" dirty="0"/>
-              <a:t>FINAL TAKEAWAYS</a:t>
+              <a:t>Conclusions and summary</a:t>
             </a:r>
           </a:p>
         </p:txBody>
@@ -10379,7 +10928,7 @@
         </p:spPr>
         <p:txBody>
           <a:bodyPr>
-            <a:normAutofit/>
+            <a:normAutofit lnSpcReduction="10000"/>
           </a:bodyPr>
           <a:lstStyle/>
           <a:p>
@@ -10392,7 +10941,7 @@
             </a:pPr>
             <a:r>
               <a:rPr lang="en-US" sz="1600" dirty="0"/>
-              <a:t>Breast cancer diagnosis can be predicted with roughly 97% accuracy and 98% precision, using these 30 histological tumor characteristics. However, in this project we rely mostly on recall and f1 metrics – which are roughly  97%</a:t>
+              <a:t>Breast cancer diagnosis can be predicted with roughly 98% of accuracy , precision , f1 and recall, using original  30 histological tumor characteristics</a:t>
             </a:r>
           </a:p>
           <a:p>
@@ -10405,7 +10954,7 @@
             </a:pPr>
             <a:r>
               <a:rPr lang="en-US" sz="1600" dirty="0"/>
-              <a:t>Machine learning algorithm that performed best is SVM - support vector machine, followed by extra boost classifier and logistics regression</a:t>
+              <a:t>While precision (positive classifications) is important , still a penalty on false positives is  low compared to a false negative (missed cancer). This is why most important metrics to use are recall and f1 (as a harmonic average of recall and precision)</a:t>
             </a:r>
           </a:p>
           <a:p>
@@ -10418,7 +10967,20 @@
             </a:pPr>
             <a:r>
               <a:rPr lang="en-US" sz="1600" dirty="0"/>
-              <a:t>The most predictive features found with the procedure described in Feature Selection slide are</a:t>
+              <a:t>Machine learning algorithm that performed best is SVM - support vector machine, followed by extra boost classifier</a:t>
+            </a:r>
+          </a:p>
+          <a:p>
+            <a:pPr marL="285750" indent="-285750">
+              <a:lnSpc>
+                <a:spcPct val="80000"/>
+              </a:lnSpc>
+              <a:buFont typeface="Wingdings" panose="05000000000000000000" pitchFamily="2" charset="2"/>
+              <a:buChar char="q"/>
+            </a:pPr>
+            <a:r>
+              <a:rPr lang="en-US" sz="1600" dirty="0"/>
+              <a:t>The most predictive 15 features found with the procedure described in Feature Selection slide are</a:t>
             </a:r>
           </a:p>
           <a:p>
@@ -10577,7 +11139,7 @@
 </p:sld>
 </file>
 
-<file path=ppt/slides/slide13.xml><?xml version="1.0" encoding="utf-8"?>
+<file path=ppt/slides/slide15.xml><?xml version="1.0" encoding="utf-8"?>
 <p:sld xmlns:a="http://schemas.openxmlformats.org/drawingml/2006/main" xmlns:r="http://schemas.openxmlformats.org/officeDocument/2006/relationships" xmlns:p="http://schemas.openxmlformats.org/presentationml/2006/main">
   <p:cSld>
     <p:spTree>
@@ -10804,6 +11366,10 @@
             <a:br>
               <a:rPr lang="en-US" sz="1800" dirty="0"/>
             </a:br>
+            <a:r>
+              <a:rPr lang="en-US" sz="1800" dirty="0"/>
+              <a:t>Origin: </a:t>
+            </a:r>
             <a:r>
               <a:rPr lang="en-US" dirty="0">
                 <a:hlinkClick r:id="rId2"/>
@@ -11589,7 +12155,7 @@
 </p:sld>
 </file>
 
-<file path=ppt/slides/slide14.xml><?xml version="1.0" encoding="utf-8"?>
+<file path=ppt/slides/slide16.xml><?xml version="1.0" encoding="utf-8"?>
 <p:sld xmlns:a="http://schemas.openxmlformats.org/drawingml/2006/main" xmlns:r="http://schemas.openxmlformats.org/officeDocument/2006/relationships" xmlns:p="http://schemas.openxmlformats.org/presentationml/2006/main">
   <p:cSld>
     <p:spTree>
@@ -11686,7 +12252,7 @@
           <a:p>
             <a:r>
               <a:rPr lang="en-US" dirty="0"/>
-              <a:t>BIU17 Sep 2024</a:t>
+              <a:t>Bar Ilan University BIU17 Sep 2024 – ML module project</a:t>
             </a:r>
           </a:p>
           <a:p>
@@ -11826,7 +12392,7 @@
             <p:ph idx="1"/>
             <p:extLst>
               <p:ext uri="{D42A27DB-BD31-4B8C-83A1-F6EECF244321}">
-                <p14:modId xmlns:p14="http://schemas.microsoft.com/office/powerpoint/2010/main" val="4227352101"/>
+                <p14:modId xmlns:p14="http://schemas.microsoft.com/office/powerpoint/2010/main" val="1274480261"/>
               </p:ext>
             </p:extLst>
           </p:nvPr>
@@ -12218,7 +12784,7 @@
             </a:pPr>
             <a:r>
               <a:rPr lang="en-US" dirty="0"/>
-              <a:t>It contains features computed from digitized images of fine needle aspirates (FNA) of breast masses</a:t>
+              <a:t>These samples were taken from patients with solid breast masses</a:t>
             </a:r>
           </a:p>
           <a:p>
@@ -12228,17 +12794,7 @@
             </a:pPr>
             <a:r>
               <a:rPr lang="en-US" dirty="0"/>
-              <a:t>These samples were taken from patients with solid breast masses</a:t>
-            </a:r>
-          </a:p>
-          <a:p>
-            <a:pPr marL="285750" indent="-285750">
-              <a:buFont typeface="Wingdings" panose="05000000000000000000" pitchFamily="2" charset="2"/>
-              <a:buChar char="q"/>
-            </a:pPr>
-            <a:r>
-              <a:rPr lang="en-US" dirty="0"/>
-              <a:t>Features were computed from these digitized images, focusing on the characteristics of cell nuclei</a:t>
+              <a:t>Features were computed from these digitized images of fine needle aspirates (FNA) of breast masses, focusing on the characteristics of cell nuclei</a:t>
             </a:r>
           </a:p>
           <a:p>
@@ -12518,7 +13074,7 @@
         </p:nvSpPr>
         <p:spPr>
           <a:xfrm>
-            <a:off x="838199" y="1789043"/>
+            <a:off x="631465" y="968071"/>
             <a:ext cx="10444702" cy="4372927"/>
           </a:xfrm>
         </p:spPr>
@@ -12535,7 +13091,7 @@
             </a:pPr>
             <a:r>
               <a:rPr lang="en-US" dirty="0"/>
-              <a:t>There is a single table with a single binary categorial feature </a:t>
+              <a:t>There is a single table with a single binary categorial feature  - diagnosis (benign/malignant)</a:t>
             </a:r>
           </a:p>
           <a:p>
@@ -12576,6 +13132,16 @@
             <a:r>
               <a:rPr lang="en-US" dirty="0"/>
               <a:t>Dropped ‘id’ feature – where all values are unique so cannot be used for classification</a:t>
+            </a:r>
+          </a:p>
+          <a:p>
+            <a:pPr marL="285750" indent="-285750">
+              <a:buFont typeface="Wingdings" panose="05000000000000000000" pitchFamily="2" charset="2"/>
+              <a:buChar char="q"/>
+            </a:pPr>
+            <a:r>
+              <a:rPr lang="en-US" dirty="0"/>
+              <a:t>Replaced spaces with underscore in feature names</a:t>
             </a:r>
           </a:p>
           <a:p>
@@ -12680,12 +13246,9 @@
         </p:spPr>
         <p:txBody>
           <a:bodyPr>
-            <a:normAutofit fontScale="85000" lnSpcReduction="10000"/>
+            <a:normAutofit/>
           </a:bodyPr>
           <a:lstStyle/>
-          <a:p>
-            <a:endParaRPr lang="en-US" dirty="0"/>
-          </a:p>
           <a:p>
             <a:pPr marL="285750" indent="-285750">
               <a:buFont typeface="Wingdings" panose="05000000000000000000" pitchFamily="2" charset="2"/>
@@ -12693,7 +13256,7 @@
             </a:pPr>
             <a:r>
               <a:rPr lang="en-US" dirty="0"/>
-              <a:t>Data protocol files saved under the DataProtocol folder</a:t>
+              <a:t>The best image from the EDA about this dataset , demonstrating a potential for classification , at least on part of features of the dataset </a:t>
             </a:r>
           </a:p>
           <a:p>
@@ -12701,132 +13264,7 @@
               <a:buFont typeface="Wingdings" panose="05000000000000000000" pitchFamily="2" charset="2"/>
               <a:buChar char="q"/>
             </a:pPr>
-            <a:r>
-              <a:rPr lang="en-US" dirty="0"/>
-              <a:t>Automated reports with AutoViz – different plots  saved under AutoVizPlots folder</a:t>
-            </a:r>
-            <a:br>
-              <a:rPr lang="en-US" dirty="0"/>
-            </a:br>
-            <a:r>
-              <a:rPr lang="en-US" dirty="0"/>
-              <a:t> 10 features are highly correlated with its counterparts (no surprises as all computed/engineered from the physical ones)</a:t>
-            </a:r>
-          </a:p>
-          <a:p>
-            <a:pPr marL="285750" indent="-285750">
-              <a:buFont typeface="Wingdings" panose="05000000000000000000" pitchFamily="2" charset="2"/>
-              <a:buChar char="q"/>
-            </a:pPr>
-            <a:r>
-              <a:rPr lang="en-US" dirty="0"/>
-              <a:t>Highly correlated features (multicollinearity) will be addressed during the feature selection stage.</a:t>
-            </a:r>
-          </a:p>
-          <a:p>
-            <a:pPr marL="285750" indent="-285750">
-              <a:buFont typeface="Wingdings" panose="05000000000000000000" pitchFamily="2" charset="2"/>
-              <a:buChar char="q"/>
-            </a:pPr>
-            <a:r>
-              <a:rPr lang="en-US" dirty="0"/>
-              <a:t>Descriptive statistics and visualization per feature data type (categorial, continuous) , describe target value</a:t>
-            </a:r>
-          </a:p>
-          <a:p>
-            <a:pPr marL="285750" indent="-285750">
-              <a:buFont typeface="Wingdings" panose="05000000000000000000" pitchFamily="2" charset="2"/>
-              <a:buChar char="q"/>
-            </a:pPr>
-            <a:r>
-              <a:rPr lang="en-US" dirty="0"/>
-              <a:t>Converting categorial ‘diagnosis’ to string. There are 2 classes here – benign or malignant</a:t>
-            </a:r>
-          </a:p>
-          <a:p>
-            <a:pPr marL="285750" indent="-285750">
-              <a:buFont typeface="Wingdings" panose="05000000000000000000" pitchFamily="2" charset="2"/>
-              <a:buChar char="q"/>
-            </a:pPr>
-            <a:r>
-              <a:rPr lang="en-US" dirty="0"/>
-              <a:t>Out of the dataset observations - 63% benign , 47% malignant. Technically, data is not imbalanced. </a:t>
-            </a:r>
-          </a:p>
-          <a:p>
-            <a:pPr marL="285750" indent="-285750">
-              <a:buFont typeface="Wingdings" panose="05000000000000000000" pitchFamily="2" charset="2"/>
-              <a:buChar char="q"/>
-            </a:pPr>
-            <a:r>
-              <a:rPr lang="en-US" dirty="0"/>
-              <a:t>Among the continuous features, while some are nearly exponentially distributed, others are are nearly normal distributed , with majority of them right-skewed  , with some outliers. Consider to use technics that are not assume normal distribution</a:t>
-            </a:r>
-          </a:p>
-          <a:p>
-            <a:pPr marL="285750" indent="-285750">
-              <a:buFont typeface="Wingdings" panose="05000000000000000000" pitchFamily="2" charset="2"/>
-              <a:buChar char="q"/>
-            </a:pPr>
-            <a:r>
-              <a:rPr lang="en-US" dirty="0"/>
-              <a:t>There are some features that tends to have bigger values when diagnosis is ‘malignant’. On the other hand , there are some that do not show such tendency so it will be possible dropped during feature selection stage</a:t>
-            </a:r>
-          </a:p>
-          <a:p>
-            <a:pPr marL="285750" indent="-285750">
-              <a:buFont typeface="Wingdings" panose="05000000000000000000" pitchFamily="2" charset="2"/>
-              <a:buChar char="q"/>
-            </a:pPr>
-            <a:r>
-              <a:rPr lang="en-US" dirty="0"/>
-              <a:t>While grouped by diagnosis , t-test statistics of the  feature groups groups are statistically significant , meaning the 2 groups has different distributions (means) and thus can be classified by diagnosis.</a:t>
-            </a:r>
-            <a:br>
-              <a:rPr lang="en-US" dirty="0"/>
-            </a:br>
-            <a:r>
-              <a:rPr lang="en-US" dirty="0"/>
-              <a:t>This fact is then thoroughly visualized with histplots and boxplots</a:t>
-            </a:r>
-          </a:p>
-          <a:p>
-            <a:pPr marL="285750" indent="-285750">
-              <a:buFont typeface="Wingdings" panose="05000000000000000000" pitchFamily="2" charset="2"/>
-              <a:buChar char="q"/>
-            </a:pPr>
-            <a:r>
-              <a:rPr lang="en-US" dirty="0"/>
-              <a:t>No missing data in the dataset</a:t>
-            </a:r>
-          </a:p>
-          <a:p>
-            <a:pPr marL="285750" indent="-285750">
-              <a:buFont typeface="Wingdings" panose="05000000000000000000" pitchFamily="2" charset="2"/>
-              <a:buChar char="q"/>
-            </a:pPr>
-            <a:r>
-              <a:rPr lang="en-US" dirty="0"/>
-              <a:t>Final data frame saved as </a:t>
-            </a:r>
-            <a:r>
-              <a:rPr lang="en-US" sz="2100" dirty="0">
-                <a:solidFill>
-                  <a:srgbClr val="CE9178"/>
-                </a:solidFill>
-                <a:latin typeface="Consolas" panose="020B0609020204030204" pitchFamily="49" charset="0"/>
-              </a:rPr>
-              <a:t>IntermidiateData/</a:t>
-            </a:r>
-            <a:r>
-              <a:rPr lang="pt-BR" sz="2100" dirty="0">
-                <a:solidFill>
-                  <a:srgbClr val="CE9178"/>
-                </a:solidFill>
-                <a:latin typeface="Consolas" panose="020B0609020204030204" pitchFamily="49" charset="0"/>
-              </a:rPr>
-              <a:t> 2_EDA_Cancer_Data.pkl</a:t>
-            </a:r>
+            <a:endParaRPr lang="en-US" dirty="0"/>
           </a:p>
           <a:p>
             <a:pPr marL="285750" indent="-285750">
@@ -12941,6 +13379,36 @@
           </a:p>
         </p:txBody>
       </p:sp>
+      <p:pic>
+        <p:nvPicPr>
+          <p:cNvPr id="6" name="Picture 5">
+            <a:extLst>
+              <a:ext uri="{FF2B5EF4-FFF2-40B4-BE49-F238E27FC236}">
+                <a16:creationId xmlns:a16="http://schemas.microsoft.com/office/drawing/2014/main" id="{0ABF87E5-DAE5-12D2-0F3D-B9CF95CC9D7F}"/>
+              </a:ext>
+            </a:extLst>
+          </p:cNvPr>
+          <p:cNvPicPr>
+            <a:picLocks noChangeAspect="1"/>
+          </p:cNvPicPr>
+          <p:nvPr/>
+        </p:nvPicPr>
+        <p:blipFill>
+          <a:blip r:embed="rId2"/>
+          <a:stretch>
+            <a:fillRect/>
+          </a:stretch>
+        </p:blipFill>
+        <p:spPr>
+          <a:xfrm>
+            <a:off x="722487" y="2015412"/>
+            <a:ext cx="9578538" cy="3811609"/>
+          </a:xfrm>
+          <a:prstGeom prst="rect">
+            <a:avLst/>
+          </a:prstGeom>
+        </p:spPr>
+      </p:pic>
     </p:spTree>
     <p:extLst>
       <p:ext uri="{BB962C8B-B14F-4D97-AF65-F5344CB8AC3E}">
@@ -12989,8 +13457,8 @@
         </p:nvSpPr>
         <p:spPr>
           <a:xfrm>
-            <a:off x="607612" y="278938"/>
-            <a:ext cx="10515600" cy="703401"/>
+            <a:off x="838200" y="278938"/>
+            <a:ext cx="10515600" cy="683812"/>
           </a:xfrm>
         </p:spPr>
         <p:txBody>
@@ -12998,9 +13466,10 @@
           <a:lstStyle/>
           <a:p>
             <a:r>
-              <a:rPr lang="en-US" dirty="0"/>
-              <a:t>3. Data cleansing</a:t>
-            </a:r>
+              <a:rPr lang="en-US"/>
+              <a:t>2. Explanatory data analysis</a:t>
+            </a:r>
+            <a:endParaRPr lang="en-US" dirty="0"/>
           </a:p>
         </p:txBody>
       </p:sp>
@@ -13022,17 +13491,17 @@
         </p:nvSpPr>
         <p:spPr>
           <a:xfrm>
-            <a:off x="838199" y="1415332"/>
-            <a:ext cx="10444702" cy="4746639"/>
+            <a:off x="838199" y="1216550"/>
+            <a:ext cx="10444702" cy="4945421"/>
           </a:xfrm>
         </p:spPr>
         <p:txBody>
           <a:bodyPr>
-            <a:normAutofit/>
+            <a:normAutofit fontScale="85000" lnSpcReduction="10000"/>
           </a:bodyPr>
           <a:lstStyle/>
           <a:p>
-            <a:endParaRPr lang="en-US" dirty="0"/>
+            <a:endParaRPr lang="en-US"/>
           </a:p>
           <a:p>
             <a:pPr marL="285750" indent="-285750">
@@ -13040,8 +13509,8 @@
               <a:buChar char="q"/>
             </a:pPr>
             <a:r>
-              <a:rPr lang="en-US" dirty="0"/>
-              <a:t>Continuous features visualization – see previous slide . All 30 continuous features are float64 , and the target is dummy (currently int64)</a:t>
+              <a:rPr lang="en-US"/>
+              <a:t>Data protocol files saved under the DataProtocol folder</a:t>
             </a:r>
           </a:p>
           <a:p>
@@ -13050,16 +13519,15 @@
               <a:buChar char="q"/>
             </a:pPr>
             <a:r>
-              <a:rPr lang="en-US" dirty="0"/>
-              <a:t>Outliers – visualization with boxplots. As seen previously , not all features are normally distributed  , thus using IQR for out </a:t>
-            </a:r>
-            <a:r>
-              <a:rPr lang="en-US" dirty="0" err="1"/>
-              <a:t>liers</a:t>
-            </a:r>
-            <a:r>
-              <a:rPr lang="en-US" dirty="0"/>
-              <a:t> detection. </a:t>
+              <a:rPr lang="en-US"/>
+              <a:t>Automated reports with AutoViz – different plots  saved under AutoVizPlots folder</a:t>
+            </a:r>
+            <a:br>
+              <a:rPr lang="en-US"/>
+            </a:br>
+            <a:r>
+              <a:rPr lang="en-US"/>
+              <a:t> 10 features are highly correlated with its counterparts (no surprises as all computed/engineered from the physical ones)</a:t>
             </a:r>
           </a:p>
           <a:p>
@@ -13068,8 +13536,8 @@
               <a:buChar char="q"/>
             </a:pPr>
             <a:r>
-              <a:rPr lang="en-US" dirty="0"/>
-              <a:t>Compute correlations to a target feature before and after dropping outliers (spearman , same reason as previously) . Visualizing differences</a:t>
+              <a:rPr lang="en-US"/>
+              <a:t>Highly correlated features (multicollinearity) will be addressed during the feature selection stage.</a:t>
             </a:r>
           </a:p>
           <a:p>
@@ -13078,8 +13546,8 @@
               <a:buChar char="q"/>
             </a:pPr>
             <a:r>
-              <a:rPr lang="en-US" dirty="0"/>
-              <a:t>Compute distributions before and after dropping outliers . Visualizing differences</a:t>
+              <a:rPr lang="en-US"/>
+              <a:t>Descriptive statistics and visualization per feature data type (categorial, continuous) , describe target value</a:t>
             </a:r>
           </a:p>
           <a:p>
@@ -13088,8 +13556,8 @@
               <a:buChar char="q"/>
             </a:pPr>
             <a:r>
-              <a:rPr lang="en-US" dirty="0"/>
-              <a:t>There are no outliers in the dataset that change distribution but not correlation – thus no need to drop outliers</a:t>
+              <a:rPr lang="en-US"/>
+              <a:t>Converting categorial ‘diagnosis’ to string. There are 2 classes here – benign or malignant</a:t>
             </a:r>
           </a:p>
           <a:p>
@@ -13098,8 +13566,8 @@
               <a:buChar char="q"/>
             </a:pPr>
             <a:r>
-              <a:rPr lang="en-US" dirty="0"/>
-              <a:t>No missing values - visualization</a:t>
+              <a:rPr lang="en-US"/>
+              <a:t>Out of the dataset observations - 63% benign , 47% malignant. Technically, data is not imbalanced. </a:t>
             </a:r>
           </a:p>
           <a:p>
@@ -13108,49 +13576,81 @@
               <a:buChar char="q"/>
             </a:pPr>
             <a:r>
-              <a:rPr lang="en-US" dirty="0"/>
-              <a:t>Final data frame saved as </a:t>
-            </a:r>
-            <a:r>
-              <a:rPr lang="en-US" b="0" dirty="0">
-                <a:solidFill>
-                  <a:srgbClr val="CE9178"/>
-                </a:solidFill>
-                <a:effectLst/>
-                <a:latin typeface="Consolas" panose="020B0609020204030204" pitchFamily="49" charset="0"/>
-              </a:rPr>
-              <a:t>IntermidiateData/3_Final_Cancer_Data.pkl</a:t>
-            </a:r>
-            <a:endParaRPr lang="en-US" b="0" dirty="0">
-              <a:solidFill>
-                <a:srgbClr val="DADADA"/>
-              </a:solidFill>
-              <a:effectLst/>
-              <a:latin typeface="Consolas" panose="020B0609020204030204" pitchFamily="49" charset="0"/>
-            </a:endParaRPr>
+              <a:rPr lang="en-US"/>
+              <a:t>Among the continuous features, while some are nearly exponentially distributed, others are are nearly normal distributed , with majority of them right-skewed  , with some outliers -&gt; consider to use technics that are not assume normal distribution</a:t>
+            </a:r>
           </a:p>
           <a:p>
             <a:pPr marL="285750" indent="-285750">
               <a:buFont typeface="Wingdings" panose="05000000000000000000" pitchFamily="2" charset="2"/>
               <a:buChar char="q"/>
             </a:pPr>
-            <a:endParaRPr lang="pt-BR" b="0" dirty="0">
-              <a:solidFill>
-                <a:srgbClr val="DADADA"/>
-              </a:solidFill>
-              <a:effectLst/>
-              <a:highlight>
-                <a:srgbClr val="1E1E1E"/>
-              </a:highlight>
-              <a:latin typeface="Consolas" panose="020B0609020204030204" pitchFamily="49" charset="0"/>
-            </a:endParaRPr>
+            <a:r>
+              <a:rPr lang="en-US"/>
+              <a:t>There are some features that tends to have bigger values when diagnosis is ‘malignant’. On the other hand , there are some that do not show such tendency so it will be possible dropped during feature selection stage</a:t>
+            </a:r>
           </a:p>
           <a:p>
             <a:pPr marL="285750" indent="-285750">
               <a:buFont typeface="Wingdings" panose="05000000000000000000" pitchFamily="2" charset="2"/>
               <a:buChar char="q"/>
             </a:pPr>
-            <a:endParaRPr lang="en-US" dirty="0"/>
+            <a:r>
+              <a:rPr lang="en-US"/>
+              <a:t>While grouped by diagnosis , t-test statistics of the  feature groups groups are statistically significant , meaning the 2 groups has different distributions (means) and thus can be classified by diagnosis.</a:t>
+            </a:r>
+            <a:br>
+              <a:rPr lang="en-US"/>
+            </a:br>
+            <a:r>
+              <a:rPr lang="en-US"/>
+              <a:t>This fact is then thoroughly visualized with histplots and boxplots</a:t>
+            </a:r>
+          </a:p>
+          <a:p>
+            <a:pPr marL="285750" indent="-285750">
+              <a:buFont typeface="Wingdings" panose="05000000000000000000" pitchFamily="2" charset="2"/>
+              <a:buChar char="q"/>
+            </a:pPr>
+            <a:r>
+              <a:rPr lang="en-US"/>
+              <a:t>No missing data in the dataset</a:t>
+            </a:r>
+          </a:p>
+          <a:p>
+            <a:pPr marL="285750" indent="-285750">
+              <a:buFont typeface="Wingdings" panose="05000000000000000000" pitchFamily="2" charset="2"/>
+              <a:buChar char="q"/>
+            </a:pPr>
+            <a:r>
+              <a:rPr lang="en-US"/>
+              <a:t>Final data frame saved as </a:t>
+            </a:r>
+            <a:r>
+              <a:rPr lang="en-US" sz="2100">
+                <a:solidFill>
+                  <a:srgbClr val="CE9178"/>
+                </a:solidFill>
+                <a:latin typeface="Consolas" panose="020B0609020204030204" pitchFamily="49" charset="0"/>
+              </a:rPr>
+              <a:t>IntermidiateData/</a:t>
+            </a:r>
+            <a:r>
+              <a:rPr lang="pt-BR" sz="2100">
+                <a:solidFill>
+                  <a:srgbClr val="CE9178"/>
+                </a:solidFill>
+                <a:latin typeface="Consolas" panose="020B0609020204030204" pitchFamily="49" charset="0"/>
+              </a:rPr>
+              <a:t> 2_EDA_Cancer_Data.pkl</a:t>
+            </a:r>
+          </a:p>
+          <a:p>
+            <a:pPr marL="285750" indent="-285750">
+              <a:buFont typeface="Wingdings" panose="05000000000000000000" pitchFamily="2" charset="2"/>
+              <a:buChar char="q"/>
+            </a:pPr>
+            <a:endParaRPr lang="en-US"/>
           </a:p>
           <a:p>
             <a:endParaRPr lang="en-US" dirty="0"/>
@@ -13234,7 +13734,7 @@
               <a:tabLst/>
             </a:pPr>
             <a:r>
-              <a:rPr kumimoji="0" lang="en-US" altLang="en-US" sz="800" b="0" i="0" u="none" strike="noStrike" cap="none" normalizeH="0" baseline="0" dirty="0">
+              <a:rPr kumimoji="0" lang="en-US" altLang="en-US" sz="800" b="0" i="0" u="none" strike="noStrike" cap="none" normalizeH="0" baseline="0">
                 <a:ln>
                   <a:noFill/>
                 </a:ln>
@@ -13261,7 +13761,7 @@
     </p:spTree>
     <p:extLst>
       <p:ext uri="{BB962C8B-B14F-4D97-AF65-F5344CB8AC3E}">
-        <p14:creationId xmlns:p14="http://schemas.microsoft.com/office/powerpoint/2010/main" val="476628065"/>
+        <p14:creationId xmlns:p14="http://schemas.microsoft.com/office/powerpoint/2010/main" val="3901709311"/>
       </p:ext>
     </p:extLst>
   </p:cSld>
@@ -13306,8 +13806,8 @@
         </p:nvSpPr>
         <p:spPr>
           <a:xfrm>
-            <a:off x="838200" y="365760"/>
-            <a:ext cx="10515600" cy="580445"/>
+            <a:off x="607612" y="278938"/>
+            <a:ext cx="10515600" cy="703401"/>
           </a:xfrm>
         </p:spPr>
         <p:txBody>
@@ -13316,7 +13816,7 @@
           <a:p>
             <a:r>
               <a:rPr lang="en-US" dirty="0"/>
-              <a:t>4. Feature engineering and features selection</a:t>
+              <a:t>3. Data cleansing</a:t>
             </a:r>
           </a:p>
         </p:txBody>
@@ -13339,13 +13839,13 @@
         </p:nvSpPr>
         <p:spPr>
           <a:xfrm>
-            <a:off x="838199" y="946205"/>
-            <a:ext cx="10444702" cy="5215766"/>
+            <a:off x="838199" y="1415332"/>
+            <a:ext cx="10444702" cy="4746639"/>
           </a:xfrm>
         </p:spPr>
         <p:txBody>
           <a:bodyPr>
-            <a:normAutofit fontScale="77500" lnSpcReduction="20000"/>
+            <a:normAutofit/>
           </a:bodyPr>
           <a:lstStyle/>
           <a:p>
@@ -13358,7 +13858,7 @@
             </a:pPr>
             <a:r>
               <a:rPr lang="en-US" dirty="0"/>
-              <a:t>Most features on the dataset are engineered and preprocessed, there is nothing obvious to construct</a:t>
+              <a:t>Continuous features visualization – see previous slide . All 30 continuous features are float64 , and the target is dummy </a:t>
             </a:r>
           </a:p>
           <a:p>
@@ -13368,7 +13868,15 @@
             </a:pPr>
             <a:r>
               <a:rPr lang="en-US" dirty="0"/>
-              <a:t>Correlations were visualized in EDA previously</a:t>
+              <a:t>Outliers – visualization with boxplots. As seen previously , not all features are normally distributed  , thus using IQR for out </a:t>
+            </a:r>
+            <a:r>
+              <a:rPr lang="en-US" dirty="0" err="1"/>
+              <a:t>liers</a:t>
+            </a:r>
+            <a:r>
+              <a:rPr lang="en-US" dirty="0"/>
+              <a:t> detection. </a:t>
             </a:r>
           </a:p>
           <a:p>
@@ -13378,7 +13886,7 @@
             </a:pPr>
             <a:r>
               <a:rPr lang="en-US" dirty="0"/>
-              <a:t>Label encode target variable: B = 0 , M = 1</a:t>
+              <a:t>Compute correlations to a target feature before and after dropping outliers (spearman , same reason as previously) . Visualizing differences</a:t>
             </a:r>
           </a:p>
           <a:p>
@@ -13388,17 +13896,7 @@
             </a:pPr>
             <a:r>
               <a:rPr lang="en-US" dirty="0"/>
-              <a:t>Perform examination with unsupervised model to determine if the two classes can be efficiently separated, so that supervised classification can be done on the dataset.</a:t>
-            </a:r>
-          </a:p>
-          <a:p>
-            <a:pPr marL="742950" lvl="2" indent="-285750">
-              <a:buFont typeface="Wingdings" panose="05000000000000000000" pitchFamily="2" charset="2"/>
-              <a:buChar char="ü"/>
-            </a:pPr>
-            <a:r>
-              <a:rPr lang="en-US" dirty="0"/>
-              <a:t> Using  Kmean, OneClassSVM, GaussianMixture.  Best silhouette score – to GaussianMixture (0.79)</a:t>
+              <a:t>Compute distributions before and after dropping outliers . Visualizing differences</a:t>
             </a:r>
           </a:p>
           <a:p>
@@ -13408,67 +13906,25 @@
             </a:pPr>
             <a:r>
               <a:rPr lang="en-US" dirty="0"/>
-              <a:t>Features selection – final features selection based on multiple tests, both Univariate and Multivariate, as described below</a:t>
-            </a:r>
-          </a:p>
-          <a:p>
-            <a:pPr marL="742950" lvl="2" indent="-285750">
+              <a:t>There are no outliers in the dataset </a:t>
+            </a:r>
+            <a:r>
+              <a:rPr lang="en-US" b="1" dirty="0"/>
+              <a:t>that change distribution but not correlation </a:t>
+            </a:r>
+            <a:r>
+              <a:rPr lang="en-US" dirty="0"/>
+              <a:t>– thus no need to drop outliers</a:t>
+            </a:r>
+          </a:p>
+          <a:p>
+            <a:pPr marL="285750" indent="-285750">
               <a:buFont typeface="Wingdings" panose="05000000000000000000" pitchFamily="2" charset="2"/>
-              <a:buChar char="ü"/>
+              <a:buChar char="q"/>
             </a:pPr>
             <a:r>
               <a:rPr lang="en-US" dirty="0"/>
-              <a:t>Univariate tests</a:t>
-            </a:r>
-          </a:p>
-          <a:p>
-            <a:pPr marL="800100" lvl="2" indent="-342900">
-              <a:buFont typeface="+mj-lt"/>
-              <a:buAutoNum type="arabicPeriod"/>
-            </a:pPr>
-            <a:r>
-              <a:rPr lang="en-US" dirty="0"/>
-              <a:t>paired t_test  - compare 2 groups (observations grouped by outcome classes) and find out </a:t>
-            </a:r>
-            <a:r>
-              <a:rPr lang="en-US" b="0" i="0" dirty="0">
-                <a:solidFill>
-                  <a:srgbClr val="1F1F1F"/>
-                </a:solidFill>
-                <a:effectLst/>
-                <a:latin typeface="Google Sans"/>
-              </a:rPr>
-              <a:t>whether there is a significant difference in paired measurements (p &lt; 0.05) of features. 5 features found to not have statistically significant differences.  (As seen with histplots in EDA previously) – those 5 where dropped, reducing dataset to 26 features</a:t>
-            </a:r>
-          </a:p>
-          <a:p>
-            <a:pPr marL="800100" lvl="2" indent="-342900">
-              <a:buFont typeface="+mj-lt"/>
-              <a:buAutoNum type="arabicPeriod"/>
-            </a:pPr>
-            <a:r>
-              <a:rPr lang="en-US" dirty="0"/>
-              <a:t>k-best 15 features selection using chi2,f_classif, f_regression methods – each returns a slightly different list of best 15 features</a:t>
-            </a:r>
-          </a:p>
-          <a:p>
-            <a:pPr marL="742950" lvl="2" indent="-285750">
-              <a:buFont typeface="Wingdings" panose="05000000000000000000" pitchFamily="2" charset="2"/>
-              <a:buChar char="ü"/>
-            </a:pPr>
-            <a:r>
-              <a:rPr lang="en-US" dirty="0"/>
-              <a:t>Multivariate tests on 26 features with number of regression models (8) including Lasso and Ridge, etc.  Then choosing the features selected by at least 5 different models. Resulted in same 26 features</a:t>
-            </a:r>
-          </a:p>
-          <a:p>
-            <a:pPr marL="742950" lvl="2" indent="-285750">
-              <a:buFont typeface="Wingdings" panose="05000000000000000000" pitchFamily="2" charset="2"/>
-              <a:buChar char="ü"/>
-            </a:pPr>
-            <a:r>
-              <a:rPr lang="en-US" dirty="0"/>
-              <a:t>Finally choosing features where there is a maximum interception between the list of features created by the different tests (most close to k-best with chi2 resulting list) , resulting in the 15 final features</a:t>
+              <a:t>No missing values - visualization</a:t>
             </a:r>
           </a:p>
           <a:p>
@@ -13488,8 +13944,21 @@
                 <a:effectLst/>
                 <a:latin typeface="Consolas" panose="020B0609020204030204" pitchFamily="49" charset="0"/>
               </a:rPr>
-              <a:t>IntermidiateData/4_FeatureEngeneering_Cancer_Data.pkl</a:t>
-            </a:r>
+              <a:t>IntermidiateData/3_Final_Cancer_Data.pkl</a:t>
+            </a:r>
+            <a:endParaRPr lang="en-US" b="0" dirty="0">
+              <a:solidFill>
+                <a:srgbClr val="DADADA"/>
+              </a:solidFill>
+              <a:effectLst/>
+              <a:latin typeface="Consolas" panose="020B0609020204030204" pitchFamily="49" charset="0"/>
+            </a:endParaRPr>
+          </a:p>
+          <a:p>
+            <a:pPr marL="285750" indent="-285750">
+              <a:buFont typeface="Wingdings" panose="05000000000000000000" pitchFamily="2" charset="2"/>
+              <a:buChar char="q"/>
+            </a:pPr>
             <a:endParaRPr lang="pt-BR" b="0" dirty="0">
               <a:solidFill>
                 <a:srgbClr val="DADADA"/>
@@ -13513,10 +13982,111 @@
           </a:p>
         </p:txBody>
       </p:sp>
+      <p:sp>
+        <p:nvSpPr>
+          <p:cNvPr id="4" name="Rectangle 1">
+            <a:extLst>
+              <a:ext uri="{FF2B5EF4-FFF2-40B4-BE49-F238E27FC236}">
+                <a16:creationId xmlns:a16="http://schemas.microsoft.com/office/drawing/2014/main" id="{57BCEC61-D20C-7C1F-2787-43B4583E7814}"/>
+              </a:ext>
+            </a:extLst>
+          </p:cNvPr>
+          <p:cNvSpPr>
+            <a:spLocks noChangeArrowheads="1"/>
+          </p:cNvSpPr>
+          <p:nvPr/>
+        </p:nvSpPr>
+        <p:spPr bwMode="auto">
+          <a:xfrm>
+            <a:off x="0" y="178262"/>
+            <a:ext cx="22442" cy="100676"/>
+          </a:xfrm>
+          <a:prstGeom prst="rect">
+            <a:avLst/>
+          </a:prstGeom>
+          <a:solidFill>
+            <a:srgbClr val="F8F9FA"/>
+          </a:solidFill>
+          <a:ln>
+            <a:noFill/>
+          </a:ln>
+          <a:effectLst/>
+          <a:extLst>
+            <a:ext uri="{91240B29-F687-4F45-9708-019B960494DF}">
+              <a14:hiddenLine xmlns:a14="http://schemas.microsoft.com/office/drawing/2010/main" w="9525">
+                <a:solidFill>
+                  <a:schemeClr val="tx1"/>
+                </a:solidFill>
+                <a:miter lim="800000"/>
+                <a:headEnd/>
+                <a:tailEnd/>
+              </a14:hiddenLine>
+            </a:ext>
+            <a:ext uri="{AF507438-7753-43E0-B8FC-AC1667EBCBE1}">
+              <a14:hiddenEffects xmlns:a14="http://schemas.microsoft.com/office/drawing/2010/main">
+                <a:effectLst>
+                  <a:outerShdw dist="35921" dir="2700000" algn="ctr" rotWithShape="0">
+                    <a:schemeClr val="bg2"/>
+                  </a:outerShdw>
+                </a:effectLst>
+              </a14:hiddenEffects>
+            </a:ext>
+          </a:extLst>
+        </p:spPr>
+        <p:txBody>
+          <a:bodyPr vert="horz" wrap="none" lIns="0" tIns="-11109" rIns="0" bIns="-11109" numCol="1" anchor="ctr" anchorCtr="0" compatLnSpc="1">
+            <a:prstTxWarp prst="textNoShape">
+              <a:avLst/>
+            </a:prstTxWarp>
+            <a:spAutoFit/>
+          </a:bodyPr>
+          <a:lstStyle/>
+          <a:p>
+            <a:pPr marL="0" marR="0" lvl="0" indent="0" algn="l" defTabSz="914400" rtl="0" eaLnBrk="0" fontAlgn="base" latinLnBrk="0" hangingPunct="0">
+              <a:lnSpc>
+                <a:spcPct val="100000"/>
+              </a:lnSpc>
+              <a:spcBef>
+                <a:spcPct val="0"/>
+              </a:spcBef>
+              <a:spcAft>
+                <a:spcPct val="0"/>
+              </a:spcAft>
+              <a:buClrTx/>
+              <a:buSzTx/>
+              <a:buFontTx/>
+              <a:buNone/>
+              <a:tabLst/>
+            </a:pPr>
+            <a:r>
+              <a:rPr kumimoji="0" lang="en-US" altLang="en-US" sz="800" b="0" i="0" u="none" strike="noStrike" cap="none" normalizeH="0" baseline="0" dirty="0">
+                <a:ln>
+                  <a:noFill/>
+                </a:ln>
+                <a:solidFill>
+                  <a:schemeClr val="tx1"/>
+                </a:solidFill>
+                <a:effectLst/>
+              </a:rPr>
+              <a:t> </a:t>
+            </a:r>
+            <a:endParaRPr kumimoji="0" lang="en-US" altLang="en-US" sz="1800" b="0" i="0" u="none" strike="noStrike" cap="none" normalizeH="0" baseline="0" dirty="0">
+              <a:ln>
+                <a:noFill/>
+              </a:ln>
+              <a:solidFill>
+                <a:schemeClr val="tx1"/>
+              </a:solidFill>
+              <a:effectLst/>
+              <a:latin typeface="Arial" panose="020B0604020202020204" pitchFamily="34" charset="0"/>
+            </a:endParaRPr>
+          </a:p>
+        </p:txBody>
+      </p:sp>
     </p:spTree>
     <p:extLst>
       <p:ext uri="{BB962C8B-B14F-4D97-AF65-F5344CB8AC3E}">
-        <p14:creationId xmlns:p14="http://schemas.microsoft.com/office/powerpoint/2010/main" val="427000883"/>
+        <p14:creationId xmlns:p14="http://schemas.microsoft.com/office/powerpoint/2010/main" val="476628065"/>
       </p:ext>
     </p:extLst>
   </p:cSld>
@@ -13561,8 +14131,8 @@
         </p:nvSpPr>
         <p:spPr>
           <a:xfrm>
-            <a:off x="838200" y="314158"/>
-            <a:ext cx="10515600" cy="457200"/>
+            <a:off x="838200" y="365760"/>
+            <a:ext cx="10515600" cy="580445"/>
           </a:xfrm>
         </p:spPr>
         <p:txBody>
@@ -13571,7 +14141,7 @@
           <a:p>
             <a:r>
               <a:rPr lang="en-US" dirty="0"/>
-              <a:t>5. Model selection and fine tuning</a:t>
+              <a:t>4. Feature engineering and features selection</a:t>
             </a:r>
           </a:p>
         </p:txBody>
@@ -13594,119 +14164,77 @@
         </p:nvSpPr>
         <p:spPr>
           <a:xfrm>
-            <a:off x="389614" y="1073426"/>
-            <a:ext cx="11227241" cy="5088544"/>
+            <a:off x="838199" y="2043485"/>
+            <a:ext cx="10444702" cy="4118486"/>
           </a:xfrm>
         </p:spPr>
         <p:txBody>
           <a:bodyPr>
-            <a:normAutofit fontScale="70000" lnSpcReduction="20000"/>
+            <a:normAutofit/>
           </a:bodyPr>
           <a:lstStyle/>
+          <a:p>
+            <a:endParaRPr lang="en-US" dirty="0"/>
+          </a:p>
+          <a:p>
+            <a:pPr marL="742950" lvl="2" indent="-285750">
+              <a:buFont typeface="Wingdings" panose="05000000000000000000" pitchFamily="2" charset="2"/>
+              <a:buChar char="ü"/>
+            </a:pPr>
+            <a:r>
+              <a:rPr lang="en-US" dirty="0"/>
+              <a:t>Stratification policies on grid search and data split in general degrade performance of chosen model. Same goes for increasing folds number.</a:t>
+            </a:r>
+          </a:p>
+          <a:p>
+            <a:pPr marL="742950" lvl="2" indent="-285750">
+              <a:buFont typeface="Wingdings" panose="05000000000000000000" pitchFamily="2" charset="2"/>
+              <a:buChar char="ü"/>
+            </a:pPr>
+            <a:r>
+              <a:rPr lang="en-US" dirty="0"/>
+              <a:t>Scaling data improves SVM performance</a:t>
+            </a:r>
+          </a:p>
+          <a:p>
+            <a:pPr marL="742950" lvl="2" indent="-285750">
+              <a:buFont typeface="Wingdings" panose="05000000000000000000" pitchFamily="2" charset="2"/>
+              <a:buChar char="ü"/>
+            </a:pPr>
+            <a:r>
+              <a:rPr lang="en-US" dirty="0"/>
+              <a:t>Removing columns with high correlations to each other (treat multicollinearity) – did not improved performance . Option to try – </a:t>
+            </a:r>
+            <a:r>
+              <a:rPr lang="en-US" b="0" i="0" dirty="0">
+                <a:solidFill>
+                  <a:srgbClr val="474747"/>
+                </a:solidFill>
+                <a:effectLst/>
+                <a:latin typeface="Google Sans"/>
+              </a:rPr>
+              <a:t>dimensionality </a:t>
+            </a:r>
+            <a:r>
+              <a:rPr lang="en-US" dirty="0"/>
+              <a:t>reduction with  PCA</a:t>
+            </a:r>
+          </a:p>
+          <a:p>
+            <a:pPr marL="742950" lvl="2" indent="-285750">
+              <a:buFont typeface="Wingdings" panose="05000000000000000000" pitchFamily="2" charset="2"/>
+              <a:buChar char="ü"/>
+            </a:pPr>
+            <a:r>
+              <a:rPr lang="en-US" dirty="0"/>
+              <a:t>the list of features created by the different tests (most close to k-best with chi2 resulting list) , resulting in the 15 final features</a:t>
+            </a:r>
+          </a:p>
           <a:p>
             <a:pPr marL="285750" indent="-285750">
               <a:buFont typeface="Wingdings" panose="05000000000000000000" pitchFamily="2" charset="2"/>
               <a:buChar char="q"/>
             </a:pPr>
-            <a:r>
-              <a:rPr lang="en-US" dirty="0"/>
-              <a:t>Splitting the data: as the data set is very small , data splitting proportions have huge impact on the final results to the extent when just dropping a dev split for good will improve model performance dramatically. Cross-validation technique used with grid search can compensate for absence of a dev set to a certain extent</a:t>
-            </a:r>
-          </a:p>
-          <a:p>
-            <a:pPr marL="285750" indent="-285750">
-              <a:buFont typeface="Wingdings" panose="05000000000000000000" pitchFamily="2" charset="2"/>
-              <a:buChar char="q"/>
-            </a:pPr>
-            <a:r>
-              <a:rPr lang="en-US" dirty="0"/>
-              <a:t>Choosing the best classification metrics: the best metrics will be ‘recall’, since we are interested in minimizing false negatives (i.e. interested in predicting positive class precisely as a false negative penalty is very high). As we are also interested in maximizing true negatives, finally we can use ‘f1’ score</a:t>
-            </a:r>
-          </a:p>
-          <a:p>
-            <a:pPr marL="285750" indent="-285750">
-              <a:buFont typeface="Wingdings" panose="05000000000000000000" pitchFamily="2" charset="2"/>
-              <a:buChar char="q"/>
-            </a:pPr>
-            <a:r>
-              <a:rPr lang="en-US" dirty="0"/>
-              <a:t>Hyperparameters tuning: 7 different classifier models were examined, the hyperparameters tuning on each included grid search with cross-validation  (k-fold) </a:t>
-            </a:r>
-          </a:p>
-          <a:p>
-            <a:pPr marL="285750" indent="-285750">
-              <a:buFont typeface="Wingdings" panose="05000000000000000000" pitchFamily="2" charset="2"/>
-              <a:buChar char="q"/>
-            </a:pPr>
-            <a:r>
-              <a:rPr lang="en-US" dirty="0"/>
-              <a:t>Model selection process: predicting on the test set with the best estimator per examined model (best estimators fitted with best chosen parameters as returned by a grid search), and then choosing the best performing model(s) according to the classification reports</a:t>
-            </a:r>
-          </a:p>
-          <a:p>
-            <a:pPr marL="742950" lvl="2" indent="-285750">
-              <a:buFont typeface="Wingdings" panose="05000000000000000000" pitchFamily="2" charset="2"/>
-              <a:buChar char="ü"/>
-            </a:pPr>
-            <a:r>
-              <a:rPr lang="en-US" dirty="0"/>
-              <a:t>The SVM classifier has the best f1 and recall scores, without overfitting, compared to all other examined models. Then follows XGBClassifier</a:t>
-            </a:r>
-          </a:p>
-          <a:p>
-            <a:pPr marL="742950" lvl="2" indent="-285750"/>
-            <a:r>
-              <a:rPr lang="en-US" dirty="0"/>
-              <a:t>SVM  with recall (on malignant label) of 96% and f1 (on malignant label) of 97%</a:t>
-            </a:r>
-          </a:p>
-          <a:p>
-            <a:pPr marL="742950" lvl="2" indent="-285750"/>
-            <a:r>
-              <a:rPr lang="en-US" dirty="0"/>
-              <a:t>XGBClassifier  with recall (on malignant label) of 96% and f1 (on malignant label) of 98%</a:t>
-            </a:r>
-          </a:p>
-          <a:p>
-            <a:br>
-              <a:rPr lang="en-US" dirty="0"/>
-            </a:br>
-            <a:r>
-              <a:rPr lang="en-US" dirty="0"/>
-              <a:t> Fine tuning selected SVM and XGBClassifier models </a:t>
-            </a:r>
-          </a:p>
-          <a:p>
-            <a:pPr marL="742950" lvl="2" indent="-285750">
-              <a:buFont typeface="Wingdings" panose="05000000000000000000" pitchFamily="2" charset="2"/>
-              <a:buChar char="ü"/>
-            </a:pPr>
-            <a:r>
-              <a:rPr lang="en-US" dirty="0"/>
-              <a:t>Stratification policies on grid search and data split in general degrade performance of chosen model. Same goes for increasing folds number.</a:t>
-            </a:r>
-          </a:p>
-          <a:p>
-            <a:pPr marL="742950" lvl="2" indent="-285750">
-              <a:buFont typeface="Wingdings" panose="05000000000000000000" pitchFamily="2" charset="2"/>
-              <a:buChar char="ü"/>
-            </a:pPr>
-            <a:r>
-              <a:rPr lang="en-US" dirty="0"/>
-              <a:t>Scaling data improves SVM performance</a:t>
-            </a:r>
-          </a:p>
-          <a:p>
-            <a:pPr marL="742950" lvl="2" indent="-285750">
-              <a:buFont typeface="Wingdings" panose="05000000000000000000" pitchFamily="2" charset="2"/>
-              <a:buChar char="ü"/>
-            </a:pPr>
-            <a:r>
-              <a:rPr lang="en-US" dirty="0"/>
-              <a:t>Examined extended set of grid parameters passed to grid search, while using cross-validation and custom refit function that returns the fastest model, chosen from all  the results that reached minimal recall value (threshold of 0.9), and within a single standard deviation of the best of those, by f1 metrics value.</a:t>
-            </a:r>
-          </a:p>
-          <a:p>
             <a:r>
               <a:rPr lang="en-US" dirty="0"/>
               <a:t>Final data frame saved as </a:t>
@@ -13719,30 +14247,8 @@
                 <a:effectLst/>
                 <a:latin typeface="Consolas" panose="020B0609020204030204" pitchFamily="49" charset="0"/>
               </a:rPr>
-              <a:t>IntermidiateData/5_FinalEvaluationScores.xlxs</a:t>
-            </a:r>
-            <a:endParaRPr lang="en-US" b="0" dirty="0">
-              <a:solidFill>
-                <a:srgbClr val="DADADA"/>
-              </a:solidFill>
-              <a:effectLst/>
-              <a:latin typeface="Consolas" panose="020B0609020204030204" pitchFamily="49" charset="0"/>
-            </a:endParaRPr>
-          </a:p>
-          <a:p>
-            <a:endParaRPr lang="en-US" b="0" dirty="0">
-              <a:solidFill>
-                <a:srgbClr val="DADADA"/>
-              </a:solidFill>
-              <a:effectLst/>
-              <a:latin typeface="Consolas" panose="020B0609020204030204" pitchFamily="49" charset="0"/>
-            </a:endParaRPr>
-          </a:p>
-          <a:p>
-            <a:pPr marL="285750" indent="-285750">
-              <a:buFont typeface="Wingdings" panose="05000000000000000000" pitchFamily="2" charset="2"/>
-              <a:buChar char="q"/>
-            </a:pPr>
+              <a:t>IntermidiateData/4_FeatureEngeneering_Cancer_Data.pkl</a:t>
+            </a:r>
             <a:endParaRPr lang="pt-BR" b="0" dirty="0">
               <a:solidFill>
                 <a:srgbClr val="DADADA"/>
@@ -13769,7 +14275,7 @@
     </p:spTree>
     <p:extLst>
       <p:ext uri="{BB962C8B-B14F-4D97-AF65-F5344CB8AC3E}">
-        <p14:creationId xmlns:p14="http://schemas.microsoft.com/office/powerpoint/2010/main" val="2286726679"/>
+        <p14:creationId xmlns:p14="http://schemas.microsoft.com/office/powerpoint/2010/main" val="3055260369"/>
       </p:ext>
     </p:extLst>
   </p:cSld>
@@ -14673,6 +15179,15 @@
 </file>
 
 <file path=customXml/item1.xml><?xml version="1.0" encoding="utf-8"?>
+<?mso-contentType ?>
+<FormTemplates xmlns="http://schemas.microsoft.com/sharepoint/v3/contenttype/forms">
+  <Display>DocumentLibraryForm</Display>
+  <Edit>DocumentLibraryForm</Edit>
+  <New>DocumentLibraryForm</New>
+</FormTemplates>
+</file>
+
+<file path=customXml/item2.xml><?xml version="1.0" encoding="utf-8"?>
 <ct:contentTypeSchema xmlns:ct="http://schemas.microsoft.com/office/2006/metadata/contentType" xmlns:ma="http://schemas.microsoft.com/office/2006/metadata/properties/metaAttributes" ct:_="" ma:_="" ma:contentTypeName="Document" ma:contentTypeID="0x01010079F111ED35F8CC479449609E8A0923A6" ma:contentTypeVersion="28" ma:contentTypeDescription="Create a new document." ma:contentTypeScope="" ma:versionID="60f5a4f2d2b0abadcf532d48ebf9cb71">
   <xsd:schema xmlns:xsd="http://www.w3.org/2001/XMLSchema" xmlns:xs="http://www.w3.org/2001/XMLSchema" xmlns:p="http://schemas.microsoft.com/office/2006/metadata/properties" xmlns:ns1="http://schemas.microsoft.com/sharepoint/v3" xmlns:ns2="71af3243-3dd4-4a8d-8c0d-dd76da1f02a5" xmlns:ns3="16c05727-aa75-4e4a-9b5f-8a80a1165891" xmlns:ns4="230e9df3-be65-4c73-a93b-d1236ebd677e" targetNamespace="http://schemas.microsoft.com/office/2006/metadata/properties" ma:root="true" ma:fieldsID="7dd78129e6a1811f84807ad11c651531" ns1:_="" ns2:_="" ns3:_="" ns4:_="">
     <xsd:import namespace="http://schemas.microsoft.com/sharepoint/v3"/>
@@ -14984,15 +15499,6 @@
 </ct:contentTypeSchema>
 </file>
 
-<file path=customXml/item2.xml><?xml version="1.0" encoding="utf-8"?>
-<?mso-contentType ?>
-<FormTemplates xmlns="http://schemas.microsoft.com/sharepoint/v3/contenttype/forms">
-  <Display>DocumentLibraryForm</Display>
-  <Edit>DocumentLibraryForm</Edit>
-  <New>DocumentLibraryForm</New>
-</FormTemplates>
-</file>
-
 <file path=customXml/item3.xml><?xml version="1.0" encoding="utf-8"?>
 <p:properties xmlns:p="http://schemas.microsoft.com/office/2006/metadata/properties" xmlns:xsi="http://www.w3.org/2001/XMLSchema-instance" xmlns:pc="http://schemas.microsoft.com/office/infopath/2007/PartnerControls">
   <documentManagement>
@@ -15014,6 +15520,14 @@
 </file>
 
 <file path=customXml/itemProps1.xml><?xml version="1.0" encoding="utf-8"?>
+<ds:datastoreItem xmlns:ds="http://schemas.openxmlformats.org/officeDocument/2006/customXml" ds:itemID="{0F048343-1EA9-44C3-883E-652FAAF0713E}">
+  <ds:schemaRefs>
+    <ds:schemaRef ds:uri="http://schemas.microsoft.com/sharepoint/v3/contenttype/forms"/>
+  </ds:schemaRefs>
+</ds:datastoreItem>
+</file>
+
+<file path=customXml/itemProps2.xml><?xml version="1.0" encoding="utf-8"?>
 <ds:datastoreItem xmlns:ds="http://schemas.openxmlformats.org/officeDocument/2006/customXml" ds:itemID="{5F2A2379-DD35-4769-BFD6-4857D72F808A}">
   <ds:schemaRefs>
     <ds:schemaRef ds:uri="http://schemas.microsoft.com/office/2006/metadata/contentType"/>
@@ -15034,14 +15548,6 @@
 </ds:datastoreItem>
 </file>
 
-<file path=customXml/itemProps2.xml><?xml version="1.0" encoding="utf-8"?>
-<ds:datastoreItem xmlns:ds="http://schemas.openxmlformats.org/officeDocument/2006/customXml" ds:itemID="{0F048343-1EA9-44C3-883E-652FAAF0713E}">
-  <ds:schemaRefs>
-    <ds:schemaRef ds:uri="http://schemas.microsoft.com/sharepoint/v3/contenttype/forms"/>
-  </ds:schemaRefs>
-</ds:datastoreItem>
-</file>
-
 <file path=customXml/itemProps3.xml><?xml version="1.0" encoding="utf-8"?>
 <ds:datastoreItem xmlns:ds="http://schemas.openxmlformats.org/officeDocument/2006/customXml" ds:itemID="{85C2645A-E767-4D7E-984D-234E531E4556}">
   <ds:schemaRefs>

--- a/PROJECT_PRESENTATION.pptx
+++ b/PROJECT_PRESENTATION.pptx
@@ -16,8 +16,8 @@
     <p:sldId id="296" r:id="rId7"/>
     <p:sldId id="279" r:id="rId8"/>
     <p:sldId id="295" r:id="rId9"/>
-    <p:sldId id="297" r:id="rId10"/>
-    <p:sldId id="304" r:id="rId11"/>
+    <p:sldId id="304" r:id="rId10"/>
+    <p:sldId id="297" r:id="rId11"/>
     <p:sldId id="298" r:id="rId12"/>
     <p:sldId id="303" r:id="rId13"/>
     <p:sldId id="299" r:id="rId14"/>
@@ -12525,7 +12525,7 @@
                   </a:extLst>
                 </a:hlinkClick>
               </a:rPr>
-              <a:t>https://github.Com/lmanov1/cancerprediction</a:t>
+              <a:t>https://github.com/lmanov1/cancerprediction</a:t>
             </a:r>
             <a:endParaRPr lang="en-US" cap="none" spc="0" dirty="0"/>
           </a:p>
@@ -13217,7 +13217,7 @@
           <a:p>
             <a:r>
               <a:rPr lang="en-US" dirty="0"/>
-              <a:t>2. Explanatory data analysis</a:t>
+              <a:t>2. Exploratory data analysis</a:t>
             </a:r>
           </a:p>
         </p:txBody>
@@ -13246,17 +13246,20 @@
         </p:spPr>
         <p:txBody>
           <a:bodyPr>
-            <a:normAutofit/>
+            <a:normAutofit fontScale="85000" lnSpcReduction="10000"/>
           </a:bodyPr>
           <a:lstStyle/>
+          <a:p>
+            <a:endParaRPr lang="en-US"/>
+          </a:p>
           <a:p>
             <a:pPr marL="285750" indent="-285750">
               <a:buFont typeface="Wingdings" panose="05000000000000000000" pitchFamily="2" charset="2"/>
               <a:buChar char="q"/>
             </a:pPr>
             <a:r>
-              <a:rPr lang="en-US" dirty="0"/>
-              <a:t>The best image from the EDA about this dataset , demonstrating a potential for classification , at least on part of features of the dataset </a:t>
+              <a:rPr lang="en-US"/>
+              <a:t>Data protocol files saved under the DataProtocol folder</a:t>
             </a:r>
           </a:p>
           <a:p>
@@ -13264,14 +13267,139 @@
               <a:buFont typeface="Wingdings" panose="05000000000000000000" pitchFamily="2" charset="2"/>
               <a:buChar char="q"/>
             </a:pPr>
-            <a:endParaRPr lang="en-US" dirty="0"/>
+            <a:r>
+              <a:rPr lang="en-US"/>
+              <a:t>Automated reports with AutoViz – different plots  saved under AutoVizPlots folder</a:t>
+            </a:r>
+            <a:br>
+              <a:rPr lang="en-US"/>
+            </a:br>
+            <a:r>
+              <a:rPr lang="en-US"/>
+              <a:t> 10 features are highly correlated with its counterparts (no surprises as all computed/engineered from the physical ones)</a:t>
+            </a:r>
           </a:p>
           <a:p>
             <a:pPr marL="285750" indent="-285750">
               <a:buFont typeface="Wingdings" panose="05000000000000000000" pitchFamily="2" charset="2"/>
               <a:buChar char="q"/>
             </a:pPr>
-            <a:endParaRPr lang="en-US" dirty="0"/>
+            <a:r>
+              <a:rPr lang="en-US"/>
+              <a:t>Highly correlated features (multicollinearity) will be addressed during the feature selection stage.</a:t>
+            </a:r>
+          </a:p>
+          <a:p>
+            <a:pPr marL="285750" indent="-285750">
+              <a:buFont typeface="Wingdings" panose="05000000000000000000" pitchFamily="2" charset="2"/>
+              <a:buChar char="q"/>
+            </a:pPr>
+            <a:r>
+              <a:rPr lang="en-US"/>
+              <a:t>Descriptive statistics and visualization per feature data type (categorial, continuous) , describe target value</a:t>
+            </a:r>
+          </a:p>
+          <a:p>
+            <a:pPr marL="285750" indent="-285750">
+              <a:buFont typeface="Wingdings" panose="05000000000000000000" pitchFamily="2" charset="2"/>
+              <a:buChar char="q"/>
+            </a:pPr>
+            <a:r>
+              <a:rPr lang="en-US"/>
+              <a:t>Converting categorial ‘diagnosis’ to string. There are 2 classes here – benign or malignant</a:t>
+            </a:r>
+          </a:p>
+          <a:p>
+            <a:pPr marL="285750" indent="-285750">
+              <a:buFont typeface="Wingdings" panose="05000000000000000000" pitchFamily="2" charset="2"/>
+              <a:buChar char="q"/>
+            </a:pPr>
+            <a:r>
+              <a:rPr lang="en-US"/>
+              <a:t>Out of the dataset observations - 63% benign , 47% malignant. Technically, data is not imbalanced. </a:t>
+            </a:r>
+          </a:p>
+          <a:p>
+            <a:pPr marL="285750" indent="-285750">
+              <a:buFont typeface="Wingdings" panose="05000000000000000000" pitchFamily="2" charset="2"/>
+              <a:buChar char="q"/>
+            </a:pPr>
+            <a:r>
+              <a:rPr lang="en-US"/>
+              <a:t>Among the continuous features, while some are nearly exponentially distributed, others are are nearly normal distributed , with majority of them right-skewed  , with some outliers -&gt; consider to use technics that are not assume normal distribution</a:t>
+            </a:r>
+          </a:p>
+          <a:p>
+            <a:pPr marL="285750" indent="-285750">
+              <a:buFont typeface="Wingdings" panose="05000000000000000000" pitchFamily="2" charset="2"/>
+              <a:buChar char="q"/>
+            </a:pPr>
+            <a:r>
+              <a:rPr lang="en-US"/>
+              <a:t>There are some features that tends to have bigger values when diagnosis is ‘malignant’. On the other hand , there are some that do not show such tendency so it will be possible dropped during feature selection stage</a:t>
+            </a:r>
+          </a:p>
+          <a:p>
+            <a:pPr marL="285750" indent="-285750">
+              <a:buFont typeface="Wingdings" panose="05000000000000000000" pitchFamily="2" charset="2"/>
+              <a:buChar char="q"/>
+            </a:pPr>
+            <a:r>
+              <a:rPr lang="en-US"/>
+              <a:t>While grouped by diagnosis , t-test statistics of the  feature groups groups are statistically significant , meaning the 2 groups has different distributions (means) and thus can be classified by diagnosis.</a:t>
+            </a:r>
+            <a:br>
+              <a:rPr lang="en-US"/>
+            </a:br>
+            <a:r>
+              <a:rPr lang="en-US"/>
+              <a:t>This fact is then thoroughly visualized with histplots and boxplots</a:t>
+            </a:r>
+          </a:p>
+          <a:p>
+            <a:pPr marL="285750" indent="-285750">
+              <a:buFont typeface="Wingdings" panose="05000000000000000000" pitchFamily="2" charset="2"/>
+              <a:buChar char="q"/>
+            </a:pPr>
+            <a:r>
+              <a:rPr lang="en-US"/>
+              <a:t>No missing data in the dataset</a:t>
+            </a:r>
+          </a:p>
+          <a:p>
+            <a:pPr marL="285750" indent="-285750">
+              <a:buFont typeface="Wingdings" panose="05000000000000000000" pitchFamily="2" charset="2"/>
+              <a:buChar char="q"/>
+            </a:pPr>
+            <a:r>
+              <a:rPr lang="en-US"/>
+              <a:t>Final data frame saved as </a:t>
+            </a:r>
+            <a:r>
+              <a:rPr lang="en-US" sz="2100">
+                <a:solidFill>
+                  <a:srgbClr val="CE9178"/>
+                </a:solidFill>
+                <a:latin typeface="Consolas" panose="020B0609020204030204" pitchFamily="49" charset="0"/>
+              </a:rPr>
+              <a:t>IntermidiateData/</a:t>
+            </a:r>
+            <a:r>
+              <a:rPr lang="pt-BR" sz="2100">
+                <a:solidFill>
+                  <a:srgbClr val="CE9178"/>
+                </a:solidFill>
+                <a:latin typeface="Consolas" panose="020B0609020204030204" pitchFamily="49" charset="0"/>
+              </a:rPr>
+              <a:t> 2_EDA_Cancer_Data.pkl</a:t>
+            </a:r>
+          </a:p>
+          <a:p>
+            <a:pPr marL="285750" indent="-285750">
+              <a:buFont typeface="Wingdings" panose="05000000000000000000" pitchFamily="2" charset="2"/>
+              <a:buChar char="q"/>
+            </a:pPr>
+            <a:endParaRPr lang="en-US"/>
           </a:p>
           <a:p>
             <a:endParaRPr lang="en-US" dirty="0"/>
@@ -13355,7 +13483,7 @@
               <a:tabLst/>
             </a:pPr>
             <a:r>
-              <a:rPr kumimoji="0" lang="en-US" altLang="en-US" sz="800" b="0" i="0" u="none" strike="noStrike" cap="none" normalizeH="0" baseline="0" dirty="0">
+              <a:rPr kumimoji="0" lang="en-US" altLang="en-US" sz="800" b="0" i="0" u="none" strike="noStrike" cap="none" normalizeH="0" baseline="0">
                 <a:ln>
                   <a:noFill/>
                 </a:ln>
@@ -13379,40 +13507,10 @@
           </a:p>
         </p:txBody>
       </p:sp>
-      <p:pic>
-        <p:nvPicPr>
-          <p:cNvPr id="6" name="Picture 5">
-            <a:extLst>
-              <a:ext uri="{FF2B5EF4-FFF2-40B4-BE49-F238E27FC236}">
-                <a16:creationId xmlns:a16="http://schemas.microsoft.com/office/drawing/2014/main" id="{0ABF87E5-DAE5-12D2-0F3D-B9CF95CC9D7F}"/>
-              </a:ext>
-            </a:extLst>
-          </p:cNvPr>
-          <p:cNvPicPr>
-            <a:picLocks noChangeAspect="1"/>
-          </p:cNvPicPr>
-          <p:nvPr/>
-        </p:nvPicPr>
-        <p:blipFill>
-          <a:blip r:embed="rId2"/>
-          <a:stretch>
-            <a:fillRect/>
-          </a:stretch>
-        </p:blipFill>
-        <p:spPr>
-          <a:xfrm>
-            <a:off x="722487" y="2015412"/>
-            <a:ext cx="9578538" cy="3811609"/>
-          </a:xfrm>
-          <a:prstGeom prst="rect">
-            <a:avLst/>
-          </a:prstGeom>
-        </p:spPr>
-      </p:pic>
     </p:spTree>
     <p:extLst>
       <p:ext uri="{BB962C8B-B14F-4D97-AF65-F5344CB8AC3E}">
-        <p14:creationId xmlns:p14="http://schemas.microsoft.com/office/powerpoint/2010/main" val="1259058577"/>
+        <p14:creationId xmlns:p14="http://schemas.microsoft.com/office/powerpoint/2010/main" val="3901709311"/>
       </p:ext>
     </p:extLst>
   </p:cSld>
@@ -13466,10 +13564,9 @@
           <a:lstStyle/>
           <a:p>
             <a:r>
-              <a:rPr lang="en-US"/>
+              <a:rPr lang="en-US" dirty="0"/>
               <a:t>2. Explanatory data analysis</a:t>
             </a:r>
-            <a:endParaRPr lang="en-US" dirty="0"/>
           </a:p>
         </p:txBody>
       </p:sp>
@@ -13497,20 +13594,17 @@
         </p:spPr>
         <p:txBody>
           <a:bodyPr>
-            <a:normAutofit fontScale="85000" lnSpcReduction="10000"/>
+            <a:normAutofit/>
           </a:bodyPr>
           <a:lstStyle/>
-          <a:p>
-            <a:endParaRPr lang="en-US"/>
-          </a:p>
           <a:p>
             <a:pPr marL="285750" indent="-285750">
               <a:buFont typeface="Wingdings" panose="05000000000000000000" pitchFamily="2" charset="2"/>
               <a:buChar char="q"/>
             </a:pPr>
             <a:r>
-              <a:rPr lang="en-US"/>
-              <a:t>Data protocol files saved under the DataProtocol folder</a:t>
+              <a:rPr lang="en-US" dirty="0"/>
+              <a:t>The best image from the EDA about this dataset , demonstrating a potential for classification , at least on part of features of the dataset </a:t>
             </a:r>
           </a:p>
           <a:p>
@@ -13518,139 +13612,14 @@
               <a:buFont typeface="Wingdings" panose="05000000000000000000" pitchFamily="2" charset="2"/>
               <a:buChar char="q"/>
             </a:pPr>
-            <a:r>
-              <a:rPr lang="en-US"/>
-              <a:t>Automated reports with AutoViz – different plots  saved under AutoVizPlots folder</a:t>
-            </a:r>
-            <a:br>
-              <a:rPr lang="en-US"/>
-            </a:br>
-            <a:r>
-              <a:rPr lang="en-US"/>
-              <a:t> 10 features are highly correlated with its counterparts (no surprises as all computed/engineered from the physical ones)</a:t>
-            </a:r>
+            <a:endParaRPr lang="en-US" dirty="0"/>
           </a:p>
           <a:p>
             <a:pPr marL="285750" indent="-285750">
               <a:buFont typeface="Wingdings" panose="05000000000000000000" pitchFamily="2" charset="2"/>
               <a:buChar char="q"/>
             </a:pPr>
-            <a:r>
-              <a:rPr lang="en-US"/>
-              <a:t>Highly correlated features (multicollinearity) will be addressed during the feature selection stage.</a:t>
-            </a:r>
-          </a:p>
-          <a:p>
-            <a:pPr marL="285750" indent="-285750">
-              <a:buFont typeface="Wingdings" panose="05000000000000000000" pitchFamily="2" charset="2"/>
-              <a:buChar char="q"/>
-            </a:pPr>
-            <a:r>
-              <a:rPr lang="en-US"/>
-              <a:t>Descriptive statistics and visualization per feature data type (categorial, continuous) , describe target value</a:t>
-            </a:r>
-          </a:p>
-          <a:p>
-            <a:pPr marL="285750" indent="-285750">
-              <a:buFont typeface="Wingdings" panose="05000000000000000000" pitchFamily="2" charset="2"/>
-              <a:buChar char="q"/>
-            </a:pPr>
-            <a:r>
-              <a:rPr lang="en-US"/>
-              <a:t>Converting categorial ‘diagnosis’ to string. There are 2 classes here – benign or malignant</a:t>
-            </a:r>
-          </a:p>
-          <a:p>
-            <a:pPr marL="285750" indent="-285750">
-              <a:buFont typeface="Wingdings" panose="05000000000000000000" pitchFamily="2" charset="2"/>
-              <a:buChar char="q"/>
-            </a:pPr>
-            <a:r>
-              <a:rPr lang="en-US"/>
-              <a:t>Out of the dataset observations - 63% benign , 47% malignant. Technically, data is not imbalanced. </a:t>
-            </a:r>
-          </a:p>
-          <a:p>
-            <a:pPr marL="285750" indent="-285750">
-              <a:buFont typeface="Wingdings" panose="05000000000000000000" pitchFamily="2" charset="2"/>
-              <a:buChar char="q"/>
-            </a:pPr>
-            <a:r>
-              <a:rPr lang="en-US"/>
-              <a:t>Among the continuous features, while some are nearly exponentially distributed, others are are nearly normal distributed , with majority of them right-skewed  , with some outliers -&gt; consider to use technics that are not assume normal distribution</a:t>
-            </a:r>
-          </a:p>
-          <a:p>
-            <a:pPr marL="285750" indent="-285750">
-              <a:buFont typeface="Wingdings" panose="05000000000000000000" pitchFamily="2" charset="2"/>
-              <a:buChar char="q"/>
-            </a:pPr>
-            <a:r>
-              <a:rPr lang="en-US"/>
-              <a:t>There are some features that tends to have bigger values when diagnosis is ‘malignant’. On the other hand , there are some that do not show such tendency so it will be possible dropped during feature selection stage</a:t>
-            </a:r>
-          </a:p>
-          <a:p>
-            <a:pPr marL="285750" indent="-285750">
-              <a:buFont typeface="Wingdings" panose="05000000000000000000" pitchFamily="2" charset="2"/>
-              <a:buChar char="q"/>
-            </a:pPr>
-            <a:r>
-              <a:rPr lang="en-US"/>
-              <a:t>While grouped by diagnosis , t-test statistics of the  feature groups groups are statistically significant , meaning the 2 groups has different distributions (means) and thus can be classified by diagnosis.</a:t>
-            </a:r>
-            <a:br>
-              <a:rPr lang="en-US"/>
-            </a:br>
-            <a:r>
-              <a:rPr lang="en-US"/>
-              <a:t>This fact is then thoroughly visualized with histplots and boxplots</a:t>
-            </a:r>
-          </a:p>
-          <a:p>
-            <a:pPr marL="285750" indent="-285750">
-              <a:buFont typeface="Wingdings" panose="05000000000000000000" pitchFamily="2" charset="2"/>
-              <a:buChar char="q"/>
-            </a:pPr>
-            <a:r>
-              <a:rPr lang="en-US"/>
-              <a:t>No missing data in the dataset</a:t>
-            </a:r>
-          </a:p>
-          <a:p>
-            <a:pPr marL="285750" indent="-285750">
-              <a:buFont typeface="Wingdings" panose="05000000000000000000" pitchFamily="2" charset="2"/>
-              <a:buChar char="q"/>
-            </a:pPr>
-            <a:r>
-              <a:rPr lang="en-US"/>
-              <a:t>Final data frame saved as </a:t>
-            </a:r>
-            <a:r>
-              <a:rPr lang="en-US" sz="2100">
-                <a:solidFill>
-                  <a:srgbClr val="CE9178"/>
-                </a:solidFill>
-                <a:latin typeface="Consolas" panose="020B0609020204030204" pitchFamily="49" charset="0"/>
-              </a:rPr>
-              <a:t>IntermidiateData/</a:t>
-            </a:r>
-            <a:r>
-              <a:rPr lang="pt-BR" sz="2100">
-                <a:solidFill>
-                  <a:srgbClr val="CE9178"/>
-                </a:solidFill>
-                <a:latin typeface="Consolas" panose="020B0609020204030204" pitchFamily="49" charset="0"/>
-              </a:rPr>
-              <a:t> 2_EDA_Cancer_Data.pkl</a:t>
-            </a:r>
-          </a:p>
-          <a:p>
-            <a:pPr marL="285750" indent="-285750">
-              <a:buFont typeface="Wingdings" panose="05000000000000000000" pitchFamily="2" charset="2"/>
-              <a:buChar char="q"/>
-            </a:pPr>
-            <a:endParaRPr lang="en-US"/>
+            <a:endParaRPr lang="en-US" dirty="0"/>
           </a:p>
           <a:p>
             <a:endParaRPr lang="en-US" dirty="0"/>
@@ -13734,7 +13703,7 @@
               <a:tabLst/>
             </a:pPr>
             <a:r>
-              <a:rPr kumimoji="0" lang="en-US" altLang="en-US" sz="800" b="0" i="0" u="none" strike="noStrike" cap="none" normalizeH="0" baseline="0">
+              <a:rPr kumimoji="0" lang="en-US" altLang="en-US" sz="800" b="0" i="0" u="none" strike="noStrike" cap="none" normalizeH="0" baseline="0" dirty="0">
                 <a:ln>
                   <a:noFill/>
                 </a:ln>
@@ -13758,10 +13727,40 @@
           </a:p>
         </p:txBody>
       </p:sp>
+      <p:pic>
+        <p:nvPicPr>
+          <p:cNvPr id="6" name="Picture 5">
+            <a:extLst>
+              <a:ext uri="{FF2B5EF4-FFF2-40B4-BE49-F238E27FC236}">
+                <a16:creationId xmlns:a16="http://schemas.microsoft.com/office/drawing/2014/main" id="{0ABF87E5-DAE5-12D2-0F3D-B9CF95CC9D7F}"/>
+              </a:ext>
+            </a:extLst>
+          </p:cNvPr>
+          <p:cNvPicPr>
+            <a:picLocks noChangeAspect="1"/>
+          </p:cNvPicPr>
+          <p:nvPr/>
+        </p:nvPicPr>
+        <p:blipFill>
+          <a:blip r:embed="rId2"/>
+          <a:stretch>
+            <a:fillRect/>
+          </a:stretch>
+        </p:blipFill>
+        <p:spPr>
+          <a:xfrm>
+            <a:off x="909099" y="2055168"/>
+            <a:ext cx="9578538" cy="3811609"/>
+          </a:xfrm>
+          <a:prstGeom prst="rect">
+            <a:avLst/>
+          </a:prstGeom>
+        </p:spPr>
+      </p:pic>
     </p:spTree>
     <p:extLst>
       <p:ext uri="{BB962C8B-B14F-4D97-AF65-F5344CB8AC3E}">
-        <p14:creationId xmlns:p14="http://schemas.microsoft.com/office/powerpoint/2010/main" val="3901709311"/>
+        <p14:creationId xmlns:p14="http://schemas.microsoft.com/office/powerpoint/2010/main" val="1259058577"/>
       </p:ext>
     </p:extLst>
   </p:cSld>
